--- a/rij_data_plot_final.pptx
+++ b/rij_data_plot_final.pptx
@@ -218,7 +218,7 @@
           <a:p>
             <a:fld id="{E366071D-6A85-374C-9F43-B4FBD42146DD}" type="datetimeFigureOut">
               <a:rPr lang="en-US" smtClean="0"/>
-              <a:t>9/16/25</a:t>
+              <a:t>11/21/25</a:t>
             </a:fld>
             <a:endParaRPr lang="en-US"/>
           </a:p>
@@ -800,7 +800,7 @@
           <a:p>
             <a:fld id="{8CCA6E39-38D7-6542-B396-4AF66DB8CF8E}" type="datetimeFigureOut">
               <a:rPr lang="en-US" smtClean="0"/>
-              <a:t>9/16/25</a:t>
+              <a:t>11/21/25</a:t>
             </a:fld>
             <a:endParaRPr lang="en-US"/>
           </a:p>
@@ -998,7 +998,7 @@
           <a:p>
             <a:fld id="{8CCA6E39-38D7-6542-B396-4AF66DB8CF8E}" type="datetimeFigureOut">
               <a:rPr lang="en-US" smtClean="0"/>
-              <a:t>9/16/25</a:t>
+              <a:t>11/21/25</a:t>
             </a:fld>
             <a:endParaRPr lang="en-US"/>
           </a:p>
@@ -1206,7 +1206,7 @@
           <a:p>
             <a:fld id="{8CCA6E39-38D7-6542-B396-4AF66DB8CF8E}" type="datetimeFigureOut">
               <a:rPr lang="en-US" smtClean="0"/>
-              <a:t>9/16/25</a:t>
+              <a:t>11/21/25</a:t>
             </a:fld>
             <a:endParaRPr lang="en-US"/>
           </a:p>
@@ -1404,7 +1404,7 @@
           <a:p>
             <a:fld id="{8CCA6E39-38D7-6542-B396-4AF66DB8CF8E}" type="datetimeFigureOut">
               <a:rPr lang="en-US" smtClean="0"/>
-              <a:t>9/16/25</a:t>
+              <a:t>11/21/25</a:t>
             </a:fld>
             <a:endParaRPr lang="en-US"/>
           </a:p>
@@ -1679,7 +1679,7 @@
           <a:p>
             <a:fld id="{8CCA6E39-38D7-6542-B396-4AF66DB8CF8E}" type="datetimeFigureOut">
               <a:rPr lang="en-US" smtClean="0"/>
-              <a:t>9/16/25</a:t>
+              <a:t>11/21/25</a:t>
             </a:fld>
             <a:endParaRPr lang="en-US"/>
           </a:p>
@@ -1944,7 +1944,7 @@
           <a:p>
             <a:fld id="{8CCA6E39-38D7-6542-B396-4AF66DB8CF8E}" type="datetimeFigureOut">
               <a:rPr lang="en-US" smtClean="0"/>
-              <a:t>9/16/25</a:t>
+              <a:t>11/21/25</a:t>
             </a:fld>
             <a:endParaRPr lang="en-US"/>
           </a:p>
@@ -2356,7 +2356,7 @@
           <a:p>
             <a:fld id="{8CCA6E39-38D7-6542-B396-4AF66DB8CF8E}" type="datetimeFigureOut">
               <a:rPr lang="en-US" smtClean="0"/>
-              <a:t>9/16/25</a:t>
+              <a:t>11/21/25</a:t>
             </a:fld>
             <a:endParaRPr lang="en-US"/>
           </a:p>
@@ -2497,7 +2497,7 @@
           <a:p>
             <a:fld id="{8CCA6E39-38D7-6542-B396-4AF66DB8CF8E}" type="datetimeFigureOut">
               <a:rPr lang="en-US" smtClean="0"/>
-              <a:t>9/16/25</a:t>
+              <a:t>11/21/25</a:t>
             </a:fld>
             <a:endParaRPr lang="en-US"/>
           </a:p>
@@ -2610,7 +2610,7 @@
           <a:p>
             <a:fld id="{8CCA6E39-38D7-6542-B396-4AF66DB8CF8E}" type="datetimeFigureOut">
               <a:rPr lang="en-US" smtClean="0"/>
-              <a:t>9/16/25</a:t>
+              <a:t>11/21/25</a:t>
             </a:fld>
             <a:endParaRPr lang="en-US"/>
           </a:p>
@@ -2921,7 +2921,7 @@
           <a:p>
             <a:fld id="{8CCA6E39-38D7-6542-B396-4AF66DB8CF8E}" type="datetimeFigureOut">
               <a:rPr lang="en-US" smtClean="0"/>
-              <a:t>9/16/25</a:t>
+              <a:t>11/21/25</a:t>
             </a:fld>
             <a:endParaRPr lang="en-US"/>
           </a:p>
@@ -3209,7 +3209,7 @@
           <a:p>
             <a:fld id="{8CCA6E39-38D7-6542-B396-4AF66DB8CF8E}" type="datetimeFigureOut">
               <a:rPr lang="en-US" smtClean="0"/>
-              <a:t>9/16/25</a:t>
+              <a:t>11/21/25</a:t>
             </a:fld>
             <a:endParaRPr lang="en-US"/>
           </a:p>
@@ -3450,7 +3450,7 @@
           <a:p>
             <a:fld id="{8CCA6E39-38D7-6542-B396-4AF66DB8CF8E}" type="datetimeFigureOut">
               <a:rPr lang="en-US" smtClean="0"/>
-              <a:t>9/16/25</a:t>
+              <a:t>11/21/25</a:t>
             </a:fld>
             <a:endParaRPr lang="en-US"/>
           </a:p>
@@ -4057,10 +4057,10 @@
           </p:nvGrpSpPr>
           <p:grpSpPr>
             <a:xfrm>
-              <a:off x="4638016" y="372014"/>
-              <a:ext cx="4758472" cy="6330520"/>
-              <a:chOff x="4638016" y="288848"/>
-              <a:chExt cx="4758472" cy="6330520"/>
+              <a:off x="4628077" y="272624"/>
+              <a:ext cx="4768411" cy="6429910"/>
+              <a:chOff x="4628077" y="189458"/>
+              <a:chExt cx="4768411" cy="6429910"/>
             </a:xfrm>
           </p:grpSpPr>
           <p:grpSp>
@@ -4077,10 +4077,10 @@
             </p:nvGrpSpPr>
             <p:grpSpPr>
               <a:xfrm>
-                <a:off x="4638016" y="288848"/>
-                <a:ext cx="4758472" cy="5105432"/>
-                <a:chOff x="4638016" y="288848"/>
-                <a:chExt cx="4758472" cy="5105432"/>
+                <a:off x="4628077" y="189458"/>
+                <a:ext cx="4768411" cy="5204822"/>
+                <a:chOff x="4628077" y="189458"/>
+                <a:chExt cx="4768411" cy="5204822"/>
               </a:xfrm>
             </p:grpSpPr>
             <p:grpSp>
@@ -4097,10 +4097,10 @@
               </p:nvGrpSpPr>
               <p:grpSpPr>
                 <a:xfrm>
-                  <a:off x="4638016" y="288848"/>
-                  <a:ext cx="3199511" cy="3372127"/>
-                  <a:chOff x="4638016" y="288848"/>
-                  <a:chExt cx="3199511" cy="3372127"/>
+                  <a:off x="4628077" y="189458"/>
+                  <a:ext cx="3219389" cy="3471517"/>
+                  <a:chOff x="4628077" y="189458"/>
+                  <a:chExt cx="3219389" cy="3471517"/>
                 </a:xfrm>
               </p:grpSpPr>
               <p:sp>
@@ -4117,7 +4117,7 @@
                 </p:nvSpPr>
                 <p:spPr>
                   <a:xfrm>
-                    <a:off x="4638016" y="288848"/>
+                    <a:off x="4638016" y="189458"/>
                     <a:ext cx="453970" cy="369332"/>
                   </a:xfrm>
                   <a:prstGeom prst="rect">
@@ -4155,7 +4155,7 @@
                 </p:nvSpPr>
                 <p:spPr>
                   <a:xfrm>
-                    <a:off x="7370733" y="288848"/>
+                    <a:off x="7380672" y="199397"/>
                     <a:ext cx="466794" cy="369332"/>
                   </a:xfrm>
                   <a:prstGeom prst="rect">
@@ -4193,7 +4193,7 @@
                 </p:nvSpPr>
                 <p:spPr>
                   <a:xfrm>
-                    <a:off x="4638016" y="3271814"/>
+                    <a:off x="4628077" y="3281753"/>
                     <a:ext cx="441146" cy="369332"/>
                   </a:xfrm>
                   <a:prstGeom prst="rect">
@@ -4231,7 +4231,7 @@
                 </p:nvSpPr>
                 <p:spPr>
                   <a:xfrm>
-                    <a:off x="7370733" y="3291643"/>
+                    <a:off x="7380672" y="3291643"/>
                     <a:ext cx="466794" cy="369332"/>
                   </a:xfrm>
                   <a:prstGeom prst="rect">
@@ -6313,10 +6313,10 @@
       </mc:AlternateContent>
       <p:grpSp>
         <p:nvGrpSpPr>
-          <p:cNvPr id="83" name="Group 82">
+          <p:cNvPr id="5" name="Group 4">
             <a:extLst>
               <a:ext uri="{FF2B5EF4-FFF2-40B4-BE49-F238E27FC236}">
-                <a16:creationId xmlns:a16="http://schemas.microsoft.com/office/drawing/2014/main" id="{E5275D8E-050B-D855-187A-2240F7B96E7D}"/>
+                <a16:creationId xmlns:a16="http://schemas.microsoft.com/office/drawing/2014/main" id="{9B67AD12-637A-29CD-163D-3A86509ABB92}"/>
               </a:ext>
             </a:extLst>
           </p:cNvPr>
@@ -6325,20 +6325,3620 @@
         </p:nvGrpSpPr>
         <p:grpSpPr>
           <a:xfrm>
-            <a:off x="747120" y="1452346"/>
-            <a:ext cx="7002010" cy="3953308"/>
-            <a:chOff x="747120" y="932566"/>
-            <a:chExt cx="7002010" cy="3953308"/>
+            <a:off x="603743" y="1285543"/>
+            <a:ext cx="7185145" cy="4166381"/>
+            <a:chOff x="603743" y="1285543"/>
+            <a:chExt cx="7185145" cy="4166381"/>
           </a:xfrm>
         </p:grpSpPr>
-        <mc:AlternateContent xmlns:mc="http://schemas.openxmlformats.org/markup-compatibility/2006" xmlns:a14="http://schemas.microsoft.com/office/drawing/2010/main">
-          <mc:Choice Requires="a14">
+        <p:sp>
+          <p:nvSpPr>
+            <p:cNvPr id="3" name="TextBox 2">
+              <a:extLst>
+                <a:ext uri="{FF2B5EF4-FFF2-40B4-BE49-F238E27FC236}">
+                  <a16:creationId xmlns:a16="http://schemas.microsoft.com/office/drawing/2014/main" id="{8FF8941C-0347-15F9-F98D-6A0B96887970}"/>
+                </a:ext>
+              </a:extLst>
+            </p:cNvPr>
+            <p:cNvSpPr txBox="1"/>
+            <p:nvPr/>
+          </p:nvSpPr>
+          <p:spPr>
+            <a:xfrm>
+              <a:off x="603743" y="1285543"/>
+              <a:ext cx="7145386" cy="4166381"/>
+            </a:xfrm>
+            <a:prstGeom prst="rect">
+              <a:avLst/>
+            </a:prstGeom>
+            <a:solidFill>
+              <a:schemeClr val="bg1"/>
+            </a:solidFill>
+          </p:spPr>
+          <p:txBody>
+            <a:bodyPr wrap="square" rtlCol="0">
+              <a:spAutoFit/>
+            </a:bodyPr>
+            <a:lstStyle/>
+            <a:p>
+              <a:endParaRPr lang="en-US" dirty="0"/>
+            </a:p>
+          </p:txBody>
+        </p:sp>
+        <p:grpSp>
+          <p:nvGrpSpPr>
+            <p:cNvPr id="83" name="Group 82">
+              <a:extLst>
+                <a:ext uri="{FF2B5EF4-FFF2-40B4-BE49-F238E27FC236}">
+                  <a16:creationId xmlns:a16="http://schemas.microsoft.com/office/drawing/2014/main" id="{E5275D8E-050B-D855-187A-2240F7B96E7D}"/>
+                </a:ext>
+              </a:extLst>
+            </p:cNvPr>
+            <p:cNvGrpSpPr/>
+            <p:nvPr/>
+          </p:nvGrpSpPr>
+          <p:grpSpPr>
+            <a:xfrm>
+              <a:off x="747120" y="1452346"/>
+              <a:ext cx="7041768" cy="3953308"/>
+              <a:chOff x="747120" y="932566"/>
+              <a:chExt cx="7041768" cy="3953308"/>
+            </a:xfrm>
+          </p:grpSpPr>
+          <mc:AlternateContent xmlns:mc="http://schemas.openxmlformats.org/markup-compatibility/2006" xmlns:a14="http://schemas.microsoft.com/office/drawing/2010/main">
+            <mc:Choice Requires="a14">
+              <p:sp>
+                <p:nvSpPr>
+                  <p:cNvPr id="4" name="TextBox 3">
+                    <a:extLst>
+                      <a:ext uri="{FF2B5EF4-FFF2-40B4-BE49-F238E27FC236}">
+                        <a16:creationId xmlns:a16="http://schemas.microsoft.com/office/drawing/2014/main" id="{171C2723-1563-0AD0-E140-D42B1CB3C7AD}"/>
+                      </a:ext>
+                    </a:extLst>
+                  </p:cNvPr>
+                  <p:cNvSpPr txBox="1"/>
+                  <p:nvPr/>
+                </p:nvSpPr>
+                <p:spPr>
+                  <a:xfrm>
+                    <a:off x="747120" y="963956"/>
+                    <a:ext cx="1024082" cy="3900130"/>
+                  </a:xfrm>
+                  <a:prstGeom prst="roundRect">
+                    <a:avLst/>
+                  </a:prstGeom>
+                  <a:ln>
+                    <a:solidFill>
+                      <a:srgbClr val="7030A0"/>
+                    </a:solidFill>
+                  </a:ln>
+                </p:spPr>
+                <p:style>
+                  <a:lnRef idx="2">
+                    <a:schemeClr val="accent2"/>
+                  </a:lnRef>
+                  <a:fillRef idx="1">
+                    <a:schemeClr val="lt1"/>
+                  </a:fillRef>
+                  <a:effectRef idx="0">
+                    <a:schemeClr val="accent2"/>
+                  </a:effectRef>
+                  <a:fontRef idx="minor">
+                    <a:schemeClr val="dk1"/>
+                  </a:fontRef>
+                </p:style>
+                <p:txBody>
+                  <a:bodyPr wrap="square" rtlCol="0">
+                    <a:spAutoFit/>
+                  </a:bodyPr>
+                  <a:lstStyle/>
+                  <a:p>
+                    <a:r>
+                      <a:rPr lang="en-US" sz="1400" dirty="0"/>
+                      <a:t>S</a:t>
+                    </a:r>
+                  </a:p>
+                  <a:p>
+                    <a14:m>
+                      <m:oMath xmlns:m="http://schemas.openxmlformats.org/officeDocument/2006/math">
+                        <m:sSub>
+                          <m:sSubPr>
+                            <m:ctrlPr>
+                              <a:rPr lang="en-US" sz="1400" i="1" smtClean="0">
+                                <a:latin typeface="Cambria Math" panose="02040503050406030204" pitchFamily="18" charset="0"/>
+                              </a:rPr>
+                            </m:ctrlPr>
+                          </m:sSubPr>
+                          <m:e>
+                            <m:r>
+                              <a:rPr lang="en-US" sz="1400" i="1" smtClean="0">
+                                <a:latin typeface="Cambria Math" panose="02040503050406030204" pitchFamily="18" charset="0"/>
+                                <a:ea typeface="Cambria Math" panose="02040503050406030204" pitchFamily="18" charset="0"/>
+                              </a:rPr>
+                              <m:t>𝛼</m:t>
+                            </m:r>
+                          </m:e>
+                          <m:sub>
+                            <m:r>
+                              <a:rPr lang="en-US" sz="1400" b="0" i="1" smtClean="0">
+                                <a:latin typeface="Cambria Math" panose="02040503050406030204" pitchFamily="18" charset="0"/>
+                              </a:rPr>
+                              <m:t>11</m:t>
+                            </m:r>
+                          </m:sub>
+                        </m:sSub>
+                      </m:oMath>
+                    </a14:m>
+                    <a:r>
+                      <a:rPr lang="en-US" sz="1400" dirty="0"/>
+                      <a:t>      </a:t>
+                    </a:r>
+                    <a14:m>
+                      <m:oMath xmlns:m="http://schemas.openxmlformats.org/officeDocument/2006/math">
+                        <m:sSub>
+                          <m:sSubPr>
+                            <m:ctrlPr>
+                              <a:rPr lang="en-US" sz="1400" i="1" dirty="0" smtClean="0">
+                                <a:latin typeface="Cambria Math" panose="02040503050406030204" pitchFamily="18" charset="0"/>
+                              </a:rPr>
+                            </m:ctrlPr>
+                          </m:sSubPr>
+                          <m:e>
+                            <m:r>
+                              <a:rPr lang="en-US" sz="1400" b="0" i="1" dirty="0" smtClean="0">
+                                <a:latin typeface="Cambria Math" panose="02040503050406030204" pitchFamily="18" charset="0"/>
+                              </a:rPr>
+                              <m:t>𝐶</m:t>
+                            </m:r>
+                          </m:e>
+                          <m:sub>
+                            <m:r>
+                              <a:rPr lang="en-US" sz="1400" b="0" i="1" dirty="0" smtClean="0">
+                                <a:latin typeface="Cambria Math" panose="02040503050406030204" pitchFamily="18" charset="0"/>
+                              </a:rPr>
+                              <m:t>11</m:t>
+                            </m:r>
+                          </m:sub>
+                        </m:sSub>
+                      </m:oMath>
+                    </a14:m>
+                    <a:endParaRPr lang="en-US" sz="1400" dirty="0"/>
+                  </a:p>
+                  <a:p>
+                    <a14:m>
+                      <m:oMath xmlns:m="http://schemas.openxmlformats.org/officeDocument/2006/math">
+                        <m:sSub>
+                          <m:sSubPr>
+                            <m:ctrlPr>
+                              <a:rPr lang="en-US" sz="1400" i="1" smtClean="0">
+                                <a:latin typeface="Cambria Math" panose="02040503050406030204" pitchFamily="18" charset="0"/>
+                              </a:rPr>
+                            </m:ctrlPr>
+                          </m:sSubPr>
+                          <m:e>
+                            <m:r>
+                              <a:rPr lang="en-US" sz="1400" i="1" smtClean="0">
+                                <a:latin typeface="Cambria Math" panose="02040503050406030204" pitchFamily="18" charset="0"/>
+                                <a:ea typeface="Cambria Math" panose="02040503050406030204" pitchFamily="18" charset="0"/>
+                              </a:rPr>
+                              <m:t>𝛼</m:t>
+                            </m:r>
+                          </m:e>
+                          <m:sub>
+                            <m:r>
+                              <a:rPr lang="en-US" sz="1400" b="0" i="1" smtClean="0">
+                                <a:latin typeface="Cambria Math" panose="02040503050406030204" pitchFamily="18" charset="0"/>
+                              </a:rPr>
+                              <m:t>12</m:t>
+                            </m:r>
+                          </m:sub>
+                        </m:sSub>
+                      </m:oMath>
+                    </a14:m>
+                    <a:r>
+                      <a:rPr lang="en-US" sz="1400" dirty="0"/>
+                      <a:t>      </a:t>
+                    </a:r>
+                    <a14:m>
+                      <m:oMath xmlns:m="http://schemas.openxmlformats.org/officeDocument/2006/math">
+                        <m:sSub>
+                          <m:sSubPr>
+                            <m:ctrlPr>
+                              <a:rPr lang="en-US" sz="1400" i="1" dirty="0">
+                                <a:latin typeface="Cambria Math" panose="02040503050406030204" pitchFamily="18" charset="0"/>
+                              </a:rPr>
+                            </m:ctrlPr>
+                          </m:sSubPr>
+                          <m:e>
+                            <m:r>
+                              <a:rPr lang="en-US" sz="1400" i="1" dirty="0">
+                                <a:latin typeface="Cambria Math" panose="02040503050406030204" pitchFamily="18" charset="0"/>
+                              </a:rPr>
+                              <m:t>𝐶</m:t>
+                            </m:r>
+                          </m:e>
+                          <m:sub>
+                            <m:r>
+                              <a:rPr lang="en-US" sz="1400" i="1" dirty="0">
+                                <a:latin typeface="Cambria Math" panose="02040503050406030204" pitchFamily="18" charset="0"/>
+                              </a:rPr>
+                              <m:t>1</m:t>
+                            </m:r>
+                            <m:r>
+                              <a:rPr lang="en-US" sz="1400" b="0" i="1" dirty="0" smtClean="0">
+                                <a:latin typeface="Cambria Math" panose="02040503050406030204" pitchFamily="18" charset="0"/>
+                              </a:rPr>
+                              <m:t>2</m:t>
+                            </m:r>
+                          </m:sub>
+                        </m:sSub>
+                      </m:oMath>
+                    </a14:m>
+                    <a:endParaRPr lang="en-US" sz="1400" dirty="0"/>
+                  </a:p>
+                  <a:p>
+                    <a14:m>
+                      <m:oMath xmlns:m="http://schemas.openxmlformats.org/officeDocument/2006/math">
+                        <m:sSub>
+                          <m:sSubPr>
+                            <m:ctrlPr>
+                              <a:rPr lang="en-US" sz="1400" i="1" smtClean="0">
+                                <a:latin typeface="Cambria Math" panose="02040503050406030204" pitchFamily="18" charset="0"/>
+                              </a:rPr>
+                            </m:ctrlPr>
+                          </m:sSubPr>
+                          <m:e>
+                            <m:r>
+                              <a:rPr lang="en-US" sz="1400" i="1" smtClean="0">
+                                <a:latin typeface="Cambria Math" panose="02040503050406030204" pitchFamily="18" charset="0"/>
+                                <a:ea typeface="Cambria Math" panose="02040503050406030204" pitchFamily="18" charset="0"/>
+                              </a:rPr>
+                              <m:t>𝛼</m:t>
+                            </m:r>
+                          </m:e>
+                          <m:sub>
+                            <m:r>
+                              <a:rPr lang="en-US" sz="1400" b="0" i="1" smtClean="0">
+                                <a:latin typeface="Cambria Math" panose="02040503050406030204" pitchFamily="18" charset="0"/>
+                              </a:rPr>
+                              <m:t>13</m:t>
+                            </m:r>
+                          </m:sub>
+                        </m:sSub>
+                      </m:oMath>
+                    </a14:m>
+                    <a:r>
+                      <a:rPr lang="en-US" sz="1400" dirty="0"/>
+                      <a:t>      </a:t>
+                    </a:r>
+                    <a14:m>
+                      <m:oMath xmlns:m="http://schemas.openxmlformats.org/officeDocument/2006/math">
+                        <m:sSub>
+                          <m:sSubPr>
+                            <m:ctrlPr>
+                              <a:rPr lang="en-US" sz="1400" i="1" dirty="0">
+                                <a:latin typeface="Cambria Math" panose="02040503050406030204" pitchFamily="18" charset="0"/>
+                              </a:rPr>
+                            </m:ctrlPr>
+                          </m:sSubPr>
+                          <m:e>
+                            <m:r>
+                              <a:rPr lang="en-US" sz="1400" i="1" dirty="0">
+                                <a:latin typeface="Cambria Math" panose="02040503050406030204" pitchFamily="18" charset="0"/>
+                              </a:rPr>
+                              <m:t>𝐶</m:t>
+                            </m:r>
+                          </m:e>
+                          <m:sub>
+                            <m:r>
+                              <a:rPr lang="en-US" sz="1400" i="1" dirty="0">
+                                <a:latin typeface="Cambria Math" panose="02040503050406030204" pitchFamily="18" charset="0"/>
+                              </a:rPr>
+                              <m:t>1</m:t>
+                            </m:r>
+                            <m:r>
+                              <a:rPr lang="en-US" sz="1400" b="0" i="1" dirty="0" smtClean="0">
+                                <a:latin typeface="Cambria Math" panose="02040503050406030204" pitchFamily="18" charset="0"/>
+                              </a:rPr>
+                              <m:t>3</m:t>
+                            </m:r>
+                          </m:sub>
+                        </m:sSub>
+                      </m:oMath>
+                    </a14:m>
+                    <a:endParaRPr lang="en-US" sz="1400" dirty="0"/>
+                  </a:p>
+                  <a:p>
+                    <a:endParaRPr lang="en-US" sz="1400" dirty="0"/>
+                  </a:p>
+                  <a:p>
+                    <a:r>
+                      <a:rPr lang="en-US" sz="1400" dirty="0"/>
+                      <a:t>P</a:t>
+                    </a:r>
+                  </a:p>
+                  <a:p>
+                    <a14:m>
+                      <m:oMath xmlns:m="http://schemas.openxmlformats.org/officeDocument/2006/math">
+                        <m:sSub>
+                          <m:sSubPr>
+                            <m:ctrlPr>
+                              <a:rPr lang="en-US" sz="1400" i="1" smtClean="0">
+                                <a:latin typeface="Cambria Math" panose="02040503050406030204" pitchFamily="18" charset="0"/>
+                              </a:rPr>
+                            </m:ctrlPr>
+                          </m:sSubPr>
+                          <m:e>
+                            <m:r>
+                              <a:rPr lang="en-US" sz="1400" i="1" smtClean="0">
+                                <a:latin typeface="Cambria Math" panose="02040503050406030204" pitchFamily="18" charset="0"/>
+                                <a:ea typeface="Cambria Math" panose="02040503050406030204" pitchFamily="18" charset="0"/>
+                              </a:rPr>
+                              <m:t>𝛼</m:t>
+                            </m:r>
+                          </m:e>
+                          <m:sub>
+                            <m:r>
+                              <a:rPr lang="en-US" sz="1400" b="0" i="1" smtClean="0">
+                                <a:latin typeface="Cambria Math" panose="02040503050406030204" pitchFamily="18" charset="0"/>
+                                <a:ea typeface="Cambria Math" panose="02040503050406030204" pitchFamily="18" charset="0"/>
+                              </a:rPr>
+                              <m:t>21</m:t>
+                            </m:r>
+                          </m:sub>
+                        </m:sSub>
+                      </m:oMath>
+                    </a14:m>
+                    <a:r>
+                      <a:rPr lang="en-US" sz="1400" dirty="0"/>
+                      <a:t>      </a:t>
+                    </a:r>
+                    <a14:m>
+                      <m:oMath xmlns:m="http://schemas.openxmlformats.org/officeDocument/2006/math">
+                        <m:sSub>
+                          <m:sSubPr>
+                            <m:ctrlPr>
+                              <a:rPr lang="en-US" sz="1400" i="1" dirty="0" smtClean="0">
+                                <a:latin typeface="Cambria Math" panose="02040503050406030204" pitchFamily="18" charset="0"/>
+                              </a:rPr>
+                            </m:ctrlPr>
+                          </m:sSubPr>
+                          <m:e>
+                            <m:r>
+                              <a:rPr lang="en-US" sz="1400" b="0" i="1" dirty="0" smtClean="0">
+                                <a:latin typeface="Cambria Math" panose="02040503050406030204" pitchFamily="18" charset="0"/>
+                              </a:rPr>
+                              <m:t>𝐶</m:t>
+                            </m:r>
+                          </m:e>
+                          <m:sub>
+                            <m:r>
+                              <a:rPr lang="en-US" sz="1400" b="0" i="1" dirty="0" smtClean="0">
+                                <a:latin typeface="Cambria Math" panose="02040503050406030204" pitchFamily="18" charset="0"/>
+                              </a:rPr>
+                              <m:t>21</m:t>
+                            </m:r>
+                          </m:sub>
+                        </m:sSub>
+                      </m:oMath>
+                    </a14:m>
+                    <a:endParaRPr lang="en-US" sz="1400" dirty="0"/>
+                  </a:p>
+                  <a:p>
+                    <a14:m>
+                      <m:oMath xmlns:m="http://schemas.openxmlformats.org/officeDocument/2006/math">
+                        <m:sSub>
+                          <m:sSubPr>
+                            <m:ctrlPr>
+                              <a:rPr lang="en-US" sz="1400" i="1" smtClean="0">
+                                <a:latin typeface="Cambria Math" panose="02040503050406030204" pitchFamily="18" charset="0"/>
+                              </a:rPr>
+                            </m:ctrlPr>
+                          </m:sSubPr>
+                          <m:e>
+                            <m:r>
+                              <a:rPr lang="en-US" sz="1400" i="1" smtClean="0">
+                                <a:latin typeface="Cambria Math" panose="02040503050406030204" pitchFamily="18" charset="0"/>
+                                <a:ea typeface="Cambria Math" panose="02040503050406030204" pitchFamily="18" charset="0"/>
+                              </a:rPr>
+                              <m:t>𝛼</m:t>
+                            </m:r>
+                          </m:e>
+                          <m:sub>
+                            <m:r>
+                              <a:rPr lang="en-US" sz="1400" b="0" i="1" smtClean="0">
+                                <a:latin typeface="Cambria Math" panose="02040503050406030204" pitchFamily="18" charset="0"/>
+                                <a:ea typeface="Cambria Math" panose="02040503050406030204" pitchFamily="18" charset="0"/>
+                              </a:rPr>
+                              <m:t>22</m:t>
+                            </m:r>
+                          </m:sub>
+                        </m:sSub>
+                      </m:oMath>
+                    </a14:m>
+                    <a:r>
+                      <a:rPr lang="en-US" sz="1400" dirty="0"/>
+                      <a:t>      </a:t>
+                    </a:r>
+                    <a14:m>
+                      <m:oMath xmlns:m="http://schemas.openxmlformats.org/officeDocument/2006/math">
+                        <m:sSub>
+                          <m:sSubPr>
+                            <m:ctrlPr>
+                              <a:rPr lang="en-US" sz="1400" i="1" dirty="0" smtClean="0">
+                                <a:latin typeface="Cambria Math" panose="02040503050406030204" pitchFamily="18" charset="0"/>
+                              </a:rPr>
+                            </m:ctrlPr>
+                          </m:sSubPr>
+                          <m:e>
+                            <m:r>
+                              <a:rPr lang="en-US" sz="1400" b="0" i="1" dirty="0" smtClean="0">
+                                <a:latin typeface="Cambria Math" panose="02040503050406030204" pitchFamily="18" charset="0"/>
+                              </a:rPr>
+                              <m:t>𝐶</m:t>
+                            </m:r>
+                          </m:e>
+                          <m:sub>
+                            <m:r>
+                              <a:rPr lang="en-US" sz="1400" b="0" i="1" dirty="0" smtClean="0">
+                                <a:latin typeface="Cambria Math" panose="02040503050406030204" pitchFamily="18" charset="0"/>
+                              </a:rPr>
+                              <m:t>22</m:t>
+                            </m:r>
+                          </m:sub>
+                        </m:sSub>
+                      </m:oMath>
+                    </a14:m>
+                    <a:endParaRPr lang="en-US" sz="1400" dirty="0"/>
+                  </a:p>
+                  <a:p>
+                    <a14:m>
+                      <m:oMath xmlns:m="http://schemas.openxmlformats.org/officeDocument/2006/math">
+                        <m:sSub>
+                          <m:sSubPr>
+                            <m:ctrlPr>
+                              <a:rPr lang="en-US" sz="1400" i="1" smtClean="0">
+                                <a:latin typeface="Cambria Math" panose="02040503050406030204" pitchFamily="18" charset="0"/>
+                              </a:rPr>
+                            </m:ctrlPr>
+                          </m:sSubPr>
+                          <m:e>
+                            <m:r>
+                              <a:rPr lang="en-US" sz="1400" i="1" smtClean="0">
+                                <a:latin typeface="Cambria Math" panose="02040503050406030204" pitchFamily="18" charset="0"/>
+                                <a:ea typeface="Cambria Math" panose="02040503050406030204" pitchFamily="18" charset="0"/>
+                              </a:rPr>
+                              <m:t>𝛼</m:t>
+                            </m:r>
+                          </m:e>
+                          <m:sub>
+                            <m:r>
+                              <a:rPr lang="en-US" sz="1400" b="0" i="1" smtClean="0">
+                                <a:latin typeface="Cambria Math" panose="02040503050406030204" pitchFamily="18" charset="0"/>
+                                <a:ea typeface="Cambria Math" panose="02040503050406030204" pitchFamily="18" charset="0"/>
+                              </a:rPr>
+                              <m:t>23</m:t>
+                            </m:r>
+                          </m:sub>
+                        </m:sSub>
+                      </m:oMath>
+                    </a14:m>
+                    <a:r>
+                      <a:rPr lang="en-US" sz="1400" dirty="0"/>
+                      <a:t>      </a:t>
+                    </a:r>
+                    <a14:m>
+                      <m:oMath xmlns:m="http://schemas.openxmlformats.org/officeDocument/2006/math">
+                        <m:sSub>
+                          <m:sSubPr>
+                            <m:ctrlPr>
+                              <a:rPr lang="en-US" sz="1400" i="1" dirty="0" smtClean="0">
+                                <a:latin typeface="Cambria Math" panose="02040503050406030204" pitchFamily="18" charset="0"/>
+                              </a:rPr>
+                            </m:ctrlPr>
+                          </m:sSubPr>
+                          <m:e>
+                            <m:r>
+                              <a:rPr lang="en-US" sz="1400" b="0" i="1" dirty="0" smtClean="0">
+                                <a:latin typeface="Cambria Math" panose="02040503050406030204" pitchFamily="18" charset="0"/>
+                              </a:rPr>
+                              <m:t>𝐶</m:t>
+                            </m:r>
+                          </m:e>
+                          <m:sub>
+                            <m:r>
+                              <a:rPr lang="en-US" sz="1400" b="0" i="1" dirty="0" smtClean="0">
+                                <a:latin typeface="Cambria Math" panose="02040503050406030204" pitchFamily="18" charset="0"/>
+                              </a:rPr>
+                              <m:t>23</m:t>
+                            </m:r>
+                          </m:sub>
+                        </m:sSub>
+                      </m:oMath>
+                    </a14:m>
+                    <a:r>
+                      <a:rPr lang="en-US" sz="1400" dirty="0"/>
+                      <a:t>      </a:t>
+                    </a:r>
+                  </a:p>
+                  <a:p>
+                    <a:endParaRPr lang="en-US" sz="1400" dirty="0"/>
+                  </a:p>
+                  <a:p>
+                    <a:r>
+                      <a:rPr lang="en-US" sz="1400" dirty="0"/>
+                      <a:t>D</a:t>
+                    </a:r>
+                  </a:p>
+                  <a:p>
+                    <a14:m>
+                      <m:oMath xmlns:m="http://schemas.openxmlformats.org/officeDocument/2006/math">
+                        <m:sSub>
+                          <m:sSubPr>
+                            <m:ctrlPr>
+                              <a:rPr lang="en-US" sz="1400" i="1" smtClean="0">
+                                <a:latin typeface="Cambria Math" panose="02040503050406030204" pitchFamily="18" charset="0"/>
+                              </a:rPr>
+                            </m:ctrlPr>
+                          </m:sSubPr>
+                          <m:e>
+                            <m:r>
+                              <a:rPr lang="en-US" sz="1400" i="1" smtClean="0">
+                                <a:latin typeface="Cambria Math" panose="02040503050406030204" pitchFamily="18" charset="0"/>
+                                <a:ea typeface="Cambria Math" panose="02040503050406030204" pitchFamily="18" charset="0"/>
+                              </a:rPr>
+                              <m:t>𝛼</m:t>
+                            </m:r>
+                          </m:e>
+                          <m:sub>
+                            <m:r>
+                              <a:rPr lang="en-US" sz="1400" b="0" i="1" smtClean="0">
+                                <a:latin typeface="Cambria Math" panose="02040503050406030204" pitchFamily="18" charset="0"/>
+                                <a:ea typeface="Cambria Math" panose="02040503050406030204" pitchFamily="18" charset="0"/>
+                              </a:rPr>
+                              <m:t>31</m:t>
+                            </m:r>
+                          </m:sub>
+                        </m:sSub>
+                      </m:oMath>
+                    </a14:m>
+                    <a:r>
+                      <a:rPr lang="en-US" sz="1400" dirty="0"/>
+                      <a:t>      </a:t>
+                    </a:r>
+                    <a14:m>
+                      <m:oMath xmlns:m="http://schemas.openxmlformats.org/officeDocument/2006/math">
+                        <m:sSub>
+                          <m:sSubPr>
+                            <m:ctrlPr>
+                              <a:rPr lang="en-US" sz="1400" i="1" dirty="0" smtClean="0">
+                                <a:latin typeface="Cambria Math" panose="02040503050406030204" pitchFamily="18" charset="0"/>
+                              </a:rPr>
+                            </m:ctrlPr>
+                          </m:sSubPr>
+                          <m:e>
+                            <m:r>
+                              <a:rPr lang="en-US" sz="1400" b="0" i="1" dirty="0" smtClean="0">
+                                <a:latin typeface="Cambria Math" panose="02040503050406030204" pitchFamily="18" charset="0"/>
+                              </a:rPr>
+                              <m:t>𝐶</m:t>
+                            </m:r>
+                          </m:e>
+                          <m:sub>
+                            <m:r>
+                              <a:rPr lang="en-US" sz="1400" b="0" i="1" dirty="0" smtClean="0">
+                                <a:latin typeface="Cambria Math" panose="02040503050406030204" pitchFamily="18" charset="0"/>
+                              </a:rPr>
+                              <m:t>31</m:t>
+                            </m:r>
+                          </m:sub>
+                        </m:sSub>
+                      </m:oMath>
+                    </a14:m>
+                    <a:endParaRPr lang="en-US" sz="1400" dirty="0"/>
+                  </a:p>
+                  <a:p>
+                    <a14:m>
+                      <m:oMath xmlns:m="http://schemas.openxmlformats.org/officeDocument/2006/math">
+                        <m:sSub>
+                          <m:sSubPr>
+                            <m:ctrlPr>
+                              <a:rPr lang="en-US" sz="1400" i="1" smtClean="0">
+                                <a:latin typeface="Cambria Math" panose="02040503050406030204" pitchFamily="18" charset="0"/>
+                              </a:rPr>
+                            </m:ctrlPr>
+                          </m:sSubPr>
+                          <m:e>
+                            <m:r>
+                              <a:rPr lang="en-US" sz="1400" i="1" smtClean="0">
+                                <a:latin typeface="Cambria Math" panose="02040503050406030204" pitchFamily="18" charset="0"/>
+                                <a:ea typeface="Cambria Math" panose="02040503050406030204" pitchFamily="18" charset="0"/>
+                              </a:rPr>
+                              <m:t>𝛼</m:t>
+                            </m:r>
+                          </m:e>
+                          <m:sub>
+                            <m:r>
+                              <a:rPr lang="en-US" sz="1400" b="0" i="1" smtClean="0">
+                                <a:latin typeface="Cambria Math" panose="02040503050406030204" pitchFamily="18" charset="0"/>
+                                <a:ea typeface="Cambria Math" panose="02040503050406030204" pitchFamily="18" charset="0"/>
+                              </a:rPr>
+                              <m:t>32</m:t>
+                            </m:r>
+                          </m:sub>
+                        </m:sSub>
+                      </m:oMath>
+                    </a14:m>
+                    <a:r>
+                      <a:rPr lang="en-US" sz="1400" dirty="0"/>
+                      <a:t>      </a:t>
+                    </a:r>
+                    <a14:m>
+                      <m:oMath xmlns:m="http://schemas.openxmlformats.org/officeDocument/2006/math">
+                        <m:sSub>
+                          <m:sSubPr>
+                            <m:ctrlPr>
+                              <a:rPr lang="en-US" sz="1400" i="1" dirty="0" smtClean="0">
+                                <a:latin typeface="Cambria Math" panose="02040503050406030204" pitchFamily="18" charset="0"/>
+                              </a:rPr>
+                            </m:ctrlPr>
+                          </m:sSubPr>
+                          <m:e>
+                            <m:r>
+                              <a:rPr lang="en-US" sz="1400" b="0" i="1" dirty="0" smtClean="0">
+                                <a:latin typeface="Cambria Math" panose="02040503050406030204" pitchFamily="18" charset="0"/>
+                              </a:rPr>
+                              <m:t>𝐶</m:t>
+                            </m:r>
+                          </m:e>
+                          <m:sub>
+                            <m:r>
+                              <a:rPr lang="en-US" sz="1400" b="0" i="1" dirty="0" smtClean="0">
+                                <a:latin typeface="Cambria Math" panose="02040503050406030204" pitchFamily="18" charset="0"/>
+                              </a:rPr>
+                              <m:t>32</m:t>
+                            </m:r>
+                          </m:sub>
+                        </m:sSub>
+                      </m:oMath>
+                    </a14:m>
+                    <a:endParaRPr lang="en-US" sz="1400" dirty="0"/>
+                  </a:p>
+                  <a:p>
+                    <a:endParaRPr lang="en-US" sz="1400" dirty="0"/>
+                  </a:p>
+                  <a:p>
+                    <a:r>
+                      <a:rPr lang="en-US" sz="1400" dirty="0"/>
+                      <a:t>F</a:t>
+                    </a:r>
+                  </a:p>
+                  <a:p>
+                    <a14:m>
+                      <m:oMath xmlns:m="http://schemas.openxmlformats.org/officeDocument/2006/math">
+                        <m:sSub>
+                          <m:sSubPr>
+                            <m:ctrlPr>
+                              <a:rPr lang="en-US" sz="1400" i="1" smtClean="0">
+                                <a:latin typeface="Cambria Math" panose="02040503050406030204" pitchFamily="18" charset="0"/>
+                              </a:rPr>
+                            </m:ctrlPr>
+                          </m:sSubPr>
+                          <m:e>
+                            <m:r>
+                              <a:rPr lang="en-US" sz="1400" i="1" smtClean="0">
+                                <a:latin typeface="Cambria Math" panose="02040503050406030204" pitchFamily="18" charset="0"/>
+                                <a:ea typeface="Cambria Math" panose="02040503050406030204" pitchFamily="18" charset="0"/>
+                              </a:rPr>
+                              <m:t>𝛼</m:t>
+                            </m:r>
+                          </m:e>
+                          <m:sub>
+                            <m:r>
+                              <a:rPr lang="en-US" sz="1400" b="0" i="1" smtClean="0">
+                                <a:latin typeface="Cambria Math" panose="02040503050406030204" pitchFamily="18" charset="0"/>
+                                <a:ea typeface="Cambria Math" panose="02040503050406030204" pitchFamily="18" charset="0"/>
+                              </a:rPr>
+                              <m:t>41</m:t>
+                            </m:r>
+                          </m:sub>
+                        </m:sSub>
+                      </m:oMath>
+                    </a14:m>
+                    <a:r>
+                      <a:rPr lang="en-US" sz="1400" dirty="0"/>
+                      <a:t>      </a:t>
+                    </a:r>
+                    <a14:m>
+                      <m:oMath xmlns:m="http://schemas.openxmlformats.org/officeDocument/2006/math">
+                        <m:sSub>
+                          <m:sSubPr>
+                            <m:ctrlPr>
+                              <a:rPr lang="en-US" sz="1400" i="1" dirty="0" smtClean="0">
+                                <a:latin typeface="Cambria Math" panose="02040503050406030204" pitchFamily="18" charset="0"/>
+                              </a:rPr>
+                            </m:ctrlPr>
+                          </m:sSubPr>
+                          <m:e>
+                            <m:r>
+                              <a:rPr lang="en-US" sz="1400" b="0" i="1" dirty="0" smtClean="0">
+                                <a:latin typeface="Cambria Math" panose="02040503050406030204" pitchFamily="18" charset="0"/>
+                              </a:rPr>
+                              <m:t>𝐶</m:t>
+                            </m:r>
+                          </m:e>
+                          <m:sub>
+                            <m:r>
+                              <a:rPr lang="en-US" sz="1400" b="0" i="1" dirty="0" smtClean="0">
+                                <a:latin typeface="Cambria Math" panose="02040503050406030204" pitchFamily="18" charset="0"/>
+                              </a:rPr>
+                              <m:t>41</m:t>
+                            </m:r>
+                          </m:sub>
+                        </m:sSub>
+                      </m:oMath>
+                    </a14:m>
+                    <a:endParaRPr lang="en-US" sz="1400" dirty="0"/>
+                  </a:p>
+                  <a:p>
+                    <a14:m>
+                      <m:oMath xmlns:m="http://schemas.openxmlformats.org/officeDocument/2006/math">
+                        <m:sSub>
+                          <m:sSubPr>
+                            <m:ctrlPr>
+                              <a:rPr lang="en-US" sz="1400" i="1" smtClean="0">
+                                <a:latin typeface="Cambria Math" panose="02040503050406030204" pitchFamily="18" charset="0"/>
+                              </a:rPr>
+                            </m:ctrlPr>
+                          </m:sSubPr>
+                          <m:e>
+                            <m:r>
+                              <a:rPr lang="en-US" sz="1400" i="1" smtClean="0">
+                                <a:latin typeface="Cambria Math" panose="02040503050406030204" pitchFamily="18" charset="0"/>
+                                <a:ea typeface="Cambria Math" panose="02040503050406030204" pitchFamily="18" charset="0"/>
+                              </a:rPr>
+                              <m:t>𝛼</m:t>
+                            </m:r>
+                          </m:e>
+                          <m:sub>
+                            <m:r>
+                              <a:rPr lang="en-US" sz="1400" b="0" i="1" smtClean="0">
+                                <a:latin typeface="Cambria Math" panose="02040503050406030204" pitchFamily="18" charset="0"/>
+                                <a:ea typeface="Cambria Math" panose="02040503050406030204" pitchFamily="18" charset="0"/>
+                              </a:rPr>
+                              <m:t>42</m:t>
+                            </m:r>
+                          </m:sub>
+                        </m:sSub>
+                      </m:oMath>
+                    </a14:m>
+                    <a:r>
+                      <a:rPr lang="en-US" sz="1400" dirty="0"/>
+                      <a:t>      </a:t>
+                    </a:r>
+                    <a14:m>
+                      <m:oMath xmlns:m="http://schemas.openxmlformats.org/officeDocument/2006/math">
+                        <m:sSub>
+                          <m:sSubPr>
+                            <m:ctrlPr>
+                              <a:rPr lang="en-US" sz="1400" i="1" dirty="0" smtClean="0">
+                                <a:latin typeface="Cambria Math" panose="02040503050406030204" pitchFamily="18" charset="0"/>
+                              </a:rPr>
+                            </m:ctrlPr>
+                          </m:sSubPr>
+                          <m:e>
+                            <m:r>
+                              <a:rPr lang="en-US" sz="1400" b="0" i="1" dirty="0" smtClean="0">
+                                <a:latin typeface="Cambria Math" panose="02040503050406030204" pitchFamily="18" charset="0"/>
+                              </a:rPr>
+                              <m:t>𝐶</m:t>
+                            </m:r>
+                          </m:e>
+                          <m:sub>
+                            <m:r>
+                              <a:rPr lang="en-US" sz="1400" b="0" i="1" dirty="0" smtClean="0">
+                                <a:latin typeface="Cambria Math" panose="02040503050406030204" pitchFamily="18" charset="0"/>
+                              </a:rPr>
+                              <m:t>42</m:t>
+                            </m:r>
+                          </m:sub>
+                        </m:sSub>
+                      </m:oMath>
+                    </a14:m>
+                    <a:endParaRPr lang="en-US" sz="1400" dirty="0"/>
+                  </a:p>
+                </p:txBody>
+              </p:sp>
+            </mc:Choice>
+            <mc:Fallback xmlns="">
+              <p:sp>
+                <p:nvSpPr>
+                  <p:cNvPr id="4" name="TextBox 3">
+                    <a:extLst>
+                      <a:ext uri="{FF2B5EF4-FFF2-40B4-BE49-F238E27FC236}">
+                        <a16:creationId xmlns:a16="http://schemas.microsoft.com/office/drawing/2014/main" id="{171C2723-1563-0AD0-E140-D42B1CB3C7AD}"/>
+                      </a:ext>
+                    </a:extLst>
+                  </p:cNvPr>
+                  <p:cNvSpPr txBox="1">
+                    <a:spLocks noRot="1" noChangeAspect="1" noMove="1" noResize="1" noEditPoints="1" noAdjustHandles="1" noChangeArrowheads="1" noChangeShapeType="1" noTextEdit="1"/>
+                  </p:cNvSpPr>
+                  <p:nvPr/>
+                </p:nvSpPr>
+                <p:spPr>
+                  <a:xfrm>
+                    <a:off x="747120" y="963956"/>
+                    <a:ext cx="1024082" cy="3900130"/>
+                  </a:xfrm>
+                  <a:prstGeom prst="roundRect">
+                    <a:avLst/>
+                  </a:prstGeom>
+                  <a:blipFill>
+                    <a:blip r:embed="rId5"/>
+                    <a:stretch>
+                      <a:fillRect/>
+                    </a:stretch>
+                  </a:blipFill>
+                  <a:ln>
+                    <a:solidFill>
+                      <a:srgbClr val="7030A0"/>
+                    </a:solidFill>
+                  </a:ln>
+                </p:spPr>
+                <p:txBody>
+                  <a:bodyPr/>
+                  <a:lstStyle/>
+                  <a:p>
+                    <a:r>
+                      <a:rPr lang="en-US">
+                        <a:noFill/>
+                      </a:rPr>
+                      <a:t> </a:t>
+                    </a:r>
+                  </a:p>
+                </p:txBody>
+              </p:sp>
+            </mc:Fallback>
+          </mc:AlternateContent>
+          <mc:AlternateContent xmlns:mc="http://schemas.openxmlformats.org/markup-compatibility/2006" xmlns:a14="http://schemas.microsoft.com/office/drawing/2010/main">
+            <mc:Choice Requires="a14">
+              <p:sp>
+                <p:nvSpPr>
+                  <p:cNvPr id="7" name="TextBox 6">
+                    <a:extLst>
+                      <a:ext uri="{FF2B5EF4-FFF2-40B4-BE49-F238E27FC236}">
+                        <a16:creationId xmlns:a16="http://schemas.microsoft.com/office/drawing/2014/main" id="{5B7BF9C0-C321-D589-D9B9-FBEAAB08DDA5}"/>
+                      </a:ext>
+                    </a:extLst>
+                  </p:cNvPr>
+                  <p:cNvSpPr txBox="1"/>
+                  <p:nvPr/>
+                </p:nvSpPr>
+                <p:spPr>
+                  <a:xfrm>
+                    <a:off x="1992592" y="932566"/>
+                    <a:ext cx="1024460" cy="2188488"/>
+                  </a:xfrm>
+                  <a:prstGeom prst="roundRect">
+                    <a:avLst/>
+                  </a:prstGeom>
+                  <a:ln>
+                    <a:solidFill>
+                      <a:srgbClr val="FF0000"/>
+                    </a:solidFill>
+                  </a:ln>
+                </p:spPr>
+                <p:style>
+                  <a:lnRef idx="2">
+                    <a:schemeClr val="accent5"/>
+                  </a:lnRef>
+                  <a:fillRef idx="1">
+                    <a:schemeClr val="lt1"/>
+                  </a:fillRef>
+                  <a:effectRef idx="0">
+                    <a:schemeClr val="accent5"/>
+                  </a:effectRef>
+                  <a:fontRef idx="minor">
+                    <a:schemeClr val="dk1"/>
+                  </a:fontRef>
+                </p:style>
+                <p:txBody>
+                  <a:bodyPr wrap="square" rtlCol="0">
+                    <a:spAutoFit/>
+                  </a:bodyPr>
+                  <a:lstStyle/>
+                  <a:p>
+                    <a:r>
+                      <a:rPr lang="en-US" sz="1400" dirty="0">
+                        <a:solidFill>
+                          <a:srgbClr val="FF0000"/>
+                        </a:solidFill>
+                      </a:rPr>
+                      <a:t>S</a:t>
+                    </a:r>
+                  </a:p>
+                  <a:p>
+                    <a14:m>
+                      <m:oMath xmlns:m="http://schemas.openxmlformats.org/officeDocument/2006/math">
+                        <m:sSub>
+                          <m:sSubPr>
+                            <m:ctrlPr>
+                              <a:rPr lang="en-US" sz="1400" i="1" smtClean="0">
+                                <a:solidFill>
+                                  <a:srgbClr val="FF0000"/>
+                                </a:solidFill>
+                                <a:latin typeface="Cambria Math" panose="02040503050406030204" pitchFamily="18" charset="0"/>
+                              </a:rPr>
+                            </m:ctrlPr>
+                          </m:sSubPr>
+                          <m:e>
+                            <m:r>
+                              <a:rPr lang="en-US" sz="1400" i="1" smtClean="0">
+                                <a:solidFill>
+                                  <a:srgbClr val="FF0000"/>
+                                </a:solidFill>
+                                <a:latin typeface="Cambria Math" panose="02040503050406030204" pitchFamily="18" charset="0"/>
+                                <a:ea typeface="Cambria Math" panose="02040503050406030204" pitchFamily="18" charset="0"/>
+                              </a:rPr>
+                              <m:t>𝛼</m:t>
+                            </m:r>
+                          </m:e>
+                          <m:sub>
+                            <m:r>
+                              <a:rPr lang="en-US" sz="1400" b="0" i="1" smtClean="0">
+                                <a:solidFill>
+                                  <a:srgbClr val="FF0000"/>
+                                </a:solidFill>
+                                <a:latin typeface="Cambria Math" panose="02040503050406030204" pitchFamily="18" charset="0"/>
+                              </a:rPr>
+                              <m:t>11</m:t>
+                            </m:r>
+                          </m:sub>
+                        </m:sSub>
+                      </m:oMath>
+                    </a14:m>
+                    <a:r>
+                      <a:rPr lang="en-US" sz="1400" dirty="0">
+                        <a:solidFill>
+                          <a:srgbClr val="FF0000"/>
+                        </a:solidFill>
+                      </a:rPr>
+                      <a:t>      </a:t>
+                    </a:r>
+                    <a14:m>
+                      <m:oMath xmlns:m="http://schemas.openxmlformats.org/officeDocument/2006/math">
+                        <m:sSub>
+                          <m:sSubPr>
+                            <m:ctrlPr>
+                              <a:rPr lang="en-US" sz="1400" i="1" dirty="0" smtClean="0">
+                                <a:solidFill>
+                                  <a:srgbClr val="FF0000"/>
+                                </a:solidFill>
+                                <a:latin typeface="Cambria Math" panose="02040503050406030204" pitchFamily="18" charset="0"/>
+                              </a:rPr>
+                            </m:ctrlPr>
+                          </m:sSubPr>
+                          <m:e>
+                            <m:r>
+                              <a:rPr lang="en-US" sz="1400" b="0" i="1" dirty="0" smtClean="0">
+                                <a:solidFill>
+                                  <a:srgbClr val="FF0000"/>
+                                </a:solidFill>
+                                <a:latin typeface="Cambria Math" panose="02040503050406030204" pitchFamily="18" charset="0"/>
+                              </a:rPr>
+                              <m:t>𝐶</m:t>
+                            </m:r>
+                          </m:e>
+                          <m:sub>
+                            <m:r>
+                              <a:rPr lang="en-US" sz="1400" b="0" i="1" dirty="0" smtClean="0">
+                                <a:solidFill>
+                                  <a:srgbClr val="FF0000"/>
+                                </a:solidFill>
+                                <a:latin typeface="Cambria Math" panose="02040503050406030204" pitchFamily="18" charset="0"/>
+                              </a:rPr>
+                              <m:t>11</m:t>
+                            </m:r>
+                          </m:sub>
+                        </m:sSub>
+                      </m:oMath>
+                    </a14:m>
+                    <a:endParaRPr lang="en-US" sz="1400" dirty="0">
+                      <a:solidFill>
+                        <a:srgbClr val="FF0000"/>
+                      </a:solidFill>
+                    </a:endParaRPr>
+                  </a:p>
+                  <a:p>
+                    <a14:m>
+                      <m:oMath xmlns:m="http://schemas.openxmlformats.org/officeDocument/2006/math">
+                        <m:sSub>
+                          <m:sSubPr>
+                            <m:ctrlPr>
+                              <a:rPr lang="en-US" sz="1400" i="1" smtClean="0">
+                                <a:solidFill>
+                                  <a:srgbClr val="FF0000"/>
+                                </a:solidFill>
+                                <a:latin typeface="Cambria Math" panose="02040503050406030204" pitchFamily="18" charset="0"/>
+                              </a:rPr>
+                            </m:ctrlPr>
+                          </m:sSubPr>
+                          <m:e>
+                            <m:r>
+                              <a:rPr lang="en-US" sz="1400" i="1" smtClean="0">
+                                <a:solidFill>
+                                  <a:srgbClr val="FF0000"/>
+                                </a:solidFill>
+                                <a:latin typeface="Cambria Math" panose="02040503050406030204" pitchFamily="18" charset="0"/>
+                                <a:ea typeface="Cambria Math" panose="02040503050406030204" pitchFamily="18" charset="0"/>
+                              </a:rPr>
+                              <m:t>𝛼</m:t>
+                            </m:r>
+                          </m:e>
+                          <m:sub>
+                            <m:r>
+                              <a:rPr lang="en-US" sz="1400" b="0" i="1" smtClean="0">
+                                <a:solidFill>
+                                  <a:srgbClr val="FF0000"/>
+                                </a:solidFill>
+                                <a:latin typeface="Cambria Math" panose="02040503050406030204" pitchFamily="18" charset="0"/>
+                              </a:rPr>
+                              <m:t>12</m:t>
+                            </m:r>
+                          </m:sub>
+                        </m:sSub>
+                      </m:oMath>
+                    </a14:m>
+                    <a:r>
+                      <a:rPr lang="en-US" sz="1400" dirty="0">
+                        <a:solidFill>
+                          <a:srgbClr val="FF0000"/>
+                        </a:solidFill>
+                      </a:rPr>
+                      <a:t>      </a:t>
+                    </a:r>
+                    <a14:m>
+                      <m:oMath xmlns:m="http://schemas.openxmlformats.org/officeDocument/2006/math">
+                        <m:sSub>
+                          <m:sSubPr>
+                            <m:ctrlPr>
+                              <a:rPr lang="en-US" sz="1400" i="1" dirty="0">
+                                <a:solidFill>
+                                  <a:srgbClr val="FF0000"/>
+                                </a:solidFill>
+                                <a:latin typeface="Cambria Math" panose="02040503050406030204" pitchFamily="18" charset="0"/>
+                              </a:rPr>
+                            </m:ctrlPr>
+                          </m:sSubPr>
+                          <m:e>
+                            <m:r>
+                              <a:rPr lang="en-US" sz="1400" i="1" dirty="0">
+                                <a:solidFill>
+                                  <a:srgbClr val="FF0000"/>
+                                </a:solidFill>
+                                <a:latin typeface="Cambria Math" panose="02040503050406030204" pitchFamily="18" charset="0"/>
+                              </a:rPr>
+                              <m:t>𝐶</m:t>
+                            </m:r>
+                          </m:e>
+                          <m:sub>
+                            <m:r>
+                              <a:rPr lang="en-US" sz="1400" i="1" dirty="0">
+                                <a:solidFill>
+                                  <a:srgbClr val="FF0000"/>
+                                </a:solidFill>
+                                <a:latin typeface="Cambria Math" panose="02040503050406030204" pitchFamily="18" charset="0"/>
+                              </a:rPr>
+                              <m:t>1</m:t>
+                            </m:r>
+                            <m:r>
+                              <a:rPr lang="en-US" sz="1400" b="0" i="1" dirty="0" smtClean="0">
+                                <a:solidFill>
+                                  <a:srgbClr val="FF0000"/>
+                                </a:solidFill>
+                                <a:latin typeface="Cambria Math" panose="02040503050406030204" pitchFamily="18" charset="0"/>
+                              </a:rPr>
+                              <m:t>2</m:t>
+                            </m:r>
+                          </m:sub>
+                        </m:sSub>
+                      </m:oMath>
+                    </a14:m>
+                    <a:endParaRPr lang="en-US" sz="1400" dirty="0">
+                      <a:solidFill>
+                        <a:srgbClr val="FF0000"/>
+                      </a:solidFill>
+                    </a:endParaRPr>
+                  </a:p>
+                  <a:p>
+                    <a:r>
+                      <a:rPr lang="en-US" sz="1400" dirty="0">
+                        <a:solidFill>
+                          <a:srgbClr val="FF0000"/>
+                        </a:solidFill>
+                      </a:rPr>
+                      <a:t>P</a:t>
+                    </a:r>
+                  </a:p>
+                  <a:p>
+                    <a14:m>
+                      <m:oMath xmlns:m="http://schemas.openxmlformats.org/officeDocument/2006/math">
+                        <m:sSub>
+                          <m:sSubPr>
+                            <m:ctrlPr>
+                              <a:rPr lang="en-US" sz="1400" i="1" smtClean="0">
+                                <a:solidFill>
+                                  <a:srgbClr val="FF0000"/>
+                                </a:solidFill>
+                                <a:latin typeface="Cambria Math" panose="02040503050406030204" pitchFamily="18" charset="0"/>
+                              </a:rPr>
+                            </m:ctrlPr>
+                          </m:sSubPr>
+                          <m:e>
+                            <m:r>
+                              <a:rPr lang="en-US" sz="1400" i="1" smtClean="0">
+                                <a:solidFill>
+                                  <a:srgbClr val="FF0000"/>
+                                </a:solidFill>
+                                <a:latin typeface="Cambria Math" panose="02040503050406030204" pitchFamily="18" charset="0"/>
+                                <a:ea typeface="Cambria Math" panose="02040503050406030204" pitchFamily="18" charset="0"/>
+                              </a:rPr>
+                              <m:t>𝛼</m:t>
+                            </m:r>
+                          </m:e>
+                          <m:sub>
+                            <m:r>
+                              <a:rPr lang="en-US" sz="1400" b="0" i="1" smtClean="0">
+                                <a:solidFill>
+                                  <a:srgbClr val="FF0000"/>
+                                </a:solidFill>
+                                <a:latin typeface="Cambria Math" panose="02040503050406030204" pitchFamily="18" charset="0"/>
+                                <a:ea typeface="Cambria Math" panose="02040503050406030204" pitchFamily="18" charset="0"/>
+                              </a:rPr>
+                              <m:t>21</m:t>
+                            </m:r>
+                          </m:sub>
+                        </m:sSub>
+                      </m:oMath>
+                    </a14:m>
+                    <a:r>
+                      <a:rPr lang="en-US" sz="1400" dirty="0">
+                        <a:solidFill>
+                          <a:srgbClr val="FF0000"/>
+                        </a:solidFill>
+                      </a:rPr>
+                      <a:t>      </a:t>
+                    </a:r>
+                    <a14:m>
+                      <m:oMath xmlns:m="http://schemas.openxmlformats.org/officeDocument/2006/math">
+                        <m:sSub>
+                          <m:sSubPr>
+                            <m:ctrlPr>
+                              <a:rPr lang="en-US" sz="1400" i="1" dirty="0" smtClean="0">
+                                <a:solidFill>
+                                  <a:srgbClr val="FF0000"/>
+                                </a:solidFill>
+                                <a:latin typeface="Cambria Math" panose="02040503050406030204" pitchFamily="18" charset="0"/>
+                              </a:rPr>
+                            </m:ctrlPr>
+                          </m:sSubPr>
+                          <m:e>
+                            <m:r>
+                              <a:rPr lang="en-US" sz="1400" b="0" i="1" dirty="0" smtClean="0">
+                                <a:solidFill>
+                                  <a:srgbClr val="FF0000"/>
+                                </a:solidFill>
+                                <a:latin typeface="Cambria Math" panose="02040503050406030204" pitchFamily="18" charset="0"/>
+                              </a:rPr>
+                              <m:t>𝐶</m:t>
+                            </m:r>
+                          </m:e>
+                          <m:sub>
+                            <m:r>
+                              <a:rPr lang="en-US" sz="1400" b="0" i="1" dirty="0" smtClean="0">
+                                <a:solidFill>
+                                  <a:srgbClr val="FF0000"/>
+                                </a:solidFill>
+                                <a:latin typeface="Cambria Math" panose="02040503050406030204" pitchFamily="18" charset="0"/>
+                              </a:rPr>
+                              <m:t>21</m:t>
+                            </m:r>
+                          </m:sub>
+                        </m:sSub>
+                      </m:oMath>
+                    </a14:m>
+                    <a:endParaRPr lang="en-US" sz="1400" dirty="0">
+                      <a:solidFill>
+                        <a:srgbClr val="FF0000"/>
+                      </a:solidFill>
+                    </a:endParaRPr>
+                  </a:p>
+                  <a:p>
+                    <a14:m>
+                      <m:oMath xmlns:m="http://schemas.openxmlformats.org/officeDocument/2006/math">
+                        <m:sSub>
+                          <m:sSubPr>
+                            <m:ctrlPr>
+                              <a:rPr lang="en-US" sz="1400" i="1" smtClean="0">
+                                <a:solidFill>
+                                  <a:srgbClr val="FF0000"/>
+                                </a:solidFill>
+                                <a:latin typeface="Cambria Math" panose="02040503050406030204" pitchFamily="18" charset="0"/>
+                              </a:rPr>
+                            </m:ctrlPr>
+                          </m:sSubPr>
+                          <m:e>
+                            <m:r>
+                              <a:rPr lang="en-US" sz="1400" i="1" smtClean="0">
+                                <a:solidFill>
+                                  <a:srgbClr val="FF0000"/>
+                                </a:solidFill>
+                                <a:latin typeface="Cambria Math" panose="02040503050406030204" pitchFamily="18" charset="0"/>
+                                <a:ea typeface="Cambria Math" panose="02040503050406030204" pitchFamily="18" charset="0"/>
+                              </a:rPr>
+                              <m:t>𝛼</m:t>
+                            </m:r>
+                          </m:e>
+                          <m:sub>
+                            <m:r>
+                              <a:rPr lang="en-US" sz="1400" b="0" i="1" smtClean="0">
+                                <a:solidFill>
+                                  <a:srgbClr val="FF0000"/>
+                                </a:solidFill>
+                                <a:latin typeface="Cambria Math" panose="02040503050406030204" pitchFamily="18" charset="0"/>
+                                <a:ea typeface="Cambria Math" panose="02040503050406030204" pitchFamily="18" charset="0"/>
+                              </a:rPr>
+                              <m:t>22</m:t>
+                            </m:r>
+                          </m:sub>
+                        </m:sSub>
+                      </m:oMath>
+                    </a14:m>
+                    <a:r>
+                      <a:rPr lang="en-US" sz="1400" dirty="0">
+                        <a:solidFill>
+                          <a:srgbClr val="FF0000"/>
+                        </a:solidFill>
+                      </a:rPr>
+                      <a:t>      </a:t>
+                    </a:r>
+                    <a14:m>
+                      <m:oMath xmlns:m="http://schemas.openxmlformats.org/officeDocument/2006/math">
+                        <m:sSub>
+                          <m:sSubPr>
+                            <m:ctrlPr>
+                              <a:rPr lang="en-US" sz="1400" i="1" dirty="0" smtClean="0">
+                                <a:solidFill>
+                                  <a:srgbClr val="FF0000"/>
+                                </a:solidFill>
+                                <a:latin typeface="Cambria Math" panose="02040503050406030204" pitchFamily="18" charset="0"/>
+                              </a:rPr>
+                            </m:ctrlPr>
+                          </m:sSubPr>
+                          <m:e>
+                            <m:r>
+                              <a:rPr lang="en-US" sz="1400" b="0" i="1" dirty="0" smtClean="0">
+                                <a:solidFill>
+                                  <a:srgbClr val="FF0000"/>
+                                </a:solidFill>
+                                <a:latin typeface="Cambria Math" panose="02040503050406030204" pitchFamily="18" charset="0"/>
+                              </a:rPr>
+                              <m:t>𝐶</m:t>
+                            </m:r>
+                          </m:e>
+                          <m:sub>
+                            <m:r>
+                              <a:rPr lang="en-US" sz="1400" b="0" i="1" dirty="0" smtClean="0">
+                                <a:solidFill>
+                                  <a:srgbClr val="FF0000"/>
+                                </a:solidFill>
+                                <a:latin typeface="Cambria Math" panose="02040503050406030204" pitchFamily="18" charset="0"/>
+                              </a:rPr>
+                              <m:t>22</m:t>
+                            </m:r>
+                          </m:sub>
+                        </m:sSub>
+                      </m:oMath>
+                    </a14:m>
+                    <a:endParaRPr lang="en-US" sz="1400" dirty="0">
+                      <a:solidFill>
+                        <a:srgbClr val="FF0000"/>
+                      </a:solidFill>
+                    </a:endParaRPr>
+                  </a:p>
+                  <a:p>
+                    <a:r>
+                      <a:rPr lang="en-US" sz="1400" dirty="0">
+                        <a:solidFill>
+                          <a:srgbClr val="FF0000"/>
+                        </a:solidFill>
+                      </a:rPr>
+                      <a:t>D</a:t>
+                    </a:r>
+                  </a:p>
+                  <a:p>
+                    <a14:m>
+                      <m:oMath xmlns:m="http://schemas.openxmlformats.org/officeDocument/2006/math">
+                        <m:sSub>
+                          <m:sSubPr>
+                            <m:ctrlPr>
+                              <a:rPr lang="en-US" sz="1400" i="1" smtClean="0">
+                                <a:solidFill>
+                                  <a:srgbClr val="FF0000"/>
+                                </a:solidFill>
+                                <a:latin typeface="Cambria Math" panose="02040503050406030204" pitchFamily="18" charset="0"/>
+                              </a:rPr>
+                            </m:ctrlPr>
+                          </m:sSubPr>
+                          <m:e>
+                            <m:r>
+                              <a:rPr lang="en-US" sz="1400" i="1" smtClean="0">
+                                <a:solidFill>
+                                  <a:srgbClr val="FF0000"/>
+                                </a:solidFill>
+                                <a:latin typeface="Cambria Math" panose="02040503050406030204" pitchFamily="18" charset="0"/>
+                                <a:ea typeface="Cambria Math" panose="02040503050406030204" pitchFamily="18" charset="0"/>
+                              </a:rPr>
+                              <m:t>𝛼</m:t>
+                            </m:r>
+                          </m:e>
+                          <m:sub>
+                            <m:r>
+                              <a:rPr lang="en-US" sz="1400" b="0" i="1" smtClean="0">
+                                <a:solidFill>
+                                  <a:srgbClr val="FF0000"/>
+                                </a:solidFill>
+                                <a:latin typeface="Cambria Math" panose="02040503050406030204" pitchFamily="18" charset="0"/>
+                                <a:ea typeface="Cambria Math" panose="02040503050406030204" pitchFamily="18" charset="0"/>
+                              </a:rPr>
+                              <m:t>31</m:t>
+                            </m:r>
+                          </m:sub>
+                        </m:sSub>
+                      </m:oMath>
+                    </a14:m>
+                    <a:r>
+                      <a:rPr lang="en-US" sz="1400" dirty="0">
+                        <a:solidFill>
+                          <a:srgbClr val="FF0000"/>
+                        </a:solidFill>
+                      </a:rPr>
+                      <a:t>      </a:t>
+                    </a:r>
+                    <a14:m>
+                      <m:oMath xmlns:m="http://schemas.openxmlformats.org/officeDocument/2006/math">
+                        <m:sSub>
+                          <m:sSubPr>
+                            <m:ctrlPr>
+                              <a:rPr lang="en-US" sz="1400" i="1" dirty="0" smtClean="0">
+                                <a:solidFill>
+                                  <a:srgbClr val="FF0000"/>
+                                </a:solidFill>
+                                <a:latin typeface="Cambria Math" panose="02040503050406030204" pitchFamily="18" charset="0"/>
+                              </a:rPr>
+                            </m:ctrlPr>
+                          </m:sSubPr>
+                          <m:e>
+                            <m:r>
+                              <a:rPr lang="en-US" sz="1400" b="0" i="1" dirty="0" smtClean="0">
+                                <a:solidFill>
+                                  <a:srgbClr val="FF0000"/>
+                                </a:solidFill>
+                                <a:latin typeface="Cambria Math" panose="02040503050406030204" pitchFamily="18" charset="0"/>
+                              </a:rPr>
+                              <m:t>𝐶</m:t>
+                            </m:r>
+                          </m:e>
+                          <m:sub>
+                            <m:r>
+                              <a:rPr lang="en-US" sz="1400" b="0" i="1" dirty="0" smtClean="0">
+                                <a:solidFill>
+                                  <a:srgbClr val="FF0000"/>
+                                </a:solidFill>
+                                <a:latin typeface="Cambria Math" panose="02040503050406030204" pitchFamily="18" charset="0"/>
+                              </a:rPr>
+                              <m:t>31</m:t>
+                            </m:r>
+                          </m:sub>
+                        </m:sSub>
+                      </m:oMath>
+                    </a14:m>
+                    <a:endParaRPr lang="en-US" sz="1400" dirty="0">
+                      <a:solidFill>
+                        <a:srgbClr val="FF0000"/>
+                      </a:solidFill>
+                    </a:endParaRPr>
+                  </a:p>
+                  <a:p>
+                    <a14:m>
+                      <m:oMath xmlns:m="http://schemas.openxmlformats.org/officeDocument/2006/math">
+                        <m:sSub>
+                          <m:sSubPr>
+                            <m:ctrlPr>
+                              <a:rPr lang="en-US" sz="1400" i="1" smtClean="0">
+                                <a:solidFill>
+                                  <a:srgbClr val="FF0000"/>
+                                </a:solidFill>
+                                <a:latin typeface="Cambria Math" panose="02040503050406030204" pitchFamily="18" charset="0"/>
+                              </a:rPr>
+                            </m:ctrlPr>
+                          </m:sSubPr>
+                          <m:e>
+                            <m:r>
+                              <a:rPr lang="en-US" sz="1400" i="1" smtClean="0">
+                                <a:solidFill>
+                                  <a:srgbClr val="FF0000"/>
+                                </a:solidFill>
+                                <a:latin typeface="Cambria Math" panose="02040503050406030204" pitchFamily="18" charset="0"/>
+                                <a:ea typeface="Cambria Math" panose="02040503050406030204" pitchFamily="18" charset="0"/>
+                              </a:rPr>
+                              <m:t>𝛼</m:t>
+                            </m:r>
+                          </m:e>
+                          <m:sub>
+                            <m:r>
+                              <a:rPr lang="en-US" sz="1400" b="0" i="1" smtClean="0">
+                                <a:solidFill>
+                                  <a:srgbClr val="FF0000"/>
+                                </a:solidFill>
+                                <a:latin typeface="Cambria Math" panose="02040503050406030204" pitchFamily="18" charset="0"/>
+                                <a:ea typeface="Cambria Math" panose="02040503050406030204" pitchFamily="18" charset="0"/>
+                              </a:rPr>
+                              <m:t>32</m:t>
+                            </m:r>
+                          </m:sub>
+                        </m:sSub>
+                      </m:oMath>
+                    </a14:m>
+                    <a:r>
+                      <a:rPr lang="en-US" sz="1400" dirty="0">
+                        <a:solidFill>
+                          <a:srgbClr val="FF0000"/>
+                        </a:solidFill>
+                      </a:rPr>
+                      <a:t>      </a:t>
+                    </a:r>
+                    <a14:m>
+                      <m:oMath xmlns:m="http://schemas.openxmlformats.org/officeDocument/2006/math">
+                        <m:sSub>
+                          <m:sSubPr>
+                            <m:ctrlPr>
+                              <a:rPr lang="en-US" sz="1400" i="1" dirty="0" smtClean="0">
+                                <a:solidFill>
+                                  <a:srgbClr val="FF0000"/>
+                                </a:solidFill>
+                                <a:latin typeface="Cambria Math" panose="02040503050406030204" pitchFamily="18" charset="0"/>
+                              </a:rPr>
+                            </m:ctrlPr>
+                          </m:sSubPr>
+                          <m:e>
+                            <m:r>
+                              <a:rPr lang="en-US" sz="1400" b="0" i="1" dirty="0" smtClean="0">
+                                <a:solidFill>
+                                  <a:srgbClr val="FF0000"/>
+                                </a:solidFill>
+                                <a:latin typeface="Cambria Math" panose="02040503050406030204" pitchFamily="18" charset="0"/>
+                              </a:rPr>
+                              <m:t>𝐶</m:t>
+                            </m:r>
+                          </m:e>
+                          <m:sub>
+                            <m:r>
+                              <a:rPr lang="en-US" sz="1400" b="0" i="1" dirty="0" smtClean="0">
+                                <a:solidFill>
+                                  <a:srgbClr val="FF0000"/>
+                                </a:solidFill>
+                                <a:latin typeface="Cambria Math" panose="02040503050406030204" pitchFamily="18" charset="0"/>
+                              </a:rPr>
+                              <m:t>32</m:t>
+                            </m:r>
+                          </m:sub>
+                        </m:sSub>
+                      </m:oMath>
+                    </a14:m>
+                    <a:endParaRPr lang="en-US" sz="1400" dirty="0">
+                      <a:solidFill>
+                        <a:srgbClr val="FF0000"/>
+                      </a:solidFill>
+                    </a:endParaRPr>
+                  </a:p>
+                </p:txBody>
+              </p:sp>
+            </mc:Choice>
+            <mc:Fallback xmlns="">
+              <p:sp>
+                <p:nvSpPr>
+                  <p:cNvPr id="7" name="TextBox 6">
+                    <a:extLst>
+                      <a:ext uri="{FF2B5EF4-FFF2-40B4-BE49-F238E27FC236}">
+                        <a16:creationId xmlns:a16="http://schemas.microsoft.com/office/drawing/2014/main" id="{5B7BF9C0-C321-D589-D9B9-FBEAAB08DDA5}"/>
+                      </a:ext>
+                    </a:extLst>
+                  </p:cNvPr>
+                  <p:cNvSpPr txBox="1">
+                    <a:spLocks noRot="1" noChangeAspect="1" noMove="1" noResize="1" noEditPoints="1" noAdjustHandles="1" noChangeArrowheads="1" noChangeShapeType="1" noTextEdit="1"/>
+                  </p:cNvSpPr>
+                  <p:nvPr/>
+                </p:nvSpPr>
+                <p:spPr>
+                  <a:xfrm>
+                    <a:off x="1992592" y="932566"/>
+                    <a:ext cx="1024460" cy="2188488"/>
+                  </a:xfrm>
+                  <a:prstGeom prst="roundRect">
+                    <a:avLst/>
+                  </a:prstGeom>
+                  <a:blipFill>
+                    <a:blip r:embed="rId6"/>
+                    <a:stretch>
+                      <a:fillRect/>
+                    </a:stretch>
+                  </a:blipFill>
+                  <a:ln>
+                    <a:solidFill>
+                      <a:srgbClr val="FF0000"/>
+                    </a:solidFill>
+                  </a:ln>
+                </p:spPr>
+                <p:txBody>
+                  <a:bodyPr/>
+                  <a:lstStyle/>
+                  <a:p>
+                    <a:r>
+                      <a:rPr lang="en-US">
+                        <a:noFill/>
+                      </a:rPr>
+                      <a:t> </a:t>
+                    </a:r>
+                  </a:p>
+                </p:txBody>
+              </p:sp>
+            </mc:Fallback>
+          </mc:AlternateContent>
+          <mc:AlternateContent xmlns:mc="http://schemas.openxmlformats.org/markup-compatibility/2006" xmlns:a14="http://schemas.microsoft.com/office/drawing/2010/main">
+            <mc:Choice Requires="a14">
+              <p:sp>
+                <p:nvSpPr>
+                  <p:cNvPr id="8" name="TextBox 7">
+                    <a:extLst>
+                      <a:ext uri="{FF2B5EF4-FFF2-40B4-BE49-F238E27FC236}">
+                        <a16:creationId xmlns:a16="http://schemas.microsoft.com/office/drawing/2014/main" id="{306624E6-A106-2A69-94F9-EC3B9A187E62}"/>
+                      </a:ext>
+                    </a:extLst>
+                  </p:cNvPr>
+                  <p:cNvSpPr txBox="1"/>
+                  <p:nvPr/>
+                </p:nvSpPr>
+                <p:spPr>
+                  <a:xfrm>
+                    <a:off x="1992592" y="3130655"/>
+                    <a:ext cx="1024082" cy="1755219"/>
+                  </a:xfrm>
+                  <a:prstGeom prst="roundRect">
+                    <a:avLst/>
+                  </a:prstGeom>
+                </p:spPr>
+                <p:style>
+                  <a:lnRef idx="2">
+                    <a:schemeClr val="accent4"/>
+                  </a:lnRef>
+                  <a:fillRef idx="1">
+                    <a:schemeClr val="lt1"/>
+                  </a:fillRef>
+                  <a:effectRef idx="0">
+                    <a:schemeClr val="accent4"/>
+                  </a:effectRef>
+                  <a:fontRef idx="minor">
+                    <a:schemeClr val="dk1"/>
+                  </a:fontRef>
+                </p:style>
+                <p:txBody>
+                  <a:bodyPr wrap="square" rtlCol="0">
+                    <a:spAutoFit/>
+                  </a:bodyPr>
+                  <a:lstStyle/>
+                  <a:p>
+                    <a:r>
+                      <a:rPr lang="en-US" sz="1400" dirty="0">
+                        <a:solidFill>
+                          <a:srgbClr val="00B0F0"/>
+                        </a:solidFill>
+                      </a:rPr>
+                      <a:t>S</a:t>
+                    </a:r>
+                  </a:p>
+                  <a:p>
+                    <a14:m>
+                      <m:oMath xmlns:m="http://schemas.openxmlformats.org/officeDocument/2006/math">
+                        <m:sSub>
+                          <m:sSubPr>
+                            <m:ctrlPr>
+                              <a:rPr lang="en-US" sz="1400" i="1">
+                                <a:solidFill>
+                                  <a:srgbClr val="00B0F0"/>
+                                </a:solidFill>
+                                <a:latin typeface="Cambria Math" panose="02040503050406030204" pitchFamily="18" charset="0"/>
+                              </a:rPr>
+                            </m:ctrlPr>
+                          </m:sSubPr>
+                          <m:e>
+                            <m:r>
+                              <a:rPr lang="en-US" sz="1400" i="1">
+                                <a:solidFill>
+                                  <a:srgbClr val="00B0F0"/>
+                                </a:solidFill>
+                                <a:latin typeface="Cambria Math" panose="02040503050406030204" pitchFamily="18" charset="0"/>
+                                <a:ea typeface="Cambria Math" panose="02040503050406030204" pitchFamily="18" charset="0"/>
+                              </a:rPr>
+                              <m:t>𝛼</m:t>
+                            </m:r>
+                          </m:e>
+                          <m:sub>
+                            <m:r>
+                              <a:rPr lang="en-US" sz="1400" b="0" i="1" smtClean="0">
+                                <a:solidFill>
+                                  <a:srgbClr val="00B0F0"/>
+                                </a:solidFill>
+                                <a:latin typeface="Cambria Math" panose="02040503050406030204" pitchFamily="18" charset="0"/>
+                                <a:ea typeface="Cambria Math" panose="02040503050406030204" pitchFamily="18" charset="0"/>
+                              </a:rPr>
+                              <m:t>13</m:t>
+                            </m:r>
+                          </m:sub>
+                        </m:sSub>
+                      </m:oMath>
+                    </a14:m>
+                    <a:r>
+                      <a:rPr lang="en-US" sz="1400" dirty="0">
+                        <a:solidFill>
+                          <a:srgbClr val="00B0F0"/>
+                        </a:solidFill>
+                      </a:rPr>
+                      <a:t>      </a:t>
+                    </a:r>
+                    <a14:m>
+                      <m:oMath xmlns:m="http://schemas.openxmlformats.org/officeDocument/2006/math">
+                        <m:sSub>
+                          <m:sSubPr>
+                            <m:ctrlPr>
+                              <a:rPr lang="en-US" sz="1400" i="1" dirty="0">
+                                <a:solidFill>
+                                  <a:srgbClr val="00B0F0"/>
+                                </a:solidFill>
+                                <a:latin typeface="Cambria Math" panose="02040503050406030204" pitchFamily="18" charset="0"/>
+                              </a:rPr>
+                            </m:ctrlPr>
+                          </m:sSubPr>
+                          <m:e>
+                            <m:r>
+                              <a:rPr lang="en-US" sz="1400" i="1" dirty="0">
+                                <a:solidFill>
+                                  <a:srgbClr val="00B0F0"/>
+                                </a:solidFill>
+                                <a:latin typeface="Cambria Math" panose="02040503050406030204" pitchFamily="18" charset="0"/>
+                              </a:rPr>
+                              <m:t>𝐶</m:t>
+                            </m:r>
+                          </m:e>
+                          <m:sub>
+                            <m:r>
+                              <a:rPr lang="en-US" sz="1400" b="0" i="1" dirty="0" smtClean="0">
+                                <a:solidFill>
+                                  <a:srgbClr val="00B0F0"/>
+                                </a:solidFill>
+                                <a:latin typeface="Cambria Math" panose="02040503050406030204" pitchFamily="18" charset="0"/>
+                              </a:rPr>
+                              <m:t>13</m:t>
+                            </m:r>
+                          </m:sub>
+                        </m:sSub>
+                      </m:oMath>
+                    </a14:m>
+                    <a:endParaRPr lang="en-US" sz="1400" dirty="0">
+                      <a:solidFill>
+                        <a:srgbClr val="00B0F0"/>
+                      </a:solidFill>
+                    </a:endParaRPr>
+                  </a:p>
+                  <a:p>
+                    <a:r>
+                      <a:rPr lang="en-US" sz="1400" dirty="0">
+                        <a:solidFill>
+                          <a:srgbClr val="00B0F0"/>
+                        </a:solidFill>
+                      </a:rPr>
+                      <a:t>P</a:t>
+                    </a:r>
+                  </a:p>
+                  <a:p>
+                    <a14:m>
+                      <m:oMath xmlns:m="http://schemas.openxmlformats.org/officeDocument/2006/math">
+                        <m:sSub>
+                          <m:sSubPr>
+                            <m:ctrlPr>
+                              <a:rPr lang="en-US" sz="1400" i="1" smtClean="0">
+                                <a:solidFill>
+                                  <a:srgbClr val="00B0F0"/>
+                                </a:solidFill>
+                                <a:latin typeface="Cambria Math" panose="02040503050406030204" pitchFamily="18" charset="0"/>
+                              </a:rPr>
+                            </m:ctrlPr>
+                          </m:sSubPr>
+                          <m:e>
+                            <m:r>
+                              <a:rPr lang="en-US" sz="1400" i="1">
+                                <a:solidFill>
+                                  <a:srgbClr val="00B0F0"/>
+                                </a:solidFill>
+                                <a:latin typeface="Cambria Math" panose="02040503050406030204" pitchFamily="18" charset="0"/>
+                                <a:ea typeface="Cambria Math" panose="02040503050406030204" pitchFamily="18" charset="0"/>
+                              </a:rPr>
+                              <m:t>𝛼</m:t>
+                            </m:r>
+                          </m:e>
+                          <m:sub>
+                            <m:r>
+                              <a:rPr lang="en-US" sz="1400" b="0" i="1" smtClean="0">
+                                <a:solidFill>
+                                  <a:srgbClr val="00B0F0"/>
+                                </a:solidFill>
+                                <a:latin typeface="Cambria Math" panose="02040503050406030204" pitchFamily="18" charset="0"/>
+                                <a:ea typeface="Cambria Math" panose="02040503050406030204" pitchFamily="18" charset="0"/>
+                              </a:rPr>
+                              <m:t>23</m:t>
+                            </m:r>
+                          </m:sub>
+                        </m:sSub>
+                      </m:oMath>
+                    </a14:m>
+                    <a:r>
+                      <a:rPr lang="en-US" sz="1400" dirty="0">
+                        <a:solidFill>
+                          <a:srgbClr val="00B0F0"/>
+                        </a:solidFill>
+                      </a:rPr>
+                      <a:t>      </a:t>
+                    </a:r>
+                    <a14:m>
+                      <m:oMath xmlns:m="http://schemas.openxmlformats.org/officeDocument/2006/math">
+                        <m:sSub>
+                          <m:sSubPr>
+                            <m:ctrlPr>
+                              <a:rPr lang="en-US" sz="1400" i="1" dirty="0">
+                                <a:solidFill>
+                                  <a:srgbClr val="00B0F0"/>
+                                </a:solidFill>
+                                <a:latin typeface="Cambria Math" panose="02040503050406030204" pitchFamily="18" charset="0"/>
+                              </a:rPr>
+                            </m:ctrlPr>
+                          </m:sSubPr>
+                          <m:e>
+                            <m:r>
+                              <a:rPr lang="en-US" sz="1400" i="1" dirty="0">
+                                <a:solidFill>
+                                  <a:srgbClr val="00B0F0"/>
+                                </a:solidFill>
+                                <a:latin typeface="Cambria Math" panose="02040503050406030204" pitchFamily="18" charset="0"/>
+                              </a:rPr>
+                              <m:t>𝐶</m:t>
+                            </m:r>
+                          </m:e>
+                          <m:sub>
+                            <m:r>
+                              <a:rPr lang="en-US" sz="1400" b="0" i="1" dirty="0" smtClean="0">
+                                <a:solidFill>
+                                  <a:srgbClr val="00B0F0"/>
+                                </a:solidFill>
+                                <a:latin typeface="Cambria Math" panose="02040503050406030204" pitchFamily="18" charset="0"/>
+                              </a:rPr>
+                              <m:t>23</m:t>
+                            </m:r>
+                          </m:sub>
+                        </m:sSub>
+                      </m:oMath>
+                    </a14:m>
+                    <a:endParaRPr lang="en-US" sz="1400" b="0" dirty="0">
+                      <a:solidFill>
+                        <a:srgbClr val="00B0F0"/>
+                      </a:solidFill>
+                    </a:endParaRPr>
+                  </a:p>
+                  <a:p>
+                    <a:r>
+                      <a:rPr lang="en-US" sz="1400" dirty="0">
+                        <a:solidFill>
+                          <a:srgbClr val="00B0F0"/>
+                        </a:solidFill>
+                      </a:rPr>
+                      <a:t>F</a:t>
+                    </a:r>
+                  </a:p>
+                  <a:p>
+                    <a14:m>
+                      <m:oMath xmlns:m="http://schemas.openxmlformats.org/officeDocument/2006/math">
+                        <m:sSub>
+                          <m:sSubPr>
+                            <m:ctrlPr>
+                              <a:rPr lang="en-US" sz="1400" i="1" smtClean="0">
+                                <a:solidFill>
+                                  <a:srgbClr val="00B0F0"/>
+                                </a:solidFill>
+                                <a:latin typeface="Cambria Math" panose="02040503050406030204" pitchFamily="18" charset="0"/>
+                              </a:rPr>
+                            </m:ctrlPr>
+                          </m:sSubPr>
+                          <m:e>
+                            <m:r>
+                              <a:rPr lang="en-US" sz="1400" i="1" smtClean="0">
+                                <a:solidFill>
+                                  <a:srgbClr val="00B0F0"/>
+                                </a:solidFill>
+                                <a:latin typeface="Cambria Math" panose="02040503050406030204" pitchFamily="18" charset="0"/>
+                                <a:ea typeface="Cambria Math" panose="02040503050406030204" pitchFamily="18" charset="0"/>
+                              </a:rPr>
+                              <m:t>𝛼</m:t>
+                            </m:r>
+                          </m:e>
+                          <m:sub>
+                            <m:r>
+                              <a:rPr lang="en-US" sz="1400" b="0" i="1" smtClean="0">
+                                <a:solidFill>
+                                  <a:srgbClr val="00B0F0"/>
+                                </a:solidFill>
+                                <a:latin typeface="Cambria Math" panose="02040503050406030204" pitchFamily="18" charset="0"/>
+                                <a:ea typeface="Cambria Math" panose="02040503050406030204" pitchFamily="18" charset="0"/>
+                              </a:rPr>
+                              <m:t>41</m:t>
+                            </m:r>
+                          </m:sub>
+                        </m:sSub>
+                      </m:oMath>
+                    </a14:m>
+                    <a:r>
+                      <a:rPr lang="en-US" sz="1400" dirty="0">
+                        <a:solidFill>
+                          <a:srgbClr val="00B0F0"/>
+                        </a:solidFill>
+                      </a:rPr>
+                      <a:t>      </a:t>
+                    </a:r>
+                    <a14:m>
+                      <m:oMath xmlns:m="http://schemas.openxmlformats.org/officeDocument/2006/math">
+                        <m:sSub>
+                          <m:sSubPr>
+                            <m:ctrlPr>
+                              <a:rPr lang="en-US" sz="1400" i="1" dirty="0" smtClean="0">
+                                <a:solidFill>
+                                  <a:srgbClr val="00B0F0"/>
+                                </a:solidFill>
+                                <a:latin typeface="Cambria Math" panose="02040503050406030204" pitchFamily="18" charset="0"/>
+                              </a:rPr>
+                            </m:ctrlPr>
+                          </m:sSubPr>
+                          <m:e>
+                            <m:r>
+                              <a:rPr lang="en-US" sz="1400" b="0" i="1" dirty="0" smtClean="0">
+                                <a:solidFill>
+                                  <a:srgbClr val="00B0F0"/>
+                                </a:solidFill>
+                                <a:latin typeface="Cambria Math" panose="02040503050406030204" pitchFamily="18" charset="0"/>
+                              </a:rPr>
+                              <m:t>𝐶</m:t>
+                            </m:r>
+                          </m:e>
+                          <m:sub>
+                            <m:r>
+                              <a:rPr lang="en-US" sz="1400" b="0" i="1" dirty="0" smtClean="0">
+                                <a:solidFill>
+                                  <a:srgbClr val="00B0F0"/>
+                                </a:solidFill>
+                                <a:latin typeface="Cambria Math" panose="02040503050406030204" pitchFamily="18" charset="0"/>
+                              </a:rPr>
+                              <m:t>41</m:t>
+                            </m:r>
+                          </m:sub>
+                        </m:sSub>
+                      </m:oMath>
+                    </a14:m>
+                    <a:endParaRPr lang="en-US" sz="1400" dirty="0">
+                      <a:solidFill>
+                        <a:srgbClr val="00B0F0"/>
+                      </a:solidFill>
+                    </a:endParaRPr>
+                  </a:p>
+                  <a:p>
+                    <a14:m>
+                      <m:oMath xmlns:m="http://schemas.openxmlformats.org/officeDocument/2006/math">
+                        <m:sSub>
+                          <m:sSubPr>
+                            <m:ctrlPr>
+                              <a:rPr lang="en-US" sz="1400" i="1" smtClean="0">
+                                <a:solidFill>
+                                  <a:srgbClr val="00B0F0"/>
+                                </a:solidFill>
+                                <a:latin typeface="Cambria Math" panose="02040503050406030204" pitchFamily="18" charset="0"/>
+                              </a:rPr>
+                            </m:ctrlPr>
+                          </m:sSubPr>
+                          <m:e>
+                            <m:r>
+                              <a:rPr lang="en-US" sz="1400" i="1" smtClean="0">
+                                <a:solidFill>
+                                  <a:srgbClr val="00B0F0"/>
+                                </a:solidFill>
+                                <a:latin typeface="Cambria Math" panose="02040503050406030204" pitchFamily="18" charset="0"/>
+                                <a:ea typeface="Cambria Math" panose="02040503050406030204" pitchFamily="18" charset="0"/>
+                              </a:rPr>
+                              <m:t>𝛼</m:t>
+                            </m:r>
+                          </m:e>
+                          <m:sub>
+                            <m:r>
+                              <a:rPr lang="en-US" sz="1400" b="0" i="1" smtClean="0">
+                                <a:solidFill>
+                                  <a:srgbClr val="00B0F0"/>
+                                </a:solidFill>
+                                <a:latin typeface="Cambria Math" panose="02040503050406030204" pitchFamily="18" charset="0"/>
+                                <a:ea typeface="Cambria Math" panose="02040503050406030204" pitchFamily="18" charset="0"/>
+                              </a:rPr>
+                              <m:t>42</m:t>
+                            </m:r>
+                          </m:sub>
+                        </m:sSub>
+                      </m:oMath>
+                    </a14:m>
+                    <a:r>
+                      <a:rPr lang="en-US" sz="1400" dirty="0">
+                        <a:solidFill>
+                          <a:srgbClr val="00B0F0"/>
+                        </a:solidFill>
+                      </a:rPr>
+                      <a:t>      </a:t>
+                    </a:r>
+                    <a14:m>
+                      <m:oMath xmlns:m="http://schemas.openxmlformats.org/officeDocument/2006/math">
+                        <m:sSub>
+                          <m:sSubPr>
+                            <m:ctrlPr>
+                              <a:rPr lang="en-US" sz="1400" i="1" dirty="0" smtClean="0">
+                                <a:solidFill>
+                                  <a:srgbClr val="00B0F0"/>
+                                </a:solidFill>
+                                <a:latin typeface="Cambria Math" panose="02040503050406030204" pitchFamily="18" charset="0"/>
+                              </a:rPr>
+                            </m:ctrlPr>
+                          </m:sSubPr>
+                          <m:e>
+                            <m:r>
+                              <a:rPr lang="en-US" sz="1400" b="0" i="1" dirty="0" smtClean="0">
+                                <a:solidFill>
+                                  <a:srgbClr val="00B0F0"/>
+                                </a:solidFill>
+                                <a:latin typeface="Cambria Math" panose="02040503050406030204" pitchFamily="18" charset="0"/>
+                              </a:rPr>
+                              <m:t>𝐶</m:t>
+                            </m:r>
+                          </m:e>
+                          <m:sub>
+                            <m:r>
+                              <a:rPr lang="en-US" sz="1400" b="0" i="1" dirty="0" smtClean="0">
+                                <a:solidFill>
+                                  <a:srgbClr val="00B0F0"/>
+                                </a:solidFill>
+                                <a:latin typeface="Cambria Math" panose="02040503050406030204" pitchFamily="18" charset="0"/>
+                              </a:rPr>
+                              <m:t>42</m:t>
+                            </m:r>
+                          </m:sub>
+                        </m:sSub>
+                      </m:oMath>
+                    </a14:m>
+                    <a:endParaRPr lang="en-US" sz="1400" dirty="0">
+                      <a:solidFill>
+                        <a:srgbClr val="00B0F0"/>
+                      </a:solidFill>
+                    </a:endParaRPr>
+                  </a:p>
+                </p:txBody>
+              </p:sp>
+            </mc:Choice>
+            <mc:Fallback xmlns="">
+              <p:sp>
+                <p:nvSpPr>
+                  <p:cNvPr id="8" name="TextBox 7">
+                    <a:extLst>
+                      <a:ext uri="{FF2B5EF4-FFF2-40B4-BE49-F238E27FC236}">
+                        <a16:creationId xmlns:a16="http://schemas.microsoft.com/office/drawing/2014/main" id="{306624E6-A106-2A69-94F9-EC3B9A187E62}"/>
+                      </a:ext>
+                    </a:extLst>
+                  </p:cNvPr>
+                  <p:cNvSpPr txBox="1">
+                    <a:spLocks noRot="1" noChangeAspect="1" noMove="1" noResize="1" noEditPoints="1" noAdjustHandles="1" noChangeArrowheads="1" noChangeShapeType="1" noTextEdit="1"/>
+                  </p:cNvSpPr>
+                  <p:nvPr/>
+                </p:nvSpPr>
+                <p:spPr>
+                  <a:xfrm>
+                    <a:off x="1992592" y="3130655"/>
+                    <a:ext cx="1024082" cy="1755219"/>
+                  </a:xfrm>
+                  <a:prstGeom prst="roundRect">
+                    <a:avLst/>
+                  </a:prstGeom>
+                  <a:blipFill>
+                    <a:blip r:embed="rId7"/>
+                    <a:stretch>
+                      <a:fillRect/>
+                    </a:stretch>
+                  </a:blipFill>
+                </p:spPr>
+                <p:txBody>
+                  <a:bodyPr/>
+                  <a:lstStyle/>
+                  <a:p>
+                    <a:r>
+                      <a:rPr lang="en-US">
+                        <a:noFill/>
+                      </a:rPr>
+                      <a:t> </a:t>
+                    </a:r>
+                  </a:p>
+                </p:txBody>
+              </p:sp>
+            </mc:Fallback>
+          </mc:AlternateContent>
+          <p:cxnSp>
+            <p:nvCxnSpPr>
+              <p:cNvPr id="25" name="Elbow Connector 24">
+                <a:extLst>
+                  <a:ext uri="{FF2B5EF4-FFF2-40B4-BE49-F238E27FC236}">
+                    <a16:creationId xmlns:a16="http://schemas.microsoft.com/office/drawing/2014/main" id="{4D0736AB-7E9E-9787-A532-0736B86EB0A2}"/>
+                  </a:ext>
+                </a:extLst>
+              </p:cNvPr>
+              <p:cNvCxnSpPr>
+                <a:cxnSpLocks/>
+                <a:stCxn id="4" idx="3"/>
+                <a:endCxn id="8" idx="1"/>
+              </p:cNvCxnSpPr>
+              <p:nvPr/>
+            </p:nvCxnSpPr>
+            <p:spPr>
+              <a:xfrm>
+                <a:off x="1771202" y="2914021"/>
+                <a:ext cx="221390" cy="1094244"/>
+              </a:xfrm>
+              <a:prstGeom prst="bentConnector3">
+                <a:avLst/>
+              </a:prstGeom>
+              <a:ln>
+                <a:tailEnd type="triangle"/>
+              </a:ln>
+            </p:spPr>
+            <p:style>
+              <a:lnRef idx="2">
+                <a:schemeClr val="accent1"/>
+              </a:lnRef>
+              <a:fillRef idx="0">
+                <a:schemeClr val="accent1"/>
+              </a:fillRef>
+              <a:effectRef idx="1">
+                <a:schemeClr val="accent1"/>
+              </a:effectRef>
+              <a:fontRef idx="minor">
+                <a:schemeClr val="tx1"/>
+              </a:fontRef>
+            </p:style>
+          </p:cxnSp>
+          <p:cxnSp>
+            <p:nvCxnSpPr>
+              <p:cNvPr id="27" name="Elbow Connector 26">
+                <a:extLst>
+                  <a:ext uri="{FF2B5EF4-FFF2-40B4-BE49-F238E27FC236}">
+                    <a16:creationId xmlns:a16="http://schemas.microsoft.com/office/drawing/2014/main" id="{A59FBE11-90AC-0C09-D9FC-3499BE1EEDD6}"/>
+                  </a:ext>
+                </a:extLst>
+              </p:cNvPr>
+              <p:cNvCxnSpPr>
+                <a:cxnSpLocks/>
+                <a:stCxn id="4" idx="3"/>
+                <a:endCxn id="7" idx="1"/>
+              </p:cNvCxnSpPr>
+              <p:nvPr/>
+            </p:nvCxnSpPr>
+            <p:spPr>
+              <a:xfrm flipV="1">
+                <a:off x="1771202" y="2026810"/>
+                <a:ext cx="221390" cy="887211"/>
+              </a:xfrm>
+              <a:prstGeom prst="bentConnector3">
+                <a:avLst>
+                  <a:gd name="adj1" fmla="val 50000"/>
+                </a:avLst>
+              </a:prstGeom>
+              <a:ln>
+                <a:tailEnd type="triangle"/>
+              </a:ln>
+            </p:spPr>
+            <p:style>
+              <a:lnRef idx="2">
+                <a:schemeClr val="accent1"/>
+              </a:lnRef>
+              <a:fillRef idx="0">
+                <a:schemeClr val="accent1"/>
+              </a:fillRef>
+              <a:effectRef idx="1">
+                <a:schemeClr val="accent1"/>
+              </a:effectRef>
+              <a:fontRef idx="minor">
+                <a:schemeClr val="tx1"/>
+              </a:fontRef>
+            </p:style>
+          </p:cxnSp>
+          <p:grpSp>
+            <p:nvGrpSpPr>
+              <p:cNvPr id="76" name="Group 75">
+                <a:extLst>
+                  <a:ext uri="{FF2B5EF4-FFF2-40B4-BE49-F238E27FC236}">
+                    <a16:creationId xmlns:a16="http://schemas.microsoft.com/office/drawing/2014/main" id="{4167E6A6-DBDD-B90A-5B39-C6E1C8EFB746}"/>
+                  </a:ext>
+                </a:extLst>
+              </p:cNvPr>
+              <p:cNvGrpSpPr/>
+              <p:nvPr/>
+            </p:nvGrpSpPr>
+            <p:grpSpPr>
+              <a:xfrm>
+                <a:off x="3010844" y="1219255"/>
+                <a:ext cx="4778044" cy="2941056"/>
+                <a:chOff x="4027052" y="1438473"/>
+                <a:chExt cx="4778044" cy="2941056"/>
+              </a:xfrm>
+            </p:grpSpPr>
+            <p:grpSp>
+              <p:nvGrpSpPr>
+                <p:cNvPr id="54" name="Group 53">
+                  <a:extLst>
+                    <a:ext uri="{FF2B5EF4-FFF2-40B4-BE49-F238E27FC236}">
+                      <a16:creationId xmlns:a16="http://schemas.microsoft.com/office/drawing/2014/main" id="{58CD570C-FE7D-1F84-EED7-6E66C0BE8284}"/>
+                    </a:ext>
+                  </a:extLst>
+                </p:cNvPr>
+                <p:cNvGrpSpPr/>
+                <p:nvPr/>
+              </p:nvGrpSpPr>
+              <p:grpSpPr>
+                <a:xfrm>
+                  <a:off x="4027052" y="2222632"/>
+                  <a:ext cx="4778044" cy="1372738"/>
+                  <a:chOff x="5093953" y="2457952"/>
+                  <a:chExt cx="4778044" cy="1372738"/>
+                </a:xfrm>
+              </p:grpSpPr>
+              <p:grpSp>
+                <p:nvGrpSpPr>
+                  <p:cNvPr id="36" name="Group 35">
+                    <a:extLst>
+                      <a:ext uri="{FF2B5EF4-FFF2-40B4-BE49-F238E27FC236}">
+                        <a16:creationId xmlns:a16="http://schemas.microsoft.com/office/drawing/2014/main" id="{B977E6E0-4FB3-0C70-5A54-54BB45ABE67D}"/>
+                      </a:ext>
+                    </a:extLst>
+                  </p:cNvPr>
+                  <p:cNvGrpSpPr/>
+                  <p:nvPr/>
+                </p:nvGrpSpPr>
+                <p:grpSpPr>
+                  <a:xfrm>
+                    <a:off x="5093953" y="2554048"/>
+                    <a:ext cx="4778044" cy="1276642"/>
+                    <a:chOff x="5293788" y="1651759"/>
+                    <a:chExt cx="4778044" cy="1276642"/>
+                  </a:xfrm>
+                </p:grpSpPr>
+                <mc:AlternateContent xmlns:mc="http://schemas.openxmlformats.org/markup-compatibility/2006">
+                  <mc:Choice xmlns:a14="http://schemas.microsoft.com/office/drawing/2010/main" Requires="a14">
+                    <p:sp>
+                      <p:nvSpPr>
+                        <p:cNvPr id="13" name="TextBox 12">
+                          <a:extLst>
+                            <a:ext uri="{FF2B5EF4-FFF2-40B4-BE49-F238E27FC236}">
+                              <a16:creationId xmlns:a16="http://schemas.microsoft.com/office/drawing/2014/main" id="{11784C3B-D5BB-3C1C-9571-6651A403C2B0}"/>
+                            </a:ext>
+                          </a:extLst>
+                        </p:cNvPr>
+                        <p:cNvSpPr txBox="1"/>
+                        <p:nvPr/>
+                      </p:nvSpPr>
+                      <p:spPr>
+                        <a:xfrm>
+                          <a:off x="5293788" y="1651759"/>
+                          <a:ext cx="4738285" cy="338554"/>
+                        </a:xfrm>
+                        <a:prstGeom prst="rect">
+                          <a:avLst/>
+                        </a:prstGeom>
+                        <a:noFill/>
+                      </p:spPr>
+                      <p:txBody>
+                        <a:bodyPr wrap="square" rtlCol="0">
+                          <a:spAutoFit/>
+                        </a:bodyPr>
+                        <a:lstStyle/>
+                        <a:p>
+                          <a:pPr/>
+                          <a14:m>
+                            <m:oMathPara xmlns:m="http://schemas.openxmlformats.org/officeDocument/2006/math">
+                              <m:oMathParaPr>
+                                <m:jc m:val="centerGroup"/>
+                              </m:oMathParaPr>
+                              <m:oMath xmlns:m="http://schemas.openxmlformats.org/officeDocument/2006/math">
+                                <m:sSub>
+                                  <m:sSubPr>
+                                    <m:ctrlPr>
+                                      <a:rPr lang="en-US" sz="1600" i="1" smtClean="0">
+                                        <a:latin typeface="Cambria Math" panose="02040503050406030204" pitchFamily="18" charset="0"/>
+                                      </a:rPr>
+                                    </m:ctrlPr>
+                                  </m:sSubPr>
+                                  <m:e>
+                                    <m:r>
+                                      <a:rPr lang="en-US" sz="1600" b="0" i="1" smtClean="0">
+                                        <a:latin typeface="Cambria Math" panose="02040503050406030204" pitchFamily="18" charset="0"/>
+                                      </a:rPr>
+                                      <m:t>𝐽</m:t>
+                                    </m:r>
+                                  </m:e>
+                                  <m:sub>
+                                    <m:r>
+                                      <a:rPr lang="en-US" sz="1600" b="0" i="1" smtClean="0">
+                                        <a:latin typeface="Cambria Math" panose="02040503050406030204" pitchFamily="18" charset="0"/>
+                                      </a:rPr>
+                                      <m:t>𝐶𝐶</m:t>
+                                    </m:r>
+                                  </m:sub>
+                                </m:sSub>
+                                <m:r>
+                                  <a:rPr lang="en-US" sz="1600" b="0" i="1" smtClean="0">
+                                    <a:latin typeface="Cambria Math" panose="02040503050406030204" pitchFamily="18" charset="0"/>
+                                  </a:rPr>
+                                  <m:t>=</m:t>
+                                </m:r>
+                                <m:d>
+                                  <m:dPr>
+                                    <m:ctrlPr>
+                                      <a:rPr lang="en-US" sz="1600" b="0" i="1" smtClean="0">
+                                        <a:solidFill>
+                                          <a:srgbClr val="FF0000"/>
+                                        </a:solidFill>
+                                        <a:latin typeface="Cambria Math" panose="02040503050406030204" pitchFamily="18" charset="0"/>
+                                      </a:rPr>
+                                    </m:ctrlPr>
+                                  </m:dPr>
+                                  <m:e>
+                                    <m:r>
+                                      <a:rPr lang="en-US" sz="1600" b="0" i="1" smtClean="0">
+                                        <a:solidFill>
+                                          <a:srgbClr val="FF0000"/>
+                                        </a:solidFill>
+                                        <a:latin typeface="Cambria Math" panose="02040503050406030204" pitchFamily="18" charset="0"/>
+                                      </a:rPr>
+                                      <m:t>𝐶𝐶</m:t>
+                                    </m:r>
+                                  </m:e>
+                                  <m:e>
+                                    <m:r>
+                                      <a:rPr lang="en-US" sz="1600" b="0" i="1" smtClean="0">
+                                        <a:solidFill>
+                                          <a:srgbClr val="FF0000"/>
+                                        </a:solidFill>
+                                        <a:latin typeface="Cambria Math" panose="02040503050406030204" pitchFamily="18" charset="0"/>
+                                      </a:rPr>
+                                      <m:t>𝐶𝐶</m:t>
+                                    </m:r>
+                                  </m:e>
+                                </m:d>
+                                <m:sSub>
+                                  <m:sSubPr>
+                                    <m:ctrlPr>
+                                      <a:rPr lang="en-US" sz="1600" b="0" i="1" smtClean="0">
+                                        <a:solidFill>
+                                          <a:srgbClr val="FF0000"/>
+                                        </a:solidFill>
+                                        <a:latin typeface="Cambria Math" panose="02040503050406030204" pitchFamily="18" charset="0"/>
+                                      </a:rPr>
+                                    </m:ctrlPr>
+                                  </m:sSubPr>
+                                  <m:e>
+                                    <m:r>
+                                      <a:rPr lang="en-US" sz="1600" b="0" i="1" smtClean="0">
+                                        <a:solidFill>
+                                          <a:srgbClr val="FF0000"/>
+                                        </a:solidFill>
+                                        <a:latin typeface="Cambria Math" panose="02040503050406030204" pitchFamily="18" charset="0"/>
+                                      </a:rPr>
+                                      <m:t>.</m:t>
+                                    </m:r>
+                                    <m:r>
+                                      <a:rPr lang="en-US" sz="1600" b="0" i="1" smtClean="0">
+                                        <a:solidFill>
+                                          <a:srgbClr val="FF0000"/>
+                                        </a:solidFill>
+                                        <a:latin typeface="Cambria Math" panose="02040503050406030204" pitchFamily="18" charset="0"/>
+                                      </a:rPr>
+                                      <m:t>𝐷</m:t>
+                                    </m:r>
+                                  </m:e>
+                                  <m:sub>
+                                    <m:r>
+                                      <a:rPr lang="en-US" sz="1600" b="0" i="1" smtClean="0">
+                                        <a:solidFill>
+                                          <a:srgbClr val="FF0000"/>
+                                        </a:solidFill>
+                                        <a:latin typeface="Cambria Math" panose="02040503050406030204" pitchFamily="18" charset="0"/>
+                                      </a:rPr>
+                                      <m:t>𝐶𝐶</m:t>
+                                    </m:r>
+                                  </m:sub>
+                                </m:sSub>
+                                <m:r>
+                                  <a:rPr lang="en-US" sz="1600" b="0" i="1" smtClean="0">
+                                    <a:latin typeface="Cambria Math" panose="02040503050406030204" pitchFamily="18" charset="0"/>
+                                  </a:rPr>
+                                  <m:t>+</m:t>
+                                </m:r>
+                                <m:d>
+                                  <m:dPr>
+                                    <m:ctrlPr>
+                                      <a:rPr lang="en-US" sz="1600" b="0" i="1" smtClean="0">
+                                        <a:solidFill>
+                                          <a:srgbClr val="FF0000"/>
+                                        </a:solidFill>
+                                        <a:latin typeface="Cambria Math" panose="02040503050406030204" pitchFamily="18" charset="0"/>
+                                      </a:rPr>
+                                    </m:ctrlPr>
+                                  </m:dPr>
+                                  <m:e>
+                                    <m:r>
+                                      <a:rPr lang="en-US" sz="1600" b="0" i="1" smtClean="0">
+                                        <a:solidFill>
+                                          <a:srgbClr val="FF0000"/>
+                                        </a:solidFill>
+                                        <a:latin typeface="Cambria Math" panose="02040503050406030204" pitchFamily="18" charset="0"/>
+                                      </a:rPr>
+                                      <m:t>𝐶𝐶</m:t>
+                                    </m:r>
+                                  </m:e>
+                                  <m:e>
+                                    <m:r>
+                                      <a:rPr lang="en-US" sz="1600" b="0" i="1" smtClean="0">
+                                        <a:solidFill>
+                                          <a:srgbClr val="FF0000"/>
+                                        </a:solidFill>
+                                        <a:latin typeface="Cambria Math" panose="02040503050406030204" pitchFamily="18" charset="0"/>
+                                      </a:rPr>
+                                      <m:t>𝐶𝐷</m:t>
+                                    </m:r>
+                                  </m:e>
+                                </m:d>
+                                <m:sSub>
+                                  <m:sSubPr>
+                                    <m:ctrlPr>
+                                      <a:rPr lang="en-US" sz="1600" i="1">
+                                        <a:solidFill>
+                                          <a:srgbClr val="FF0000"/>
+                                        </a:solidFill>
+                                        <a:latin typeface="Cambria Math" panose="02040503050406030204" pitchFamily="18" charset="0"/>
+                                      </a:rPr>
+                                    </m:ctrlPr>
+                                  </m:sSubPr>
+                                  <m:e>
+                                    <m:r>
+                                      <a:rPr lang="en-US" sz="1600" i="1">
+                                        <a:solidFill>
+                                          <a:srgbClr val="FF0000"/>
+                                        </a:solidFill>
+                                        <a:latin typeface="Cambria Math" panose="02040503050406030204" pitchFamily="18" charset="0"/>
+                                      </a:rPr>
+                                      <m:t>.</m:t>
+                                    </m:r>
+                                    <m:r>
+                                      <a:rPr lang="en-US" sz="1600" b="0" i="1" smtClean="0">
+                                        <a:solidFill>
+                                          <a:srgbClr val="FF0000"/>
+                                        </a:solidFill>
+                                        <a:latin typeface="Cambria Math" panose="02040503050406030204" pitchFamily="18" charset="0"/>
+                                      </a:rPr>
+                                      <m:t>𝐷</m:t>
+                                    </m:r>
+                                  </m:e>
+                                  <m:sub>
+                                    <m:r>
+                                      <a:rPr lang="en-US" sz="1600" b="0" i="1" smtClean="0">
+                                        <a:solidFill>
+                                          <a:srgbClr val="FF0000"/>
+                                        </a:solidFill>
+                                        <a:latin typeface="Cambria Math" panose="02040503050406030204" pitchFamily="18" charset="0"/>
+                                      </a:rPr>
+                                      <m:t>𝐷𝐶</m:t>
+                                    </m:r>
+                                  </m:sub>
+                                </m:sSub>
+                                <m:r>
+                                  <a:rPr lang="en-US" sz="1600" b="0" i="1" smtClean="0">
+                                    <a:latin typeface="Cambria Math" panose="02040503050406030204" pitchFamily="18" charset="0"/>
+                                  </a:rPr>
+                                  <m:t>+</m:t>
+                                </m:r>
+                                <m:d>
+                                  <m:dPr>
+                                    <m:ctrlPr>
+                                      <a:rPr lang="en-US" sz="1600" b="0" i="1" smtClean="0">
+                                        <a:solidFill>
+                                          <a:srgbClr val="00B0F0"/>
+                                        </a:solidFill>
+                                        <a:latin typeface="Cambria Math" panose="02040503050406030204" pitchFamily="18" charset="0"/>
+                                      </a:rPr>
+                                    </m:ctrlPr>
+                                  </m:dPr>
+                                  <m:e>
+                                    <m:r>
+                                      <a:rPr lang="en-US" sz="1600" b="0" i="1" smtClean="0">
+                                        <a:solidFill>
+                                          <a:srgbClr val="00B0F0"/>
+                                        </a:solidFill>
+                                        <a:latin typeface="Cambria Math" panose="02040503050406030204" pitchFamily="18" charset="0"/>
+                                      </a:rPr>
+                                      <m:t>𝐶𝐶</m:t>
+                                    </m:r>
+                                  </m:e>
+                                  <m:e>
+                                    <m:r>
+                                      <a:rPr lang="en-US" sz="1600" b="0" i="1" smtClean="0">
+                                        <a:solidFill>
+                                          <a:srgbClr val="00B0F0"/>
+                                        </a:solidFill>
+                                        <a:latin typeface="Cambria Math" panose="02040503050406030204" pitchFamily="18" charset="0"/>
+                                      </a:rPr>
+                                      <m:t>𝐷𝐷</m:t>
+                                    </m:r>
+                                  </m:e>
+                                </m:d>
+                                <m:r>
+                                  <a:rPr lang="en-US" sz="1600" b="0" i="1" smtClean="0">
+                                    <a:solidFill>
+                                      <a:srgbClr val="00B0F0"/>
+                                    </a:solidFill>
+                                    <a:latin typeface="Cambria Math" panose="02040503050406030204" pitchFamily="18" charset="0"/>
+                                  </a:rPr>
+                                  <m:t>.</m:t>
+                                </m:r>
+                                <m:sSub>
+                                  <m:sSubPr>
+                                    <m:ctrlPr>
+                                      <a:rPr lang="en-US" sz="1600" i="1">
+                                        <a:solidFill>
+                                          <a:srgbClr val="00B0F0"/>
+                                        </a:solidFill>
+                                        <a:latin typeface="Cambria Math" panose="02040503050406030204" pitchFamily="18" charset="0"/>
+                                      </a:rPr>
+                                    </m:ctrlPr>
+                                  </m:sSubPr>
+                                  <m:e>
+                                    <m:r>
+                                      <a:rPr lang="en-US" sz="1600" b="0" i="1" smtClean="0">
+                                        <a:solidFill>
+                                          <a:srgbClr val="00B0F0"/>
+                                        </a:solidFill>
+                                        <a:latin typeface="Cambria Math" panose="02040503050406030204" pitchFamily="18" charset="0"/>
+                                      </a:rPr>
+                                      <m:t>𝐷</m:t>
+                                    </m:r>
+                                  </m:e>
+                                  <m:sub>
+                                    <m:r>
+                                      <a:rPr lang="en-US" sz="1600" i="1">
+                                        <a:solidFill>
+                                          <a:srgbClr val="00B0F0"/>
+                                        </a:solidFill>
+                                        <a:latin typeface="Cambria Math" panose="02040503050406030204" pitchFamily="18" charset="0"/>
+                                      </a:rPr>
+                                      <m:t>𝐷</m:t>
+                                    </m:r>
+                                    <m:r>
+                                      <a:rPr lang="en-US" sz="1600" b="0" i="1" smtClean="0">
+                                        <a:solidFill>
+                                          <a:srgbClr val="00B0F0"/>
+                                        </a:solidFill>
+                                        <a:latin typeface="Cambria Math" panose="02040503050406030204" pitchFamily="18" charset="0"/>
+                                      </a:rPr>
+                                      <m:t>𝐷</m:t>
+                                    </m:r>
+                                  </m:sub>
+                                </m:sSub>
+                              </m:oMath>
+                            </m:oMathPara>
+                          </a14:m>
+                          <a:endParaRPr lang="en-US" sz="1600" dirty="0">
+                            <a:solidFill>
+                              <a:srgbClr val="00B0F0"/>
+                            </a:solidFill>
+                          </a:endParaRPr>
+                        </a:p>
+                      </p:txBody>
+                    </p:sp>
+                  </mc:Choice>
+                  <mc:Fallback>
+                    <p:sp>
+                      <p:nvSpPr>
+                        <p:cNvPr id="13" name="TextBox 12">
+                          <a:extLst>
+                            <a:ext uri="{FF2B5EF4-FFF2-40B4-BE49-F238E27FC236}">
+                              <a16:creationId xmlns:a16="http://schemas.microsoft.com/office/drawing/2014/main" id="{11784C3B-D5BB-3C1C-9571-6651A403C2B0}"/>
+                            </a:ext>
+                          </a:extLst>
+                        </p:cNvPr>
+                        <p:cNvSpPr txBox="1">
+                          <a:spLocks noRot="1" noChangeAspect="1" noMove="1" noResize="1" noEditPoints="1" noAdjustHandles="1" noChangeArrowheads="1" noChangeShapeType="1" noTextEdit="1"/>
+                        </p:cNvSpPr>
+                        <p:nvPr/>
+                      </p:nvSpPr>
+                      <p:spPr>
+                        <a:xfrm>
+                          <a:off x="5293788" y="1651759"/>
+                          <a:ext cx="4738285" cy="338554"/>
+                        </a:xfrm>
+                        <a:prstGeom prst="rect">
+                          <a:avLst/>
+                        </a:prstGeom>
+                        <a:blipFill>
+                          <a:blip r:embed="rId8"/>
+                          <a:stretch>
+                            <a:fillRect b="-11111"/>
+                          </a:stretch>
+                        </a:blipFill>
+                      </p:spPr>
+                      <p:txBody>
+                        <a:bodyPr/>
+                        <a:lstStyle/>
+                        <a:p>
+                          <a:r>
+                            <a:rPr lang="en-US">
+                              <a:noFill/>
+                            </a:rPr>
+                            <a:t> </a:t>
+                          </a:r>
+                        </a:p>
+                      </p:txBody>
+                    </p:sp>
+                  </mc:Fallback>
+                </mc:AlternateContent>
+                <mc:AlternateContent xmlns:mc="http://schemas.openxmlformats.org/markup-compatibility/2006">
+                  <mc:Choice xmlns:a14="http://schemas.microsoft.com/office/drawing/2010/main" Requires="a14">
+                    <p:sp>
+                      <p:nvSpPr>
+                        <p:cNvPr id="16" name="TextBox 15">
+                          <a:extLst>
+                            <a:ext uri="{FF2B5EF4-FFF2-40B4-BE49-F238E27FC236}">
+                              <a16:creationId xmlns:a16="http://schemas.microsoft.com/office/drawing/2014/main" id="{BB86F814-A385-10A3-FE00-EDBD251172C9}"/>
+                            </a:ext>
+                          </a:extLst>
+                        </p:cNvPr>
+                        <p:cNvSpPr txBox="1"/>
+                        <p:nvPr/>
+                      </p:nvSpPr>
+                      <p:spPr>
+                        <a:xfrm>
+                          <a:off x="5303727" y="2126359"/>
+                          <a:ext cx="4738286" cy="338554"/>
+                        </a:xfrm>
+                        <a:prstGeom prst="rect">
+                          <a:avLst/>
+                        </a:prstGeom>
+                        <a:noFill/>
+                      </p:spPr>
+                      <p:txBody>
+                        <a:bodyPr wrap="square" rtlCol="0">
+                          <a:spAutoFit/>
+                        </a:bodyPr>
+                        <a:lstStyle/>
+                        <a:p>
+                          <a:pPr/>
+                          <a14:m>
+                            <m:oMathPara xmlns:m="http://schemas.openxmlformats.org/officeDocument/2006/math">
+                              <m:oMathParaPr>
+                                <m:jc m:val="centerGroup"/>
+                              </m:oMathParaPr>
+                              <m:oMath xmlns:m="http://schemas.openxmlformats.org/officeDocument/2006/math">
+                                <m:sSub>
+                                  <m:sSubPr>
+                                    <m:ctrlPr>
+                                      <a:rPr lang="en-US" sz="1600" i="1" smtClean="0">
+                                        <a:latin typeface="Cambria Math" panose="02040503050406030204" pitchFamily="18" charset="0"/>
+                                      </a:rPr>
+                                    </m:ctrlPr>
+                                  </m:sSubPr>
+                                  <m:e>
+                                    <m:r>
+                                      <a:rPr lang="en-US" sz="1600" b="0" i="1" smtClean="0">
+                                        <a:latin typeface="Cambria Math" panose="02040503050406030204" pitchFamily="18" charset="0"/>
+                                      </a:rPr>
+                                      <m:t>𝐽</m:t>
+                                    </m:r>
+                                  </m:e>
+                                  <m:sub>
+                                    <m:r>
+                                      <a:rPr lang="en-US" sz="1600" b="0" i="1" smtClean="0">
+                                        <a:latin typeface="Cambria Math" panose="02040503050406030204" pitchFamily="18" charset="0"/>
+                                      </a:rPr>
+                                      <m:t>𝐶𝐷</m:t>
+                                    </m:r>
+                                  </m:sub>
+                                </m:sSub>
+                                <m:r>
+                                  <a:rPr lang="en-US" sz="1600" b="0" i="1" smtClean="0">
+                                    <a:latin typeface="Cambria Math" panose="02040503050406030204" pitchFamily="18" charset="0"/>
+                                  </a:rPr>
+                                  <m:t>=</m:t>
+                                </m:r>
+                                <m:d>
+                                  <m:dPr>
+                                    <m:ctrlPr>
+                                      <a:rPr lang="en-US" sz="1600" b="0" i="1" smtClean="0">
+                                        <a:solidFill>
+                                          <a:srgbClr val="FF0000"/>
+                                        </a:solidFill>
+                                        <a:latin typeface="Cambria Math" panose="02040503050406030204" pitchFamily="18" charset="0"/>
+                                      </a:rPr>
+                                    </m:ctrlPr>
+                                  </m:dPr>
+                                  <m:e>
+                                    <m:r>
+                                      <a:rPr lang="en-US" sz="1600" b="0" i="1" smtClean="0">
+                                        <a:solidFill>
+                                          <a:srgbClr val="FF0000"/>
+                                        </a:solidFill>
+                                        <a:latin typeface="Cambria Math" panose="02040503050406030204" pitchFamily="18" charset="0"/>
+                                      </a:rPr>
+                                      <m:t>𝐶𝐷</m:t>
+                                    </m:r>
+                                  </m:e>
+                                  <m:e>
+                                    <m:r>
+                                      <a:rPr lang="en-US" sz="1600" b="0" i="1" smtClean="0">
+                                        <a:solidFill>
+                                          <a:srgbClr val="FF0000"/>
+                                        </a:solidFill>
+                                        <a:latin typeface="Cambria Math" panose="02040503050406030204" pitchFamily="18" charset="0"/>
+                                      </a:rPr>
+                                      <m:t>𝐶𝐶</m:t>
+                                    </m:r>
+                                  </m:e>
+                                </m:d>
+                                <m:sSub>
+                                  <m:sSubPr>
+                                    <m:ctrlPr>
+                                      <a:rPr lang="en-US" sz="1600" b="0" i="1" smtClean="0">
+                                        <a:solidFill>
+                                          <a:srgbClr val="FF0000"/>
+                                        </a:solidFill>
+                                        <a:latin typeface="Cambria Math" panose="02040503050406030204" pitchFamily="18" charset="0"/>
+                                      </a:rPr>
+                                    </m:ctrlPr>
+                                  </m:sSubPr>
+                                  <m:e>
+                                    <m:r>
+                                      <a:rPr lang="en-US" sz="1600" b="0" i="1" smtClean="0">
+                                        <a:solidFill>
+                                          <a:srgbClr val="FF0000"/>
+                                        </a:solidFill>
+                                        <a:latin typeface="Cambria Math" panose="02040503050406030204" pitchFamily="18" charset="0"/>
+                                      </a:rPr>
+                                      <m:t>.</m:t>
+                                    </m:r>
+                                    <m:r>
+                                      <a:rPr lang="en-US" sz="1600" b="0" i="1" smtClean="0">
+                                        <a:solidFill>
+                                          <a:srgbClr val="FF0000"/>
+                                        </a:solidFill>
+                                        <a:latin typeface="Cambria Math" panose="02040503050406030204" pitchFamily="18" charset="0"/>
+                                      </a:rPr>
+                                      <m:t>𝐷</m:t>
+                                    </m:r>
+                                  </m:e>
+                                  <m:sub>
+                                    <m:r>
+                                      <a:rPr lang="en-US" sz="1600" b="0" i="1" smtClean="0">
+                                        <a:solidFill>
+                                          <a:srgbClr val="FF0000"/>
+                                        </a:solidFill>
+                                        <a:latin typeface="Cambria Math" panose="02040503050406030204" pitchFamily="18" charset="0"/>
+                                      </a:rPr>
+                                      <m:t>𝐶𝐶</m:t>
+                                    </m:r>
+                                  </m:sub>
+                                </m:sSub>
+                                <m:r>
+                                  <a:rPr lang="en-US" sz="1600" b="0" i="1" smtClean="0">
+                                    <a:latin typeface="Cambria Math" panose="02040503050406030204" pitchFamily="18" charset="0"/>
+                                  </a:rPr>
+                                  <m:t>+</m:t>
+                                </m:r>
+                                <m:d>
+                                  <m:dPr>
+                                    <m:ctrlPr>
+                                      <a:rPr lang="en-US" sz="1600" b="0" i="1" smtClean="0">
+                                        <a:solidFill>
+                                          <a:srgbClr val="FF0000"/>
+                                        </a:solidFill>
+                                        <a:latin typeface="Cambria Math" panose="02040503050406030204" pitchFamily="18" charset="0"/>
+                                      </a:rPr>
+                                    </m:ctrlPr>
+                                  </m:dPr>
+                                  <m:e>
+                                    <m:r>
+                                      <a:rPr lang="en-US" sz="1600" b="0" i="1" smtClean="0">
+                                        <a:solidFill>
+                                          <a:srgbClr val="FF0000"/>
+                                        </a:solidFill>
+                                        <a:latin typeface="Cambria Math" panose="02040503050406030204" pitchFamily="18" charset="0"/>
+                                      </a:rPr>
+                                      <m:t>𝐶𝐷</m:t>
+                                    </m:r>
+                                  </m:e>
+                                  <m:e>
+                                    <m:r>
+                                      <a:rPr lang="en-US" sz="1600" b="0" i="1" smtClean="0">
+                                        <a:solidFill>
+                                          <a:srgbClr val="FF0000"/>
+                                        </a:solidFill>
+                                        <a:latin typeface="Cambria Math" panose="02040503050406030204" pitchFamily="18" charset="0"/>
+                                      </a:rPr>
+                                      <m:t>𝐶𝐷</m:t>
+                                    </m:r>
+                                  </m:e>
+                                </m:d>
+                                <m:sSub>
+                                  <m:sSubPr>
+                                    <m:ctrlPr>
+                                      <a:rPr lang="en-US" sz="1600" i="1">
+                                        <a:solidFill>
+                                          <a:srgbClr val="FF0000"/>
+                                        </a:solidFill>
+                                        <a:latin typeface="Cambria Math" panose="02040503050406030204" pitchFamily="18" charset="0"/>
+                                      </a:rPr>
+                                    </m:ctrlPr>
+                                  </m:sSubPr>
+                                  <m:e>
+                                    <m:r>
+                                      <a:rPr lang="en-US" sz="1600" b="0" i="1" smtClean="0">
+                                        <a:solidFill>
+                                          <a:srgbClr val="FF0000"/>
+                                        </a:solidFill>
+                                        <a:latin typeface="Cambria Math" panose="02040503050406030204" pitchFamily="18" charset="0"/>
+                                      </a:rPr>
+                                      <m:t>.</m:t>
+                                    </m:r>
+                                    <m:r>
+                                      <a:rPr lang="en-US" sz="1600" b="0" i="1" smtClean="0">
+                                        <a:solidFill>
+                                          <a:srgbClr val="FF0000"/>
+                                        </a:solidFill>
+                                        <a:latin typeface="Cambria Math" panose="02040503050406030204" pitchFamily="18" charset="0"/>
+                                      </a:rPr>
+                                      <m:t>𝐷</m:t>
+                                    </m:r>
+                                  </m:e>
+                                  <m:sub>
+                                    <m:r>
+                                      <a:rPr lang="en-US" sz="1600" b="0" i="1" smtClean="0">
+                                        <a:solidFill>
+                                          <a:srgbClr val="FF0000"/>
+                                        </a:solidFill>
+                                        <a:latin typeface="Cambria Math" panose="02040503050406030204" pitchFamily="18" charset="0"/>
+                                      </a:rPr>
+                                      <m:t>𝐷𝐶</m:t>
+                                    </m:r>
+                                  </m:sub>
+                                </m:sSub>
+                                <m:r>
+                                  <a:rPr lang="en-US" sz="1600" b="0" i="1" smtClean="0">
+                                    <a:solidFill>
+                                      <a:schemeClr val="tx1"/>
+                                    </a:solidFill>
+                                    <a:latin typeface="Cambria Math" panose="02040503050406030204" pitchFamily="18" charset="0"/>
+                                  </a:rPr>
+                                  <m:t>+</m:t>
+                                </m:r>
+                                <m:d>
+                                  <m:dPr>
+                                    <m:ctrlPr>
+                                      <a:rPr lang="en-US" sz="1600" b="0" i="1" smtClean="0">
+                                        <a:solidFill>
+                                          <a:srgbClr val="00B0F0"/>
+                                        </a:solidFill>
+                                        <a:latin typeface="Cambria Math" panose="02040503050406030204" pitchFamily="18" charset="0"/>
+                                      </a:rPr>
+                                    </m:ctrlPr>
+                                  </m:dPr>
+                                  <m:e>
+                                    <m:r>
+                                      <a:rPr lang="en-US" sz="1600" b="0" i="1" smtClean="0">
+                                        <a:solidFill>
+                                          <a:srgbClr val="00B0F0"/>
+                                        </a:solidFill>
+                                        <a:latin typeface="Cambria Math" panose="02040503050406030204" pitchFamily="18" charset="0"/>
+                                      </a:rPr>
+                                      <m:t>𝐶𝐷</m:t>
+                                    </m:r>
+                                  </m:e>
+                                  <m:e>
+                                    <m:r>
+                                      <a:rPr lang="en-US" sz="1600" b="0" i="1" smtClean="0">
+                                        <a:solidFill>
+                                          <a:srgbClr val="00B0F0"/>
+                                        </a:solidFill>
+                                        <a:latin typeface="Cambria Math" panose="02040503050406030204" pitchFamily="18" charset="0"/>
+                                      </a:rPr>
+                                      <m:t>𝐷𝐷</m:t>
+                                    </m:r>
+                                  </m:e>
+                                </m:d>
+                                <m:r>
+                                  <a:rPr lang="en-US" sz="1600" b="0" i="1" smtClean="0">
+                                    <a:solidFill>
+                                      <a:srgbClr val="00B0F0"/>
+                                    </a:solidFill>
+                                    <a:latin typeface="Cambria Math" panose="02040503050406030204" pitchFamily="18" charset="0"/>
+                                  </a:rPr>
+                                  <m:t>.</m:t>
+                                </m:r>
+                                <m:sSub>
+                                  <m:sSubPr>
+                                    <m:ctrlPr>
+                                      <a:rPr lang="en-US" sz="1600" i="1">
+                                        <a:solidFill>
+                                          <a:srgbClr val="00B0F0"/>
+                                        </a:solidFill>
+                                        <a:latin typeface="Cambria Math" panose="02040503050406030204" pitchFamily="18" charset="0"/>
+                                      </a:rPr>
+                                    </m:ctrlPr>
+                                  </m:sSubPr>
+                                  <m:e>
+                                    <m:r>
+                                      <a:rPr lang="en-US" sz="1600" b="0" i="1" smtClean="0">
+                                        <a:solidFill>
+                                          <a:srgbClr val="00B0F0"/>
+                                        </a:solidFill>
+                                        <a:latin typeface="Cambria Math" panose="02040503050406030204" pitchFamily="18" charset="0"/>
+                                      </a:rPr>
+                                      <m:t>𝐷</m:t>
+                                    </m:r>
+                                  </m:e>
+                                  <m:sub>
+                                    <m:r>
+                                      <a:rPr lang="en-US" sz="1600" i="1">
+                                        <a:solidFill>
+                                          <a:srgbClr val="00B0F0"/>
+                                        </a:solidFill>
+                                        <a:latin typeface="Cambria Math" panose="02040503050406030204" pitchFamily="18" charset="0"/>
+                                      </a:rPr>
+                                      <m:t>𝐷</m:t>
+                                    </m:r>
+                                    <m:r>
+                                      <a:rPr lang="en-US" sz="1600" b="0" i="1" smtClean="0">
+                                        <a:solidFill>
+                                          <a:srgbClr val="00B0F0"/>
+                                        </a:solidFill>
+                                        <a:latin typeface="Cambria Math" panose="02040503050406030204" pitchFamily="18" charset="0"/>
+                                      </a:rPr>
+                                      <m:t>𝐷</m:t>
+                                    </m:r>
+                                  </m:sub>
+                                </m:sSub>
+                              </m:oMath>
+                            </m:oMathPara>
+                          </a14:m>
+                          <a:endParaRPr lang="en-US" sz="1600" dirty="0">
+                            <a:solidFill>
+                              <a:srgbClr val="00B0F0"/>
+                            </a:solidFill>
+                          </a:endParaRPr>
+                        </a:p>
+                      </p:txBody>
+                    </p:sp>
+                  </mc:Choice>
+                  <mc:Fallback>
+                    <p:sp>
+                      <p:nvSpPr>
+                        <p:cNvPr id="16" name="TextBox 15">
+                          <a:extLst>
+                            <a:ext uri="{FF2B5EF4-FFF2-40B4-BE49-F238E27FC236}">
+                              <a16:creationId xmlns:a16="http://schemas.microsoft.com/office/drawing/2014/main" id="{BB86F814-A385-10A3-FE00-EDBD251172C9}"/>
+                            </a:ext>
+                          </a:extLst>
+                        </p:cNvPr>
+                        <p:cNvSpPr txBox="1">
+                          <a:spLocks noRot="1" noChangeAspect="1" noMove="1" noResize="1" noEditPoints="1" noAdjustHandles="1" noChangeArrowheads="1" noChangeShapeType="1" noTextEdit="1"/>
+                        </p:cNvSpPr>
+                        <p:nvPr/>
+                      </p:nvSpPr>
+                      <p:spPr>
+                        <a:xfrm>
+                          <a:off x="5303727" y="2126359"/>
+                          <a:ext cx="4738286" cy="338554"/>
+                        </a:xfrm>
+                        <a:prstGeom prst="rect">
+                          <a:avLst/>
+                        </a:prstGeom>
+                        <a:blipFill>
+                          <a:blip r:embed="rId9"/>
+                          <a:stretch>
+                            <a:fillRect b="-7143"/>
+                          </a:stretch>
+                        </a:blipFill>
+                      </p:spPr>
+                      <p:txBody>
+                        <a:bodyPr/>
+                        <a:lstStyle/>
+                        <a:p>
+                          <a:r>
+                            <a:rPr lang="en-US">
+                              <a:noFill/>
+                            </a:rPr>
+                            <a:t> </a:t>
+                          </a:r>
+                        </a:p>
+                      </p:txBody>
+                    </p:sp>
+                  </mc:Fallback>
+                </mc:AlternateContent>
+                <mc:AlternateContent xmlns:mc="http://schemas.openxmlformats.org/markup-compatibility/2006">
+                  <mc:Choice xmlns:a14="http://schemas.microsoft.com/office/drawing/2010/main" Requires="a14">
+                    <p:sp>
+                      <p:nvSpPr>
+                        <p:cNvPr id="17" name="TextBox 16">
+                          <a:extLst>
+                            <a:ext uri="{FF2B5EF4-FFF2-40B4-BE49-F238E27FC236}">
+                              <a16:creationId xmlns:a16="http://schemas.microsoft.com/office/drawing/2014/main" id="{EC6D8A82-C313-9170-068D-21021475715B}"/>
+                            </a:ext>
+                          </a:extLst>
+                        </p:cNvPr>
+                        <p:cNvSpPr txBox="1"/>
+                        <p:nvPr/>
+                      </p:nvSpPr>
+                      <p:spPr>
+                        <a:xfrm>
+                          <a:off x="5333546" y="2589847"/>
+                          <a:ext cx="4738286" cy="338554"/>
+                        </a:xfrm>
+                        <a:prstGeom prst="rect">
+                          <a:avLst/>
+                        </a:prstGeom>
+                        <a:noFill/>
+                      </p:spPr>
+                      <p:txBody>
+                        <a:bodyPr wrap="square" rtlCol="0">
+                          <a:spAutoFit/>
+                        </a:bodyPr>
+                        <a:lstStyle/>
+                        <a:p>
+                          <a:pPr/>
+                          <a14:m>
+                            <m:oMathPara xmlns:m="http://schemas.openxmlformats.org/officeDocument/2006/math">
+                              <m:oMathParaPr>
+                                <m:jc m:val="centerGroup"/>
+                              </m:oMathParaPr>
+                              <m:oMath xmlns:m="http://schemas.openxmlformats.org/officeDocument/2006/math">
+                                <m:sSub>
+                                  <m:sSubPr>
+                                    <m:ctrlPr>
+                                      <a:rPr lang="en-US" sz="1600" i="1" smtClean="0">
+                                        <a:latin typeface="Cambria Math" panose="02040503050406030204" pitchFamily="18" charset="0"/>
+                                      </a:rPr>
+                                    </m:ctrlPr>
+                                  </m:sSubPr>
+                                  <m:e>
+                                    <m:r>
+                                      <a:rPr lang="en-US" sz="1600" b="0" i="1" smtClean="0">
+                                        <a:latin typeface="Cambria Math" panose="02040503050406030204" pitchFamily="18" charset="0"/>
+                                      </a:rPr>
+                                      <m:t>𝐽</m:t>
+                                    </m:r>
+                                  </m:e>
+                                  <m:sub>
+                                    <m:r>
+                                      <a:rPr lang="en-US" sz="1600" b="0" i="1" smtClean="0">
+                                        <a:latin typeface="Cambria Math" panose="02040503050406030204" pitchFamily="18" charset="0"/>
+                                      </a:rPr>
+                                      <m:t>𝐷𝐷</m:t>
+                                    </m:r>
+                                  </m:sub>
+                                </m:sSub>
+                                <m:r>
+                                  <a:rPr lang="en-US" sz="1600" b="0" i="1" smtClean="0">
+                                    <a:latin typeface="Cambria Math" panose="02040503050406030204" pitchFamily="18" charset="0"/>
+                                  </a:rPr>
+                                  <m:t>=</m:t>
+                                </m:r>
+                                <m:d>
+                                  <m:dPr>
+                                    <m:ctrlPr>
+                                      <a:rPr lang="en-US" sz="1600" b="0" i="1" smtClean="0">
+                                        <a:solidFill>
+                                          <a:srgbClr val="00B0F0"/>
+                                        </a:solidFill>
+                                        <a:latin typeface="Cambria Math" panose="02040503050406030204" pitchFamily="18" charset="0"/>
+                                      </a:rPr>
+                                    </m:ctrlPr>
+                                  </m:dPr>
+                                  <m:e>
+                                    <m:r>
+                                      <a:rPr lang="en-US" sz="1600" b="0" i="1" smtClean="0">
+                                        <a:solidFill>
+                                          <a:srgbClr val="00B0F0"/>
+                                        </a:solidFill>
+                                        <a:latin typeface="Cambria Math" panose="02040503050406030204" pitchFamily="18" charset="0"/>
+                                      </a:rPr>
+                                      <m:t>𝐷𝐷</m:t>
+                                    </m:r>
+                                  </m:e>
+                                  <m:e>
+                                    <m:r>
+                                      <a:rPr lang="en-US" sz="1600" b="0" i="1" smtClean="0">
+                                        <a:solidFill>
+                                          <a:srgbClr val="00B0F0"/>
+                                        </a:solidFill>
+                                        <a:latin typeface="Cambria Math" panose="02040503050406030204" pitchFamily="18" charset="0"/>
+                                      </a:rPr>
+                                      <m:t>𝐶𝐶</m:t>
+                                    </m:r>
+                                  </m:e>
+                                </m:d>
+                                <m:sSub>
+                                  <m:sSubPr>
+                                    <m:ctrlPr>
+                                      <a:rPr lang="en-US" sz="1600" b="0" i="1" smtClean="0">
+                                        <a:solidFill>
+                                          <a:srgbClr val="00B0F0"/>
+                                        </a:solidFill>
+                                        <a:latin typeface="Cambria Math" panose="02040503050406030204" pitchFamily="18" charset="0"/>
+                                      </a:rPr>
+                                    </m:ctrlPr>
+                                  </m:sSubPr>
+                                  <m:e>
+                                    <m:r>
+                                      <a:rPr lang="en-US" sz="1600" b="0" i="1" smtClean="0">
+                                        <a:solidFill>
+                                          <a:srgbClr val="00B0F0"/>
+                                        </a:solidFill>
+                                        <a:latin typeface="Cambria Math" panose="02040503050406030204" pitchFamily="18" charset="0"/>
+                                      </a:rPr>
+                                      <m:t>.</m:t>
+                                    </m:r>
+                                    <m:r>
+                                      <a:rPr lang="en-US" sz="1600" b="0" i="1" smtClean="0">
+                                        <a:solidFill>
+                                          <a:srgbClr val="00B0F0"/>
+                                        </a:solidFill>
+                                        <a:latin typeface="Cambria Math" panose="02040503050406030204" pitchFamily="18" charset="0"/>
+                                      </a:rPr>
+                                      <m:t>𝐷</m:t>
+                                    </m:r>
+                                  </m:e>
+                                  <m:sub>
+                                    <m:r>
+                                      <a:rPr lang="en-US" sz="1600" b="0" i="1" smtClean="0">
+                                        <a:solidFill>
+                                          <a:srgbClr val="00B0F0"/>
+                                        </a:solidFill>
+                                        <a:latin typeface="Cambria Math" panose="02040503050406030204" pitchFamily="18" charset="0"/>
+                                      </a:rPr>
+                                      <m:t>𝐶𝐶</m:t>
+                                    </m:r>
+                                  </m:sub>
+                                </m:sSub>
+                                <m:r>
+                                  <a:rPr lang="en-US" sz="1600" b="0" i="1" smtClean="0">
+                                    <a:latin typeface="Cambria Math" panose="02040503050406030204" pitchFamily="18" charset="0"/>
+                                  </a:rPr>
+                                  <m:t>+</m:t>
+                                </m:r>
+                                <m:d>
+                                  <m:dPr>
+                                    <m:ctrlPr>
+                                      <a:rPr lang="en-US" sz="1600" b="0" i="1" smtClean="0">
+                                        <a:solidFill>
+                                          <a:srgbClr val="00B0F0"/>
+                                        </a:solidFill>
+                                        <a:latin typeface="Cambria Math" panose="02040503050406030204" pitchFamily="18" charset="0"/>
+                                      </a:rPr>
+                                    </m:ctrlPr>
+                                  </m:dPr>
+                                  <m:e>
+                                    <m:r>
+                                      <a:rPr lang="en-US" sz="1600" b="0" i="1" smtClean="0">
+                                        <a:solidFill>
+                                          <a:srgbClr val="00B0F0"/>
+                                        </a:solidFill>
+                                        <a:latin typeface="Cambria Math" panose="02040503050406030204" pitchFamily="18" charset="0"/>
+                                      </a:rPr>
+                                      <m:t>𝐷𝐷</m:t>
+                                    </m:r>
+                                  </m:e>
+                                  <m:e>
+                                    <m:r>
+                                      <a:rPr lang="en-US" sz="1600" b="0" i="1" smtClean="0">
+                                        <a:solidFill>
+                                          <a:srgbClr val="00B0F0"/>
+                                        </a:solidFill>
+                                        <a:latin typeface="Cambria Math" panose="02040503050406030204" pitchFamily="18" charset="0"/>
+                                      </a:rPr>
+                                      <m:t>𝐶𝐷</m:t>
+                                    </m:r>
+                                  </m:e>
+                                </m:d>
+                                <m:sSub>
+                                  <m:sSubPr>
+                                    <m:ctrlPr>
+                                      <a:rPr lang="en-US" sz="1600" i="1">
+                                        <a:solidFill>
+                                          <a:srgbClr val="00B0F0"/>
+                                        </a:solidFill>
+                                        <a:latin typeface="Cambria Math" panose="02040503050406030204" pitchFamily="18" charset="0"/>
+                                      </a:rPr>
+                                    </m:ctrlPr>
+                                  </m:sSubPr>
+                                  <m:e>
+                                    <m:r>
+                                      <a:rPr lang="en-US" sz="1600" b="0" i="1" smtClean="0">
+                                        <a:solidFill>
+                                          <a:srgbClr val="00B0F0"/>
+                                        </a:solidFill>
+                                        <a:latin typeface="Cambria Math" panose="02040503050406030204" pitchFamily="18" charset="0"/>
+                                      </a:rPr>
+                                      <m:t>.</m:t>
+                                    </m:r>
+                                    <m:r>
+                                      <a:rPr lang="en-US" sz="1600" b="0" i="1" smtClean="0">
+                                        <a:solidFill>
+                                          <a:srgbClr val="00B0F0"/>
+                                        </a:solidFill>
+                                        <a:latin typeface="Cambria Math" panose="02040503050406030204" pitchFamily="18" charset="0"/>
+                                      </a:rPr>
+                                      <m:t>𝐷</m:t>
+                                    </m:r>
+                                  </m:e>
+                                  <m:sub>
+                                    <m:r>
+                                      <a:rPr lang="en-US" sz="1600" b="0" i="1" smtClean="0">
+                                        <a:solidFill>
+                                          <a:srgbClr val="00B0F0"/>
+                                        </a:solidFill>
+                                        <a:latin typeface="Cambria Math" panose="02040503050406030204" pitchFamily="18" charset="0"/>
+                                      </a:rPr>
+                                      <m:t>𝐷𝐶</m:t>
+                                    </m:r>
+                                  </m:sub>
+                                </m:sSub>
+                                <m:r>
+                                  <a:rPr lang="en-US" sz="1600" b="0" i="1" smtClean="0">
+                                    <a:latin typeface="Cambria Math" panose="02040503050406030204" pitchFamily="18" charset="0"/>
+                                  </a:rPr>
+                                  <m:t>+</m:t>
+                                </m:r>
+                                <m:d>
+                                  <m:dPr>
+                                    <m:ctrlPr>
+                                      <a:rPr lang="en-US" sz="1600" b="0" i="1" smtClean="0">
+                                        <a:solidFill>
+                                          <a:srgbClr val="00B0F0"/>
+                                        </a:solidFill>
+                                        <a:latin typeface="Cambria Math" panose="02040503050406030204" pitchFamily="18" charset="0"/>
+                                      </a:rPr>
+                                    </m:ctrlPr>
+                                  </m:dPr>
+                                  <m:e>
+                                    <m:r>
+                                      <a:rPr lang="en-US" sz="1600" b="0" i="1" smtClean="0">
+                                        <a:solidFill>
+                                          <a:srgbClr val="00B0F0"/>
+                                        </a:solidFill>
+                                        <a:latin typeface="Cambria Math" panose="02040503050406030204" pitchFamily="18" charset="0"/>
+                                      </a:rPr>
+                                      <m:t>𝐷𝐷</m:t>
+                                    </m:r>
+                                  </m:e>
+                                  <m:e>
+                                    <m:r>
+                                      <a:rPr lang="en-US" sz="1600" b="0" i="1" smtClean="0">
+                                        <a:solidFill>
+                                          <a:srgbClr val="00B0F0"/>
+                                        </a:solidFill>
+                                        <a:latin typeface="Cambria Math" panose="02040503050406030204" pitchFamily="18" charset="0"/>
+                                      </a:rPr>
+                                      <m:t>𝐷𝐷</m:t>
+                                    </m:r>
+                                  </m:e>
+                                </m:d>
+                                <m:r>
+                                  <a:rPr lang="en-US" sz="1600" b="0" i="1" smtClean="0">
+                                    <a:solidFill>
+                                      <a:srgbClr val="00B0F0"/>
+                                    </a:solidFill>
+                                    <a:latin typeface="Cambria Math" panose="02040503050406030204" pitchFamily="18" charset="0"/>
+                                  </a:rPr>
+                                  <m:t>.</m:t>
+                                </m:r>
+                                <m:sSub>
+                                  <m:sSubPr>
+                                    <m:ctrlPr>
+                                      <a:rPr lang="en-US" sz="1600" i="1">
+                                        <a:solidFill>
+                                          <a:srgbClr val="00B0F0"/>
+                                        </a:solidFill>
+                                        <a:latin typeface="Cambria Math" panose="02040503050406030204" pitchFamily="18" charset="0"/>
+                                      </a:rPr>
+                                    </m:ctrlPr>
+                                  </m:sSubPr>
+                                  <m:e>
+                                    <m:r>
+                                      <a:rPr lang="en-US" sz="1600" b="0" i="1" smtClean="0">
+                                        <a:solidFill>
+                                          <a:srgbClr val="00B0F0"/>
+                                        </a:solidFill>
+                                        <a:latin typeface="Cambria Math" panose="02040503050406030204" pitchFamily="18" charset="0"/>
+                                      </a:rPr>
+                                      <m:t>𝐷</m:t>
+                                    </m:r>
+                                  </m:e>
+                                  <m:sub>
+                                    <m:r>
+                                      <a:rPr lang="en-US" sz="1600" i="1">
+                                        <a:solidFill>
+                                          <a:srgbClr val="00B0F0"/>
+                                        </a:solidFill>
+                                        <a:latin typeface="Cambria Math" panose="02040503050406030204" pitchFamily="18" charset="0"/>
+                                      </a:rPr>
+                                      <m:t>𝐷</m:t>
+                                    </m:r>
+                                    <m:r>
+                                      <a:rPr lang="en-US" sz="1600" b="0" i="1" smtClean="0">
+                                        <a:solidFill>
+                                          <a:srgbClr val="00B0F0"/>
+                                        </a:solidFill>
+                                        <a:latin typeface="Cambria Math" panose="02040503050406030204" pitchFamily="18" charset="0"/>
+                                      </a:rPr>
+                                      <m:t>𝐷</m:t>
+                                    </m:r>
+                                  </m:sub>
+                                </m:sSub>
+                              </m:oMath>
+                            </m:oMathPara>
+                          </a14:m>
+                          <a:endParaRPr lang="en-US" sz="1600" dirty="0">
+                            <a:solidFill>
+                              <a:srgbClr val="00B0F0"/>
+                            </a:solidFill>
+                          </a:endParaRPr>
+                        </a:p>
+                      </p:txBody>
+                    </p:sp>
+                  </mc:Choice>
+                  <mc:Fallback>
+                    <p:sp>
+                      <p:nvSpPr>
+                        <p:cNvPr id="17" name="TextBox 16">
+                          <a:extLst>
+                            <a:ext uri="{FF2B5EF4-FFF2-40B4-BE49-F238E27FC236}">
+                              <a16:creationId xmlns:a16="http://schemas.microsoft.com/office/drawing/2014/main" id="{EC6D8A82-C313-9170-068D-21021475715B}"/>
+                            </a:ext>
+                          </a:extLst>
+                        </p:cNvPr>
+                        <p:cNvSpPr txBox="1">
+                          <a:spLocks noRot="1" noChangeAspect="1" noMove="1" noResize="1" noEditPoints="1" noAdjustHandles="1" noChangeArrowheads="1" noChangeShapeType="1" noTextEdit="1"/>
+                        </p:cNvSpPr>
+                        <p:nvPr/>
+                      </p:nvSpPr>
+                      <p:spPr>
+                        <a:xfrm>
+                          <a:off x="5333546" y="2589847"/>
+                          <a:ext cx="4738286" cy="338554"/>
+                        </a:xfrm>
+                        <a:prstGeom prst="rect">
+                          <a:avLst/>
+                        </a:prstGeom>
+                        <a:blipFill>
+                          <a:blip r:embed="rId10"/>
+                          <a:stretch>
+                            <a:fillRect b="-11111"/>
+                          </a:stretch>
+                        </a:blipFill>
+                      </p:spPr>
+                      <p:txBody>
+                        <a:bodyPr/>
+                        <a:lstStyle/>
+                        <a:p>
+                          <a:r>
+                            <a:rPr lang="en-US">
+                              <a:noFill/>
+                            </a:rPr>
+                            <a:t> </a:t>
+                          </a:r>
+                        </a:p>
+                      </p:txBody>
+                    </p:sp>
+                  </mc:Fallback>
+                </mc:AlternateContent>
+              </p:grpSp>
+              <p:sp>
+                <p:nvSpPr>
+                  <p:cNvPr id="46" name="L-Shape 45">
+                    <a:extLst>
+                      <a:ext uri="{FF2B5EF4-FFF2-40B4-BE49-F238E27FC236}">
+                        <a16:creationId xmlns:a16="http://schemas.microsoft.com/office/drawing/2014/main" id="{FB187FA7-2B6F-2DFB-C785-7A038762192B}"/>
+                      </a:ext>
+                    </a:extLst>
+                  </p:cNvPr>
+                  <p:cNvSpPr/>
+                  <p:nvPr/>
+                </p:nvSpPr>
+                <p:spPr>
+                  <a:xfrm flipH="1">
+                    <a:off x="5786421" y="2471408"/>
+                    <a:ext cx="4045815" cy="1325681"/>
+                  </a:xfrm>
+                  <a:custGeom>
+                    <a:avLst/>
+                    <a:gdLst>
+                      <a:gd name="connsiteX0" fmla="*/ 0 w 4500903"/>
+                      <a:gd name="connsiteY0" fmla="*/ 0 h 1608812"/>
+                      <a:gd name="connsiteX1" fmla="*/ 1514616 w 4500903"/>
+                      <a:gd name="connsiteY1" fmla="*/ 0 h 1608812"/>
+                      <a:gd name="connsiteX2" fmla="*/ 1514616 w 4500903"/>
+                      <a:gd name="connsiteY2" fmla="*/ 800239 h 1608812"/>
+                      <a:gd name="connsiteX3" fmla="*/ 4500903 w 4500903"/>
+                      <a:gd name="connsiteY3" fmla="*/ 800239 h 1608812"/>
+                      <a:gd name="connsiteX4" fmla="*/ 4500903 w 4500903"/>
+                      <a:gd name="connsiteY4" fmla="*/ 1608812 h 1608812"/>
+                      <a:gd name="connsiteX5" fmla="*/ 0 w 4500903"/>
+                      <a:gd name="connsiteY5" fmla="*/ 1608812 h 1608812"/>
+                      <a:gd name="connsiteX6" fmla="*/ 0 w 4500903"/>
+                      <a:gd name="connsiteY6" fmla="*/ 0 h 1608812"/>
+                      <a:gd name="connsiteX0" fmla="*/ 0 w 4500903"/>
+                      <a:gd name="connsiteY0" fmla="*/ 0 h 1608812"/>
+                      <a:gd name="connsiteX1" fmla="*/ 1514616 w 4500903"/>
+                      <a:gd name="connsiteY1" fmla="*/ 0 h 1608812"/>
+                      <a:gd name="connsiteX2" fmla="*/ 1508310 w 4500903"/>
+                      <a:gd name="connsiteY2" fmla="*/ 1247980 h 1608812"/>
+                      <a:gd name="connsiteX3" fmla="*/ 4500903 w 4500903"/>
+                      <a:gd name="connsiteY3" fmla="*/ 800239 h 1608812"/>
+                      <a:gd name="connsiteX4" fmla="*/ 4500903 w 4500903"/>
+                      <a:gd name="connsiteY4" fmla="*/ 1608812 h 1608812"/>
+                      <a:gd name="connsiteX5" fmla="*/ 0 w 4500903"/>
+                      <a:gd name="connsiteY5" fmla="*/ 1608812 h 1608812"/>
+                      <a:gd name="connsiteX6" fmla="*/ 0 w 4500903"/>
+                      <a:gd name="connsiteY6" fmla="*/ 0 h 1608812"/>
+                      <a:gd name="connsiteX0" fmla="*/ 0 w 4500903"/>
+                      <a:gd name="connsiteY0" fmla="*/ 0 h 1608812"/>
+                      <a:gd name="connsiteX1" fmla="*/ 1514616 w 4500903"/>
+                      <a:gd name="connsiteY1" fmla="*/ 0 h 1608812"/>
+                      <a:gd name="connsiteX2" fmla="*/ 1508310 w 4500903"/>
+                      <a:gd name="connsiteY2" fmla="*/ 1247980 h 1608812"/>
+                      <a:gd name="connsiteX3" fmla="*/ 4500903 w 4500903"/>
+                      <a:gd name="connsiteY3" fmla="*/ 1247979 h 1608812"/>
+                      <a:gd name="connsiteX4" fmla="*/ 4500903 w 4500903"/>
+                      <a:gd name="connsiteY4" fmla="*/ 1608812 h 1608812"/>
+                      <a:gd name="connsiteX5" fmla="*/ 0 w 4500903"/>
+                      <a:gd name="connsiteY5" fmla="*/ 1608812 h 1608812"/>
+                      <a:gd name="connsiteX6" fmla="*/ 0 w 4500903"/>
+                      <a:gd name="connsiteY6" fmla="*/ 0 h 1608812"/>
+                      <a:gd name="connsiteX0" fmla="*/ 0 w 4500903"/>
+                      <a:gd name="connsiteY0" fmla="*/ 0 h 1608812"/>
+                      <a:gd name="connsiteX1" fmla="*/ 1443989 w 4500903"/>
+                      <a:gd name="connsiteY1" fmla="*/ 0 h 1608812"/>
+                      <a:gd name="connsiteX2" fmla="*/ 1508310 w 4500903"/>
+                      <a:gd name="connsiteY2" fmla="*/ 1247980 h 1608812"/>
+                      <a:gd name="connsiteX3" fmla="*/ 4500903 w 4500903"/>
+                      <a:gd name="connsiteY3" fmla="*/ 1247979 h 1608812"/>
+                      <a:gd name="connsiteX4" fmla="*/ 4500903 w 4500903"/>
+                      <a:gd name="connsiteY4" fmla="*/ 1608812 h 1608812"/>
+                      <a:gd name="connsiteX5" fmla="*/ 0 w 4500903"/>
+                      <a:gd name="connsiteY5" fmla="*/ 1608812 h 1608812"/>
+                      <a:gd name="connsiteX6" fmla="*/ 0 w 4500903"/>
+                      <a:gd name="connsiteY6" fmla="*/ 0 h 1608812"/>
+                      <a:gd name="connsiteX0" fmla="*/ 0 w 4500903"/>
+                      <a:gd name="connsiteY0" fmla="*/ 0 h 1608812"/>
+                      <a:gd name="connsiteX1" fmla="*/ 1443989 w 4500903"/>
+                      <a:gd name="connsiteY1" fmla="*/ 0 h 1608812"/>
+                      <a:gd name="connsiteX2" fmla="*/ 1437682 w 4500903"/>
+                      <a:gd name="connsiteY2" fmla="*/ 1255651 h 1608812"/>
+                      <a:gd name="connsiteX3" fmla="*/ 4500903 w 4500903"/>
+                      <a:gd name="connsiteY3" fmla="*/ 1247979 h 1608812"/>
+                      <a:gd name="connsiteX4" fmla="*/ 4500903 w 4500903"/>
+                      <a:gd name="connsiteY4" fmla="*/ 1608812 h 1608812"/>
+                      <a:gd name="connsiteX5" fmla="*/ 0 w 4500903"/>
+                      <a:gd name="connsiteY5" fmla="*/ 1608812 h 1608812"/>
+                      <a:gd name="connsiteX6" fmla="*/ 0 w 4500903"/>
+                      <a:gd name="connsiteY6" fmla="*/ 0 h 1608812"/>
+                      <a:gd name="connsiteX0" fmla="*/ 0 w 4500903"/>
+                      <a:gd name="connsiteY0" fmla="*/ 12153 h 1620965"/>
+                      <a:gd name="connsiteX1" fmla="*/ 1532446 w 4500903"/>
+                      <a:gd name="connsiteY1" fmla="*/ 0 h 1620965"/>
+                      <a:gd name="connsiteX2" fmla="*/ 1437682 w 4500903"/>
+                      <a:gd name="connsiteY2" fmla="*/ 1267804 h 1620965"/>
+                      <a:gd name="connsiteX3" fmla="*/ 4500903 w 4500903"/>
+                      <a:gd name="connsiteY3" fmla="*/ 1260132 h 1620965"/>
+                      <a:gd name="connsiteX4" fmla="*/ 4500903 w 4500903"/>
+                      <a:gd name="connsiteY4" fmla="*/ 1620965 h 1620965"/>
+                      <a:gd name="connsiteX5" fmla="*/ 0 w 4500903"/>
+                      <a:gd name="connsiteY5" fmla="*/ 1620965 h 1620965"/>
+                      <a:gd name="connsiteX6" fmla="*/ 0 w 4500903"/>
+                      <a:gd name="connsiteY6" fmla="*/ 12153 h 1620965"/>
+                      <a:gd name="connsiteX0" fmla="*/ 0 w 4500903"/>
+                      <a:gd name="connsiteY0" fmla="*/ 12153 h 1620965"/>
+                      <a:gd name="connsiteX1" fmla="*/ 1532446 w 4500903"/>
+                      <a:gd name="connsiteY1" fmla="*/ 0 h 1620965"/>
+                      <a:gd name="connsiteX2" fmla="*/ 1526138 w 4500903"/>
+                      <a:gd name="connsiteY2" fmla="*/ 1279957 h 1620965"/>
+                      <a:gd name="connsiteX3" fmla="*/ 4500903 w 4500903"/>
+                      <a:gd name="connsiteY3" fmla="*/ 1260132 h 1620965"/>
+                      <a:gd name="connsiteX4" fmla="*/ 4500903 w 4500903"/>
+                      <a:gd name="connsiteY4" fmla="*/ 1620965 h 1620965"/>
+                      <a:gd name="connsiteX5" fmla="*/ 0 w 4500903"/>
+                      <a:gd name="connsiteY5" fmla="*/ 1620965 h 1620965"/>
+                      <a:gd name="connsiteX6" fmla="*/ 0 w 4500903"/>
+                      <a:gd name="connsiteY6" fmla="*/ 12153 h 1620965"/>
+                    </a:gdLst>
+                    <a:ahLst/>
+                    <a:cxnLst>
+                      <a:cxn ang="0">
+                        <a:pos x="connsiteX0" y="connsiteY0"/>
+                      </a:cxn>
+                      <a:cxn ang="0">
+                        <a:pos x="connsiteX1" y="connsiteY1"/>
+                      </a:cxn>
+                      <a:cxn ang="0">
+                        <a:pos x="connsiteX2" y="connsiteY2"/>
+                      </a:cxn>
+                      <a:cxn ang="0">
+                        <a:pos x="connsiteX3" y="connsiteY3"/>
+                      </a:cxn>
+                      <a:cxn ang="0">
+                        <a:pos x="connsiteX4" y="connsiteY4"/>
+                      </a:cxn>
+                      <a:cxn ang="0">
+                        <a:pos x="connsiteX5" y="connsiteY5"/>
+                      </a:cxn>
+                      <a:cxn ang="0">
+                        <a:pos x="connsiteX6" y="connsiteY6"/>
+                      </a:cxn>
+                    </a:cxnLst>
+                    <a:rect l="l" t="t" r="r" b="b"/>
+                    <a:pathLst>
+                      <a:path w="4500903" h="1620965">
+                        <a:moveTo>
+                          <a:pt x="0" y="12153"/>
+                        </a:moveTo>
+                        <a:lnTo>
+                          <a:pt x="1532446" y="0"/>
+                        </a:lnTo>
+                        <a:cubicBezTo>
+                          <a:pt x="1530344" y="418550"/>
+                          <a:pt x="1528240" y="861407"/>
+                          <a:pt x="1526138" y="1279957"/>
+                        </a:cubicBezTo>
+                        <a:lnTo>
+                          <a:pt x="4500903" y="1260132"/>
+                        </a:lnTo>
+                        <a:lnTo>
+                          <a:pt x="4500903" y="1620965"/>
+                        </a:lnTo>
+                        <a:lnTo>
+                          <a:pt x="0" y="1620965"/>
+                        </a:lnTo>
+                        <a:lnTo>
+                          <a:pt x="0" y="12153"/>
+                        </a:lnTo>
+                        <a:close/>
+                      </a:path>
+                    </a:pathLst>
+                  </a:custGeom>
+                  <a:noFill/>
+                  <a:ln>
+                    <a:solidFill>
+                      <a:schemeClr val="tx2">
+                        <a:lumMod val="75000"/>
+                        <a:lumOff val="25000"/>
+                      </a:schemeClr>
+                    </a:solidFill>
+                    <a:prstDash val="dash"/>
+                  </a:ln>
+                </p:spPr>
+                <p:style>
+                  <a:lnRef idx="2">
+                    <a:schemeClr val="accent1">
+                      <a:shade val="15000"/>
+                    </a:schemeClr>
+                  </a:lnRef>
+                  <a:fillRef idx="1">
+                    <a:schemeClr val="accent1"/>
+                  </a:fillRef>
+                  <a:effectRef idx="0">
+                    <a:schemeClr val="accent1"/>
+                  </a:effectRef>
+                  <a:fontRef idx="minor">
+                    <a:schemeClr val="lt1"/>
+                  </a:fontRef>
+                </p:style>
+                <p:txBody>
+                  <a:bodyPr rtlCol="0" anchor="ctr"/>
+                  <a:lstStyle/>
+                  <a:p>
+                    <a:pPr algn="ctr"/>
+                    <a:endParaRPr lang="en-US" sz="1600"/>
+                  </a:p>
+                </p:txBody>
+              </p:sp>
+              <p:sp>
+                <p:nvSpPr>
+                  <p:cNvPr id="48" name="Rectangle 47">
+                    <a:extLst>
+                      <a:ext uri="{FF2B5EF4-FFF2-40B4-BE49-F238E27FC236}">
+                        <a16:creationId xmlns:a16="http://schemas.microsoft.com/office/drawing/2014/main" id="{ED180702-085C-A89A-8BC1-66163A17DEE4}"/>
+                      </a:ext>
+                    </a:extLst>
+                  </p:cNvPr>
+                  <p:cNvSpPr/>
+                  <p:nvPr/>
+                </p:nvSpPr>
+                <p:spPr>
+                  <a:xfrm>
+                    <a:off x="5776484" y="2457952"/>
+                    <a:ext cx="2558337" cy="936466"/>
+                  </a:xfrm>
+                  <a:prstGeom prst="rect">
+                    <a:avLst/>
+                  </a:prstGeom>
+                  <a:noFill/>
+                  <a:ln>
+                    <a:solidFill>
+                      <a:srgbClr val="FF0000"/>
+                    </a:solidFill>
+                    <a:prstDash val="dash"/>
+                  </a:ln>
+                </p:spPr>
+                <p:style>
+                  <a:lnRef idx="2">
+                    <a:schemeClr val="accent1">
+                      <a:shade val="15000"/>
+                    </a:schemeClr>
+                  </a:lnRef>
+                  <a:fillRef idx="1">
+                    <a:schemeClr val="accent1"/>
+                  </a:fillRef>
+                  <a:effectRef idx="0">
+                    <a:schemeClr val="accent1"/>
+                  </a:effectRef>
+                  <a:fontRef idx="minor">
+                    <a:schemeClr val="lt1"/>
+                  </a:fontRef>
+                </p:style>
+                <p:txBody>
+                  <a:bodyPr rtlCol="0" anchor="ctr"/>
+                  <a:lstStyle/>
+                  <a:p>
+                    <a:pPr algn="ctr"/>
+                    <a:endParaRPr lang="en-US" sz="1600"/>
+                  </a:p>
+                </p:txBody>
+              </p:sp>
+            </p:grpSp>
             <p:sp>
               <p:nvSpPr>
-                <p:cNvPr id="4" name="TextBox 3">
+                <p:cNvPr id="49" name="TextBox 48">
                   <a:extLst>
                     <a:ext uri="{FF2B5EF4-FFF2-40B4-BE49-F238E27FC236}">
-                      <a16:creationId xmlns:a16="http://schemas.microsoft.com/office/drawing/2014/main" id="{171C2723-1563-0AD0-E140-D42B1CB3C7AD}"/>
+                      <a16:creationId xmlns:a16="http://schemas.microsoft.com/office/drawing/2014/main" id="{2A4FCA29-57BB-9834-29B1-CC67AFD575F5}"/>
                     </a:ext>
                   </a:extLst>
                 </p:cNvPr>
@@ -6347,813 +9947,33 @@
               </p:nvSpPr>
               <p:spPr>
                 <a:xfrm>
-                  <a:off x="747120" y="963956"/>
-                  <a:ext cx="1024082" cy="3900130"/>
+                  <a:off x="5060488" y="1438473"/>
+                  <a:ext cx="1820948" cy="338554"/>
                 </a:xfrm>
-                <a:prstGeom prst="roundRect">
+                <a:prstGeom prst="rect">
                   <a:avLst/>
                 </a:prstGeom>
-                <a:ln>
-                  <a:solidFill>
-                    <a:srgbClr val="7030A0"/>
-                  </a:solidFill>
-                </a:ln>
+                <a:noFill/>
               </p:spPr>
-              <p:style>
-                <a:lnRef idx="2">
-                  <a:schemeClr val="accent2"/>
-                </a:lnRef>
-                <a:fillRef idx="1">
-                  <a:schemeClr val="lt1"/>
-                </a:fillRef>
-                <a:effectRef idx="0">
-                  <a:schemeClr val="accent2"/>
-                </a:effectRef>
-                <a:fontRef idx="minor">
-                  <a:schemeClr val="dk1"/>
-                </a:fontRef>
-              </p:style>
               <p:txBody>
-                <a:bodyPr wrap="square" rtlCol="0">
+                <a:bodyPr wrap="none" rtlCol="0">
                   <a:spAutoFit/>
                 </a:bodyPr>
                 <a:lstStyle/>
                 <a:p>
                   <a:r>
-                    <a:rPr lang="en-US" sz="1400" dirty="0"/>
-                    <a:t>S</a:t>
-                  </a:r>
-                </a:p>
-                <a:p>
-                  <a14:m>
-                    <m:oMath xmlns:m="http://schemas.openxmlformats.org/officeDocument/2006/math">
-                      <m:sSub>
-                        <m:sSubPr>
-                          <m:ctrlPr>
-                            <a:rPr lang="en-US" sz="1400" i="1" smtClean="0">
-                              <a:latin typeface="Cambria Math" panose="02040503050406030204" pitchFamily="18" charset="0"/>
-                            </a:rPr>
-                          </m:ctrlPr>
-                        </m:sSubPr>
-                        <m:e>
-                          <m:r>
-                            <a:rPr lang="en-US" sz="1400" i="1" smtClean="0">
-                              <a:latin typeface="Cambria Math" panose="02040503050406030204" pitchFamily="18" charset="0"/>
-                              <a:ea typeface="Cambria Math" panose="02040503050406030204" pitchFamily="18" charset="0"/>
-                            </a:rPr>
-                            <m:t>𝛼</m:t>
-                          </m:r>
-                        </m:e>
-                        <m:sub>
-                          <m:r>
-                            <a:rPr lang="en-US" sz="1400" b="0" i="1" smtClean="0">
-                              <a:latin typeface="Cambria Math" panose="02040503050406030204" pitchFamily="18" charset="0"/>
-                            </a:rPr>
-                            <m:t>11</m:t>
-                          </m:r>
-                        </m:sub>
-                      </m:sSub>
-                    </m:oMath>
-                  </a14:m>
-                  <a:r>
-                    <a:rPr lang="en-US" sz="1400" dirty="0"/>
-                    <a:t>      </a:t>
-                  </a:r>
-                  <a14:m>
-                    <m:oMath xmlns:m="http://schemas.openxmlformats.org/officeDocument/2006/math">
-                      <m:sSub>
-                        <m:sSubPr>
-                          <m:ctrlPr>
-                            <a:rPr lang="en-US" sz="1400" i="1" dirty="0" smtClean="0">
-                              <a:latin typeface="Cambria Math" panose="02040503050406030204" pitchFamily="18" charset="0"/>
-                            </a:rPr>
-                          </m:ctrlPr>
-                        </m:sSubPr>
-                        <m:e>
-                          <m:r>
-                            <a:rPr lang="en-US" sz="1400" b="0" i="1" dirty="0" smtClean="0">
-                              <a:latin typeface="Cambria Math" panose="02040503050406030204" pitchFamily="18" charset="0"/>
-                            </a:rPr>
-                            <m:t>𝐶</m:t>
-                          </m:r>
-                        </m:e>
-                        <m:sub>
-                          <m:r>
-                            <a:rPr lang="en-US" sz="1400" b="0" i="1" dirty="0" smtClean="0">
-                              <a:latin typeface="Cambria Math" panose="02040503050406030204" pitchFamily="18" charset="0"/>
-                            </a:rPr>
-                            <m:t>11</m:t>
-                          </m:r>
-                        </m:sub>
-                      </m:sSub>
-                    </m:oMath>
-                  </a14:m>
-                  <a:endParaRPr lang="en-US" sz="1400" dirty="0"/>
-                </a:p>
-                <a:p>
-                  <a14:m>
-                    <m:oMath xmlns:m="http://schemas.openxmlformats.org/officeDocument/2006/math">
-                      <m:sSub>
-                        <m:sSubPr>
-                          <m:ctrlPr>
-                            <a:rPr lang="en-US" sz="1400" i="1" smtClean="0">
-                              <a:latin typeface="Cambria Math" panose="02040503050406030204" pitchFamily="18" charset="0"/>
-                            </a:rPr>
-                          </m:ctrlPr>
-                        </m:sSubPr>
-                        <m:e>
-                          <m:r>
-                            <a:rPr lang="en-US" sz="1400" i="1" smtClean="0">
-                              <a:latin typeface="Cambria Math" panose="02040503050406030204" pitchFamily="18" charset="0"/>
-                              <a:ea typeface="Cambria Math" panose="02040503050406030204" pitchFamily="18" charset="0"/>
-                            </a:rPr>
-                            <m:t>𝛼</m:t>
-                          </m:r>
-                        </m:e>
-                        <m:sub>
-                          <m:r>
-                            <a:rPr lang="en-US" sz="1400" b="0" i="1" smtClean="0">
-                              <a:latin typeface="Cambria Math" panose="02040503050406030204" pitchFamily="18" charset="0"/>
-                            </a:rPr>
-                            <m:t>12</m:t>
-                          </m:r>
-                        </m:sub>
-                      </m:sSub>
-                    </m:oMath>
-                  </a14:m>
-                  <a:r>
-                    <a:rPr lang="en-US" sz="1400" dirty="0"/>
-                    <a:t>      </a:t>
-                  </a:r>
-                  <a14:m>
-                    <m:oMath xmlns:m="http://schemas.openxmlformats.org/officeDocument/2006/math">
-                      <m:sSub>
-                        <m:sSubPr>
-                          <m:ctrlPr>
-                            <a:rPr lang="en-US" sz="1400" i="1" dirty="0">
-                              <a:latin typeface="Cambria Math" panose="02040503050406030204" pitchFamily="18" charset="0"/>
-                            </a:rPr>
-                          </m:ctrlPr>
-                        </m:sSubPr>
-                        <m:e>
-                          <m:r>
-                            <a:rPr lang="en-US" sz="1400" i="1" dirty="0">
-                              <a:latin typeface="Cambria Math" panose="02040503050406030204" pitchFamily="18" charset="0"/>
-                            </a:rPr>
-                            <m:t>𝐶</m:t>
-                          </m:r>
-                        </m:e>
-                        <m:sub>
-                          <m:r>
-                            <a:rPr lang="en-US" sz="1400" i="1" dirty="0">
-                              <a:latin typeface="Cambria Math" panose="02040503050406030204" pitchFamily="18" charset="0"/>
-                            </a:rPr>
-                            <m:t>1</m:t>
-                          </m:r>
-                          <m:r>
-                            <a:rPr lang="en-US" sz="1400" b="0" i="1" dirty="0" smtClean="0">
-                              <a:latin typeface="Cambria Math" panose="02040503050406030204" pitchFamily="18" charset="0"/>
-                            </a:rPr>
-                            <m:t>2</m:t>
-                          </m:r>
-                        </m:sub>
-                      </m:sSub>
-                    </m:oMath>
-                  </a14:m>
-                  <a:endParaRPr lang="en-US" sz="1400" dirty="0"/>
-                </a:p>
-                <a:p>
-                  <a14:m>
-                    <m:oMath xmlns:m="http://schemas.openxmlformats.org/officeDocument/2006/math">
-                      <m:sSub>
-                        <m:sSubPr>
-                          <m:ctrlPr>
-                            <a:rPr lang="en-US" sz="1400" i="1" smtClean="0">
-                              <a:latin typeface="Cambria Math" panose="02040503050406030204" pitchFamily="18" charset="0"/>
-                            </a:rPr>
-                          </m:ctrlPr>
-                        </m:sSubPr>
-                        <m:e>
-                          <m:r>
-                            <a:rPr lang="en-US" sz="1400" i="1" smtClean="0">
-                              <a:latin typeface="Cambria Math" panose="02040503050406030204" pitchFamily="18" charset="0"/>
-                              <a:ea typeface="Cambria Math" panose="02040503050406030204" pitchFamily="18" charset="0"/>
-                            </a:rPr>
-                            <m:t>𝛼</m:t>
-                          </m:r>
-                        </m:e>
-                        <m:sub>
-                          <m:r>
-                            <a:rPr lang="en-US" sz="1400" b="0" i="1" smtClean="0">
-                              <a:latin typeface="Cambria Math" panose="02040503050406030204" pitchFamily="18" charset="0"/>
-                            </a:rPr>
-                            <m:t>13</m:t>
-                          </m:r>
-                        </m:sub>
-                      </m:sSub>
-                    </m:oMath>
-                  </a14:m>
-                  <a:r>
-                    <a:rPr lang="en-US" sz="1400" dirty="0"/>
-                    <a:t>      </a:t>
-                  </a:r>
-                  <a14:m>
-                    <m:oMath xmlns:m="http://schemas.openxmlformats.org/officeDocument/2006/math">
-                      <m:sSub>
-                        <m:sSubPr>
-                          <m:ctrlPr>
-                            <a:rPr lang="en-US" sz="1400" i="1" dirty="0">
-                              <a:latin typeface="Cambria Math" panose="02040503050406030204" pitchFamily="18" charset="0"/>
-                            </a:rPr>
-                          </m:ctrlPr>
-                        </m:sSubPr>
-                        <m:e>
-                          <m:r>
-                            <a:rPr lang="en-US" sz="1400" i="1" dirty="0">
-                              <a:latin typeface="Cambria Math" panose="02040503050406030204" pitchFamily="18" charset="0"/>
-                            </a:rPr>
-                            <m:t>𝐶</m:t>
-                          </m:r>
-                        </m:e>
-                        <m:sub>
-                          <m:r>
-                            <a:rPr lang="en-US" sz="1400" i="1" dirty="0">
-                              <a:latin typeface="Cambria Math" panose="02040503050406030204" pitchFamily="18" charset="0"/>
-                            </a:rPr>
-                            <m:t>1</m:t>
-                          </m:r>
-                          <m:r>
-                            <a:rPr lang="en-US" sz="1400" b="0" i="1" dirty="0" smtClean="0">
-                              <a:latin typeface="Cambria Math" panose="02040503050406030204" pitchFamily="18" charset="0"/>
-                            </a:rPr>
-                            <m:t>3</m:t>
-                          </m:r>
-                        </m:sub>
-                      </m:sSub>
-                    </m:oMath>
-                  </a14:m>
-                  <a:endParaRPr lang="en-US" sz="1400" dirty="0"/>
-                </a:p>
-                <a:p>
-                  <a:endParaRPr lang="en-US" sz="1400" dirty="0"/>
-                </a:p>
-                <a:p>
-                  <a:r>
-                    <a:rPr lang="en-US" sz="1400" dirty="0"/>
-                    <a:t>P</a:t>
-                  </a:r>
-                </a:p>
-                <a:p>
-                  <a14:m>
-                    <m:oMath xmlns:m="http://schemas.openxmlformats.org/officeDocument/2006/math">
-                      <m:sSub>
-                        <m:sSubPr>
-                          <m:ctrlPr>
-                            <a:rPr lang="en-US" sz="1400" i="1" smtClean="0">
-                              <a:latin typeface="Cambria Math" panose="02040503050406030204" pitchFamily="18" charset="0"/>
-                            </a:rPr>
-                          </m:ctrlPr>
-                        </m:sSubPr>
-                        <m:e>
-                          <m:r>
-                            <a:rPr lang="en-US" sz="1400" i="1" smtClean="0">
-                              <a:latin typeface="Cambria Math" panose="02040503050406030204" pitchFamily="18" charset="0"/>
-                              <a:ea typeface="Cambria Math" panose="02040503050406030204" pitchFamily="18" charset="0"/>
-                            </a:rPr>
-                            <m:t>𝛼</m:t>
-                          </m:r>
-                        </m:e>
-                        <m:sub>
-                          <m:r>
-                            <a:rPr lang="en-US" sz="1400" b="0" i="1" smtClean="0">
-                              <a:latin typeface="Cambria Math" panose="02040503050406030204" pitchFamily="18" charset="0"/>
-                              <a:ea typeface="Cambria Math" panose="02040503050406030204" pitchFamily="18" charset="0"/>
-                            </a:rPr>
-                            <m:t>21</m:t>
-                          </m:r>
-                        </m:sub>
-                      </m:sSub>
-                    </m:oMath>
-                  </a14:m>
-                  <a:r>
-                    <a:rPr lang="en-US" sz="1400" dirty="0"/>
-                    <a:t>      </a:t>
-                  </a:r>
-                  <a14:m>
-                    <m:oMath xmlns:m="http://schemas.openxmlformats.org/officeDocument/2006/math">
-                      <m:sSub>
-                        <m:sSubPr>
-                          <m:ctrlPr>
-                            <a:rPr lang="en-US" sz="1400" i="1" dirty="0" smtClean="0">
-                              <a:latin typeface="Cambria Math" panose="02040503050406030204" pitchFamily="18" charset="0"/>
-                            </a:rPr>
-                          </m:ctrlPr>
-                        </m:sSubPr>
-                        <m:e>
-                          <m:r>
-                            <a:rPr lang="en-US" sz="1400" b="0" i="1" dirty="0" smtClean="0">
-                              <a:latin typeface="Cambria Math" panose="02040503050406030204" pitchFamily="18" charset="0"/>
-                            </a:rPr>
-                            <m:t>𝐶</m:t>
-                          </m:r>
-                        </m:e>
-                        <m:sub>
-                          <m:r>
-                            <a:rPr lang="en-US" sz="1400" b="0" i="1" dirty="0" smtClean="0">
-                              <a:latin typeface="Cambria Math" panose="02040503050406030204" pitchFamily="18" charset="0"/>
-                            </a:rPr>
-                            <m:t>21</m:t>
-                          </m:r>
-                        </m:sub>
-                      </m:sSub>
-                    </m:oMath>
-                  </a14:m>
-                  <a:endParaRPr lang="en-US" sz="1400" dirty="0"/>
-                </a:p>
-                <a:p>
-                  <a14:m>
-                    <m:oMath xmlns:m="http://schemas.openxmlformats.org/officeDocument/2006/math">
-                      <m:sSub>
-                        <m:sSubPr>
-                          <m:ctrlPr>
-                            <a:rPr lang="en-US" sz="1400" i="1" smtClean="0">
-                              <a:latin typeface="Cambria Math" panose="02040503050406030204" pitchFamily="18" charset="0"/>
-                            </a:rPr>
-                          </m:ctrlPr>
-                        </m:sSubPr>
-                        <m:e>
-                          <m:r>
-                            <a:rPr lang="en-US" sz="1400" i="1" smtClean="0">
-                              <a:latin typeface="Cambria Math" panose="02040503050406030204" pitchFamily="18" charset="0"/>
-                              <a:ea typeface="Cambria Math" panose="02040503050406030204" pitchFamily="18" charset="0"/>
-                            </a:rPr>
-                            <m:t>𝛼</m:t>
-                          </m:r>
-                        </m:e>
-                        <m:sub>
-                          <m:r>
-                            <a:rPr lang="en-US" sz="1400" b="0" i="1" smtClean="0">
-                              <a:latin typeface="Cambria Math" panose="02040503050406030204" pitchFamily="18" charset="0"/>
-                              <a:ea typeface="Cambria Math" panose="02040503050406030204" pitchFamily="18" charset="0"/>
-                            </a:rPr>
-                            <m:t>22</m:t>
-                          </m:r>
-                        </m:sub>
-                      </m:sSub>
-                    </m:oMath>
-                  </a14:m>
-                  <a:r>
-                    <a:rPr lang="en-US" sz="1400" dirty="0"/>
-                    <a:t>      </a:t>
-                  </a:r>
-                  <a14:m>
-                    <m:oMath xmlns:m="http://schemas.openxmlformats.org/officeDocument/2006/math">
-                      <m:sSub>
-                        <m:sSubPr>
-                          <m:ctrlPr>
-                            <a:rPr lang="en-US" sz="1400" i="1" dirty="0" smtClean="0">
-                              <a:latin typeface="Cambria Math" panose="02040503050406030204" pitchFamily="18" charset="0"/>
-                            </a:rPr>
-                          </m:ctrlPr>
-                        </m:sSubPr>
-                        <m:e>
-                          <m:r>
-                            <a:rPr lang="en-US" sz="1400" b="0" i="1" dirty="0" smtClean="0">
-                              <a:latin typeface="Cambria Math" panose="02040503050406030204" pitchFamily="18" charset="0"/>
-                            </a:rPr>
-                            <m:t>𝐶</m:t>
-                          </m:r>
-                        </m:e>
-                        <m:sub>
-                          <m:r>
-                            <a:rPr lang="en-US" sz="1400" b="0" i="1" dirty="0" smtClean="0">
-                              <a:latin typeface="Cambria Math" panose="02040503050406030204" pitchFamily="18" charset="0"/>
-                            </a:rPr>
-                            <m:t>22</m:t>
-                          </m:r>
-                        </m:sub>
-                      </m:sSub>
-                    </m:oMath>
-                  </a14:m>
-                  <a:endParaRPr lang="en-US" sz="1400" dirty="0"/>
-                </a:p>
-                <a:p>
-                  <a14:m>
-                    <m:oMath xmlns:m="http://schemas.openxmlformats.org/officeDocument/2006/math">
-                      <m:sSub>
-                        <m:sSubPr>
-                          <m:ctrlPr>
-                            <a:rPr lang="en-US" sz="1400" i="1" smtClean="0">
-                              <a:latin typeface="Cambria Math" panose="02040503050406030204" pitchFamily="18" charset="0"/>
-                            </a:rPr>
-                          </m:ctrlPr>
-                        </m:sSubPr>
-                        <m:e>
-                          <m:r>
-                            <a:rPr lang="en-US" sz="1400" i="1" smtClean="0">
-                              <a:latin typeface="Cambria Math" panose="02040503050406030204" pitchFamily="18" charset="0"/>
-                              <a:ea typeface="Cambria Math" panose="02040503050406030204" pitchFamily="18" charset="0"/>
-                            </a:rPr>
-                            <m:t>𝛼</m:t>
-                          </m:r>
-                        </m:e>
-                        <m:sub>
-                          <m:r>
-                            <a:rPr lang="en-US" sz="1400" b="0" i="1" smtClean="0">
-                              <a:latin typeface="Cambria Math" panose="02040503050406030204" pitchFamily="18" charset="0"/>
-                              <a:ea typeface="Cambria Math" panose="02040503050406030204" pitchFamily="18" charset="0"/>
-                            </a:rPr>
-                            <m:t>23</m:t>
-                          </m:r>
-                        </m:sub>
-                      </m:sSub>
-                    </m:oMath>
-                  </a14:m>
-                  <a:r>
-                    <a:rPr lang="en-US" sz="1400" dirty="0"/>
-                    <a:t>      </a:t>
-                  </a:r>
-                  <a14:m>
-                    <m:oMath xmlns:m="http://schemas.openxmlformats.org/officeDocument/2006/math">
-                      <m:sSub>
-                        <m:sSubPr>
-                          <m:ctrlPr>
-                            <a:rPr lang="en-US" sz="1400" i="1" dirty="0" smtClean="0">
-                              <a:latin typeface="Cambria Math" panose="02040503050406030204" pitchFamily="18" charset="0"/>
-                            </a:rPr>
-                          </m:ctrlPr>
-                        </m:sSubPr>
-                        <m:e>
-                          <m:r>
-                            <a:rPr lang="en-US" sz="1400" b="0" i="1" dirty="0" smtClean="0">
-                              <a:latin typeface="Cambria Math" panose="02040503050406030204" pitchFamily="18" charset="0"/>
-                            </a:rPr>
-                            <m:t>𝐶</m:t>
-                          </m:r>
-                        </m:e>
-                        <m:sub>
-                          <m:r>
-                            <a:rPr lang="en-US" sz="1400" b="0" i="1" dirty="0" smtClean="0">
-                              <a:latin typeface="Cambria Math" panose="02040503050406030204" pitchFamily="18" charset="0"/>
-                            </a:rPr>
-                            <m:t>23</m:t>
-                          </m:r>
-                        </m:sub>
-                      </m:sSub>
-                    </m:oMath>
-                  </a14:m>
-                  <a:r>
-                    <a:rPr lang="en-US" sz="1400" dirty="0"/>
-                    <a:t>      </a:t>
-                  </a:r>
-                </a:p>
-                <a:p>
-                  <a:endParaRPr lang="en-US" sz="1400" dirty="0"/>
-                </a:p>
-                <a:p>
-                  <a:r>
-                    <a:rPr lang="en-US" sz="1400" dirty="0"/>
-                    <a:t>D</a:t>
-                  </a:r>
-                </a:p>
-                <a:p>
-                  <a14:m>
-                    <m:oMath xmlns:m="http://schemas.openxmlformats.org/officeDocument/2006/math">
-                      <m:sSub>
-                        <m:sSubPr>
-                          <m:ctrlPr>
-                            <a:rPr lang="en-US" sz="1400" i="1" smtClean="0">
-                              <a:latin typeface="Cambria Math" panose="02040503050406030204" pitchFamily="18" charset="0"/>
-                            </a:rPr>
-                          </m:ctrlPr>
-                        </m:sSubPr>
-                        <m:e>
-                          <m:r>
-                            <a:rPr lang="en-US" sz="1400" i="1" smtClean="0">
-                              <a:latin typeface="Cambria Math" panose="02040503050406030204" pitchFamily="18" charset="0"/>
-                              <a:ea typeface="Cambria Math" panose="02040503050406030204" pitchFamily="18" charset="0"/>
-                            </a:rPr>
-                            <m:t>𝛼</m:t>
-                          </m:r>
-                        </m:e>
-                        <m:sub>
-                          <m:r>
-                            <a:rPr lang="en-US" sz="1400" b="0" i="1" smtClean="0">
-                              <a:latin typeface="Cambria Math" panose="02040503050406030204" pitchFamily="18" charset="0"/>
-                              <a:ea typeface="Cambria Math" panose="02040503050406030204" pitchFamily="18" charset="0"/>
-                            </a:rPr>
-                            <m:t>31</m:t>
-                          </m:r>
-                        </m:sub>
-                      </m:sSub>
-                    </m:oMath>
-                  </a14:m>
-                  <a:r>
-                    <a:rPr lang="en-US" sz="1400" dirty="0"/>
-                    <a:t>      </a:t>
-                  </a:r>
-                  <a14:m>
-                    <m:oMath xmlns:m="http://schemas.openxmlformats.org/officeDocument/2006/math">
-                      <m:sSub>
-                        <m:sSubPr>
-                          <m:ctrlPr>
-                            <a:rPr lang="en-US" sz="1400" i="1" dirty="0" smtClean="0">
-                              <a:latin typeface="Cambria Math" panose="02040503050406030204" pitchFamily="18" charset="0"/>
-                            </a:rPr>
-                          </m:ctrlPr>
-                        </m:sSubPr>
-                        <m:e>
-                          <m:r>
-                            <a:rPr lang="en-US" sz="1400" b="0" i="1" dirty="0" smtClean="0">
-                              <a:latin typeface="Cambria Math" panose="02040503050406030204" pitchFamily="18" charset="0"/>
-                            </a:rPr>
-                            <m:t>𝐶</m:t>
-                          </m:r>
-                        </m:e>
-                        <m:sub>
-                          <m:r>
-                            <a:rPr lang="en-US" sz="1400" b="0" i="1" dirty="0" smtClean="0">
-                              <a:latin typeface="Cambria Math" panose="02040503050406030204" pitchFamily="18" charset="0"/>
-                            </a:rPr>
-                            <m:t>31</m:t>
-                          </m:r>
-                        </m:sub>
-                      </m:sSub>
-                    </m:oMath>
-                  </a14:m>
-                  <a:endParaRPr lang="en-US" sz="1400" dirty="0"/>
-                </a:p>
-                <a:p>
-                  <a14:m>
-                    <m:oMath xmlns:m="http://schemas.openxmlformats.org/officeDocument/2006/math">
-                      <m:sSub>
-                        <m:sSubPr>
-                          <m:ctrlPr>
-                            <a:rPr lang="en-US" sz="1400" i="1" smtClean="0">
-                              <a:latin typeface="Cambria Math" panose="02040503050406030204" pitchFamily="18" charset="0"/>
-                            </a:rPr>
-                          </m:ctrlPr>
-                        </m:sSubPr>
-                        <m:e>
-                          <m:r>
-                            <a:rPr lang="en-US" sz="1400" i="1" smtClean="0">
-                              <a:latin typeface="Cambria Math" panose="02040503050406030204" pitchFamily="18" charset="0"/>
-                              <a:ea typeface="Cambria Math" panose="02040503050406030204" pitchFamily="18" charset="0"/>
-                            </a:rPr>
-                            <m:t>𝛼</m:t>
-                          </m:r>
-                        </m:e>
-                        <m:sub>
-                          <m:r>
-                            <a:rPr lang="en-US" sz="1400" b="0" i="1" smtClean="0">
-                              <a:latin typeface="Cambria Math" panose="02040503050406030204" pitchFamily="18" charset="0"/>
-                              <a:ea typeface="Cambria Math" panose="02040503050406030204" pitchFamily="18" charset="0"/>
-                            </a:rPr>
-                            <m:t>32</m:t>
-                          </m:r>
-                        </m:sub>
-                      </m:sSub>
-                    </m:oMath>
-                  </a14:m>
-                  <a:r>
-                    <a:rPr lang="en-US" sz="1400" dirty="0"/>
-                    <a:t>      </a:t>
-                  </a:r>
-                  <a14:m>
-                    <m:oMath xmlns:m="http://schemas.openxmlformats.org/officeDocument/2006/math">
-                      <m:sSub>
-                        <m:sSubPr>
-                          <m:ctrlPr>
-                            <a:rPr lang="en-US" sz="1400" i="1" dirty="0" smtClean="0">
-                              <a:latin typeface="Cambria Math" panose="02040503050406030204" pitchFamily="18" charset="0"/>
-                            </a:rPr>
-                          </m:ctrlPr>
-                        </m:sSubPr>
-                        <m:e>
-                          <m:r>
-                            <a:rPr lang="en-US" sz="1400" b="0" i="1" dirty="0" smtClean="0">
-                              <a:latin typeface="Cambria Math" panose="02040503050406030204" pitchFamily="18" charset="0"/>
-                            </a:rPr>
-                            <m:t>𝐶</m:t>
-                          </m:r>
-                        </m:e>
-                        <m:sub>
-                          <m:r>
-                            <a:rPr lang="en-US" sz="1400" b="0" i="1" dirty="0" smtClean="0">
-                              <a:latin typeface="Cambria Math" panose="02040503050406030204" pitchFamily="18" charset="0"/>
-                            </a:rPr>
-                            <m:t>32</m:t>
-                          </m:r>
-                        </m:sub>
-                      </m:sSub>
-                    </m:oMath>
-                  </a14:m>
-                  <a:endParaRPr lang="en-US" sz="1400" dirty="0"/>
-                </a:p>
-                <a:p>
-                  <a:endParaRPr lang="en-US" sz="1400" dirty="0"/>
-                </a:p>
-                <a:p>
-                  <a:r>
-                    <a:rPr lang="en-US" sz="1400" dirty="0"/>
-                    <a:t>F</a:t>
-                  </a:r>
-                </a:p>
-                <a:p>
-                  <a14:m>
-                    <m:oMath xmlns:m="http://schemas.openxmlformats.org/officeDocument/2006/math">
-                      <m:sSub>
-                        <m:sSubPr>
-                          <m:ctrlPr>
-                            <a:rPr lang="en-US" sz="1400" i="1" smtClean="0">
-                              <a:latin typeface="Cambria Math" panose="02040503050406030204" pitchFamily="18" charset="0"/>
-                            </a:rPr>
-                          </m:ctrlPr>
-                        </m:sSubPr>
-                        <m:e>
-                          <m:r>
-                            <a:rPr lang="en-US" sz="1400" i="1" smtClean="0">
-                              <a:latin typeface="Cambria Math" panose="02040503050406030204" pitchFamily="18" charset="0"/>
-                              <a:ea typeface="Cambria Math" panose="02040503050406030204" pitchFamily="18" charset="0"/>
-                            </a:rPr>
-                            <m:t>𝛼</m:t>
-                          </m:r>
-                        </m:e>
-                        <m:sub>
-                          <m:r>
-                            <a:rPr lang="en-US" sz="1400" b="0" i="1" smtClean="0">
-                              <a:latin typeface="Cambria Math" panose="02040503050406030204" pitchFamily="18" charset="0"/>
-                              <a:ea typeface="Cambria Math" panose="02040503050406030204" pitchFamily="18" charset="0"/>
-                            </a:rPr>
-                            <m:t>41</m:t>
-                          </m:r>
-                        </m:sub>
-                      </m:sSub>
-                    </m:oMath>
-                  </a14:m>
-                  <a:r>
-                    <a:rPr lang="en-US" sz="1400" dirty="0"/>
-                    <a:t>      </a:t>
-                  </a:r>
-                  <a14:m>
-                    <m:oMath xmlns:m="http://schemas.openxmlformats.org/officeDocument/2006/math">
-                      <m:sSub>
-                        <m:sSubPr>
-                          <m:ctrlPr>
-                            <a:rPr lang="en-US" sz="1400" i="1" dirty="0" smtClean="0">
-                              <a:latin typeface="Cambria Math" panose="02040503050406030204" pitchFamily="18" charset="0"/>
-                            </a:rPr>
-                          </m:ctrlPr>
-                        </m:sSubPr>
-                        <m:e>
-                          <m:r>
-                            <a:rPr lang="en-US" sz="1400" b="0" i="1" dirty="0" smtClean="0">
-                              <a:latin typeface="Cambria Math" panose="02040503050406030204" pitchFamily="18" charset="0"/>
-                            </a:rPr>
-                            <m:t>𝐶</m:t>
-                          </m:r>
-                        </m:e>
-                        <m:sub>
-                          <m:r>
-                            <a:rPr lang="en-US" sz="1400" b="0" i="1" dirty="0" smtClean="0">
-                              <a:latin typeface="Cambria Math" panose="02040503050406030204" pitchFamily="18" charset="0"/>
-                            </a:rPr>
-                            <m:t>41</m:t>
-                          </m:r>
-                        </m:sub>
-                      </m:sSub>
-                    </m:oMath>
-                  </a14:m>
-                  <a:endParaRPr lang="en-US" sz="1400" dirty="0"/>
-                </a:p>
-                <a:p>
-                  <a14:m>
-                    <m:oMath xmlns:m="http://schemas.openxmlformats.org/officeDocument/2006/math">
-                      <m:sSub>
-                        <m:sSubPr>
-                          <m:ctrlPr>
-                            <a:rPr lang="en-US" sz="1400" i="1" smtClean="0">
-                              <a:latin typeface="Cambria Math" panose="02040503050406030204" pitchFamily="18" charset="0"/>
-                            </a:rPr>
-                          </m:ctrlPr>
-                        </m:sSubPr>
-                        <m:e>
-                          <m:r>
-                            <a:rPr lang="en-US" sz="1400" i="1" smtClean="0">
-                              <a:latin typeface="Cambria Math" panose="02040503050406030204" pitchFamily="18" charset="0"/>
-                              <a:ea typeface="Cambria Math" panose="02040503050406030204" pitchFamily="18" charset="0"/>
-                            </a:rPr>
-                            <m:t>𝛼</m:t>
-                          </m:r>
-                        </m:e>
-                        <m:sub>
-                          <m:r>
-                            <a:rPr lang="en-US" sz="1400" b="0" i="1" smtClean="0">
-                              <a:latin typeface="Cambria Math" panose="02040503050406030204" pitchFamily="18" charset="0"/>
-                              <a:ea typeface="Cambria Math" panose="02040503050406030204" pitchFamily="18" charset="0"/>
-                            </a:rPr>
-                            <m:t>42</m:t>
-                          </m:r>
-                        </m:sub>
-                      </m:sSub>
-                    </m:oMath>
-                  </a14:m>
-                  <a:r>
-                    <a:rPr lang="en-US" sz="1400" dirty="0"/>
-                    <a:t>      </a:t>
-                  </a:r>
-                  <a14:m>
-                    <m:oMath xmlns:m="http://schemas.openxmlformats.org/officeDocument/2006/math">
-                      <m:sSub>
-                        <m:sSubPr>
-                          <m:ctrlPr>
-                            <a:rPr lang="en-US" sz="1400" i="1" dirty="0" smtClean="0">
-                              <a:latin typeface="Cambria Math" panose="02040503050406030204" pitchFamily="18" charset="0"/>
-                            </a:rPr>
-                          </m:ctrlPr>
-                        </m:sSubPr>
-                        <m:e>
-                          <m:r>
-                            <a:rPr lang="en-US" sz="1400" b="0" i="1" dirty="0" smtClean="0">
-                              <a:latin typeface="Cambria Math" panose="02040503050406030204" pitchFamily="18" charset="0"/>
-                            </a:rPr>
-                            <m:t>𝐶</m:t>
-                          </m:r>
-                        </m:e>
-                        <m:sub>
-                          <m:r>
-                            <a:rPr lang="en-US" sz="1400" b="0" i="1" dirty="0" smtClean="0">
-                              <a:latin typeface="Cambria Math" panose="02040503050406030204" pitchFamily="18" charset="0"/>
-                            </a:rPr>
-                            <m:t>42</m:t>
-                          </m:r>
-                        </m:sub>
-                      </m:sSub>
-                    </m:oMath>
-                  </a14:m>
-                  <a:endParaRPr lang="en-US" sz="1400" dirty="0"/>
-                </a:p>
-              </p:txBody>
-            </p:sp>
-          </mc:Choice>
-          <mc:Fallback xmlns="">
-            <p:sp>
-              <p:nvSpPr>
-                <p:cNvPr id="4" name="TextBox 3">
-                  <a:extLst>
-                    <a:ext uri="{FF2B5EF4-FFF2-40B4-BE49-F238E27FC236}">
-                      <a16:creationId xmlns:a16="http://schemas.microsoft.com/office/drawing/2014/main" id="{171C2723-1563-0AD0-E140-D42B1CB3C7AD}"/>
-                    </a:ext>
-                  </a:extLst>
-                </p:cNvPr>
-                <p:cNvSpPr txBox="1">
-                  <a:spLocks noRot="1" noChangeAspect="1" noMove="1" noResize="1" noEditPoints="1" noAdjustHandles="1" noChangeArrowheads="1" noChangeShapeType="1" noTextEdit="1"/>
-                </p:cNvSpPr>
-                <p:nvPr/>
-              </p:nvSpPr>
-              <p:spPr>
-                <a:xfrm>
-                  <a:off x="747120" y="963956"/>
-                  <a:ext cx="1024082" cy="3900130"/>
-                </a:xfrm>
-                <a:prstGeom prst="roundRect">
-                  <a:avLst/>
-                </a:prstGeom>
-                <a:blipFill>
-                  <a:blip r:embed="rId5"/>
-                  <a:stretch>
-                    <a:fillRect/>
-                  </a:stretch>
-                </a:blipFill>
-                <a:ln>
-                  <a:solidFill>
-                    <a:srgbClr val="7030A0"/>
-                  </a:solidFill>
-                </a:ln>
-              </p:spPr>
-              <p:txBody>
-                <a:bodyPr/>
-                <a:lstStyle/>
-                <a:p>
-                  <a:r>
-                    <a:rPr lang="en-US">
-                      <a:noFill/>
-                    </a:rPr>
-                    <a:t> </a:t>
+                    <a:rPr lang="en-US" sz="1600" dirty="0"/>
+                    <a:t>Ewald summation</a:t>
                   </a:r>
                 </a:p>
               </p:txBody>
             </p:sp>
-          </mc:Fallback>
-        </mc:AlternateContent>
-        <mc:AlternateContent xmlns:mc="http://schemas.openxmlformats.org/markup-compatibility/2006" xmlns:a14="http://schemas.microsoft.com/office/drawing/2010/main">
-          <mc:Choice Requires="a14">
             <p:sp>
               <p:nvSpPr>
-                <p:cNvPr id="7" name="TextBox 6">
+                <p:cNvPr id="50" name="TextBox 49">
                   <a:extLst>
                     <a:ext uri="{FF2B5EF4-FFF2-40B4-BE49-F238E27FC236}">
-                      <a16:creationId xmlns:a16="http://schemas.microsoft.com/office/drawing/2014/main" id="{5B7BF9C0-C321-D589-D9B9-FBEAAB08DDA5}"/>
+                      <a16:creationId xmlns:a16="http://schemas.microsoft.com/office/drawing/2014/main" id="{6DB56F04-CD75-FE48-409F-C7DD80F96D31}"/>
                     </a:ext>
                   </a:extLst>
                 </p:cNvPr>
@@ -7162,2466 +9982,33 @@
               </p:nvSpPr>
               <p:spPr>
                 <a:xfrm>
-                  <a:off x="1992592" y="932566"/>
-                  <a:ext cx="1024460" cy="2188488"/>
+                  <a:off x="5385885" y="4040975"/>
+                  <a:ext cx="2445221" cy="338554"/>
                 </a:xfrm>
-                <a:prstGeom prst="roundRect">
+                <a:prstGeom prst="rect">
                   <a:avLst/>
                 </a:prstGeom>
-                <a:ln>
-                  <a:solidFill>
-                    <a:srgbClr val="FF0000"/>
-                  </a:solidFill>
-                </a:ln>
+                <a:noFill/>
               </p:spPr>
-              <p:style>
-                <a:lnRef idx="2">
-                  <a:schemeClr val="accent5"/>
-                </a:lnRef>
-                <a:fillRef idx="1">
-                  <a:schemeClr val="lt1"/>
-                </a:fillRef>
-                <a:effectRef idx="0">
-                  <a:schemeClr val="accent5"/>
-                </a:effectRef>
-                <a:fontRef idx="minor">
-                  <a:schemeClr val="dk1"/>
-                </a:fontRef>
-              </p:style>
               <p:txBody>
-                <a:bodyPr wrap="square" rtlCol="0">
+                <a:bodyPr wrap="none" rtlCol="0">
                   <a:spAutoFit/>
                 </a:bodyPr>
                 <a:lstStyle/>
                 <a:p>
                   <a:r>
-                    <a:rPr lang="en-US" sz="1400" dirty="0">
-                      <a:solidFill>
-                        <a:srgbClr val="FF0000"/>
-                      </a:solidFill>
-                    </a:rPr>
-                    <a:t>S</a:t>
-                  </a:r>
-                </a:p>
-                <a:p>
-                  <a14:m>
-                    <m:oMath xmlns:m="http://schemas.openxmlformats.org/officeDocument/2006/math">
-                      <m:sSub>
-                        <m:sSubPr>
-                          <m:ctrlPr>
-                            <a:rPr lang="en-US" sz="1400" i="1" smtClean="0">
-                              <a:solidFill>
-                                <a:srgbClr val="FF0000"/>
-                              </a:solidFill>
-                              <a:latin typeface="Cambria Math" panose="02040503050406030204" pitchFamily="18" charset="0"/>
-                            </a:rPr>
-                          </m:ctrlPr>
-                        </m:sSubPr>
-                        <m:e>
-                          <m:r>
-                            <a:rPr lang="en-US" sz="1400" i="1" smtClean="0">
-                              <a:solidFill>
-                                <a:srgbClr val="FF0000"/>
-                              </a:solidFill>
-                              <a:latin typeface="Cambria Math" panose="02040503050406030204" pitchFamily="18" charset="0"/>
-                              <a:ea typeface="Cambria Math" panose="02040503050406030204" pitchFamily="18" charset="0"/>
-                            </a:rPr>
-                            <m:t>𝛼</m:t>
-                          </m:r>
-                        </m:e>
-                        <m:sub>
-                          <m:r>
-                            <a:rPr lang="en-US" sz="1400" b="0" i="1" smtClean="0">
-                              <a:solidFill>
-                                <a:srgbClr val="FF0000"/>
-                              </a:solidFill>
-                              <a:latin typeface="Cambria Math" panose="02040503050406030204" pitchFamily="18" charset="0"/>
-                            </a:rPr>
-                            <m:t>11</m:t>
-                          </m:r>
-                        </m:sub>
-                      </m:sSub>
-                    </m:oMath>
-                  </a14:m>
-                  <a:r>
-                    <a:rPr lang="en-US" sz="1400" dirty="0">
-                      <a:solidFill>
-                        <a:srgbClr val="FF0000"/>
-                      </a:solidFill>
-                    </a:rPr>
-                    <a:t>      </a:t>
-                  </a:r>
-                  <a14:m>
-                    <m:oMath xmlns:m="http://schemas.openxmlformats.org/officeDocument/2006/math">
-                      <m:sSub>
-                        <m:sSubPr>
-                          <m:ctrlPr>
-                            <a:rPr lang="en-US" sz="1400" i="1" dirty="0" smtClean="0">
-                              <a:solidFill>
-                                <a:srgbClr val="FF0000"/>
-                              </a:solidFill>
-                              <a:latin typeface="Cambria Math" panose="02040503050406030204" pitchFamily="18" charset="0"/>
-                            </a:rPr>
-                          </m:ctrlPr>
-                        </m:sSubPr>
-                        <m:e>
-                          <m:r>
-                            <a:rPr lang="en-US" sz="1400" b="0" i="1" dirty="0" smtClean="0">
-                              <a:solidFill>
-                                <a:srgbClr val="FF0000"/>
-                              </a:solidFill>
-                              <a:latin typeface="Cambria Math" panose="02040503050406030204" pitchFamily="18" charset="0"/>
-                            </a:rPr>
-                            <m:t>𝐶</m:t>
-                          </m:r>
-                        </m:e>
-                        <m:sub>
-                          <m:r>
-                            <a:rPr lang="en-US" sz="1400" b="0" i="1" dirty="0" smtClean="0">
-                              <a:solidFill>
-                                <a:srgbClr val="FF0000"/>
-                              </a:solidFill>
-                              <a:latin typeface="Cambria Math" panose="02040503050406030204" pitchFamily="18" charset="0"/>
-                            </a:rPr>
-                            <m:t>11</m:t>
-                          </m:r>
-                        </m:sub>
-                      </m:sSub>
-                    </m:oMath>
-                  </a14:m>
-                  <a:endParaRPr lang="en-US" sz="1400" dirty="0">
-                    <a:solidFill>
-                      <a:srgbClr val="FF0000"/>
-                    </a:solidFill>
-                  </a:endParaRPr>
-                </a:p>
-                <a:p>
-                  <a14:m>
-                    <m:oMath xmlns:m="http://schemas.openxmlformats.org/officeDocument/2006/math">
-                      <m:sSub>
-                        <m:sSubPr>
-                          <m:ctrlPr>
-                            <a:rPr lang="en-US" sz="1400" i="1" smtClean="0">
-                              <a:solidFill>
-                                <a:srgbClr val="FF0000"/>
-                              </a:solidFill>
-                              <a:latin typeface="Cambria Math" panose="02040503050406030204" pitchFamily="18" charset="0"/>
-                            </a:rPr>
-                          </m:ctrlPr>
-                        </m:sSubPr>
-                        <m:e>
-                          <m:r>
-                            <a:rPr lang="en-US" sz="1400" i="1" smtClean="0">
-                              <a:solidFill>
-                                <a:srgbClr val="FF0000"/>
-                              </a:solidFill>
-                              <a:latin typeface="Cambria Math" panose="02040503050406030204" pitchFamily="18" charset="0"/>
-                              <a:ea typeface="Cambria Math" panose="02040503050406030204" pitchFamily="18" charset="0"/>
-                            </a:rPr>
-                            <m:t>𝛼</m:t>
-                          </m:r>
-                        </m:e>
-                        <m:sub>
-                          <m:r>
-                            <a:rPr lang="en-US" sz="1400" b="0" i="1" smtClean="0">
-                              <a:solidFill>
-                                <a:srgbClr val="FF0000"/>
-                              </a:solidFill>
-                              <a:latin typeface="Cambria Math" panose="02040503050406030204" pitchFamily="18" charset="0"/>
-                            </a:rPr>
-                            <m:t>12</m:t>
-                          </m:r>
-                        </m:sub>
-                      </m:sSub>
-                    </m:oMath>
-                  </a14:m>
-                  <a:r>
-                    <a:rPr lang="en-US" sz="1400" dirty="0">
-                      <a:solidFill>
-                        <a:srgbClr val="FF0000"/>
-                      </a:solidFill>
-                    </a:rPr>
-                    <a:t>      </a:t>
-                  </a:r>
-                  <a14:m>
-                    <m:oMath xmlns:m="http://schemas.openxmlformats.org/officeDocument/2006/math">
-                      <m:sSub>
-                        <m:sSubPr>
-                          <m:ctrlPr>
-                            <a:rPr lang="en-US" sz="1400" i="1" dirty="0">
-                              <a:solidFill>
-                                <a:srgbClr val="FF0000"/>
-                              </a:solidFill>
-                              <a:latin typeface="Cambria Math" panose="02040503050406030204" pitchFamily="18" charset="0"/>
-                            </a:rPr>
-                          </m:ctrlPr>
-                        </m:sSubPr>
-                        <m:e>
-                          <m:r>
-                            <a:rPr lang="en-US" sz="1400" i="1" dirty="0">
-                              <a:solidFill>
-                                <a:srgbClr val="FF0000"/>
-                              </a:solidFill>
-                              <a:latin typeface="Cambria Math" panose="02040503050406030204" pitchFamily="18" charset="0"/>
-                            </a:rPr>
-                            <m:t>𝐶</m:t>
-                          </m:r>
-                        </m:e>
-                        <m:sub>
-                          <m:r>
-                            <a:rPr lang="en-US" sz="1400" i="1" dirty="0">
-                              <a:solidFill>
-                                <a:srgbClr val="FF0000"/>
-                              </a:solidFill>
-                              <a:latin typeface="Cambria Math" panose="02040503050406030204" pitchFamily="18" charset="0"/>
-                            </a:rPr>
-                            <m:t>1</m:t>
-                          </m:r>
-                          <m:r>
-                            <a:rPr lang="en-US" sz="1400" b="0" i="1" dirty="0" smtClean="0">
-                              <a:solidFill>
-                                <a:srgbClr val="FF0000"/>
-                              </a:solidFill>
-                              <a:latin typeface="Cambria Math" panose="02040503050406030204" pitchFamily="18" charset="0"/>
-                            </a:rPr>
-                            <m:t>2</m:t>
-                          </m:r>
-                        </m:sub>
-                      </m:sSub>
-                    </m:oMath>
-                  </a14:m>
-                  <a:endParaRPr lang="en-US" sz="1400" dirty="0">
-                    <a:solidFill>
-                      <a:srgbClr val="FF0000"/>
-                    </a:solidFill>
-                  </a:endParaRPr>
-                </a:p>
-                <a:p>
-                  <a:r>
-                    <a:rPr lang="en-US" sz="1400" dirty="0">
-                      <a:solidFill>
-                        <a:srgbClr val="FF0000"/>
-                      </a:solidFill>
-                    </a:rPr>
-                    <a:t>P</a:t>
-                  </a:r>
-                </a:p>
-                <a:p>
-                  <a14:m>
-                    <m:oMath xmlns:m="http://schemas.openxmlformats.org/officeDocument/2006/math">
-                      <m:sSub>
-                        <m:sSubPr>
-                          <m:ctrlPr>
-                            <a:rPr lang="en-US" sz="1400" i="1" smtClean="0">
-                              <a:solidFill>
-                                <a:srgbClr val="FF0000"/>
-                              </a:solidFill>
-                              <a:latin typeface="Cambria Math" panose="02040503050406030204" pitchFamily="18" charset="0"/>
-                            </a:rPr>
-                          </m:ctrlPr>
-                        </m:sSubPr>
-                        <m:e>
-                          <m:r>
-                            <a:rPr lang="en-US" sz="1400" i="1" smtClean="0">
-                              <a:solidFill>
-                                <a:srgbClr val="FF0000"/>
-                              </a:solidFill>
-                              <a:latin typeface="Cambria Math" panose="02040503050406030204" pitchFamily="18" charset="0"/>
-                              <a:ea typeface="Cambria Math" panose="02040503050406030204" pitchFamily="18" charset="0"/>
-                            </a:rPr>
-                            <m:t>𝛼</m:t>
-                          </m:r>
-                        </m:e>
-                        <m:sub>
-                          <m:r>
-                            <a:rPr lang="en-US" sz="1400" b="0" i="1" smtClean="0">
-                              <a:solidFill>
-                                <a:srgbClr val="FF0000"/>
-                              </a:solidFill>
-                              <a:latin typeface="Cambria Math" panose="02040503050406030204" pitchFamily="18" charset="0"/>
-                              <a:ea typeface="Cambria Math" panose="02040503050406030204" pitchFamily="18" charset="0"/>
-                            </a:rPr>
-                            <m:t>21</m:t>
-                          </m:r>
-                        </m:sub>
-                      </m:sSub>
-                    </m:oMath>
-                  </a14:m>
-                  <a:r>
-                    <a:rPr lang="en-US" sz="1400" dirty="0">
-                      <a:solidFill>
-                        <a:srgbClr val="FF0000"/>
-                      </a:solidFill>
-                    </a:rPr>
-                    <a:t>      </a:t>
-                  </a:r>
-                  <a14:m>
-                    <m:oMath xmlns:m="http://schemas.openxmlformats.org/officeDocument/2006/math">
-                      <m:sSub>
-                        <m:sSubPr>
-                          <m:ctrlPr>
-                            <a:rPr lang="en-US" sz="1400" i="1" dirty="0" smtClean="0">
-                              <a:solidFill>
-                                <a:srgbClr val="FF0000"/>
-                              </a:solidFill>
-                              <a:latin typeface="Cambria Math" panose="02040503050406030204" pitchFamily="18" charset="0"/>
-                            </a:rPr>
-                          </m:ctrlPr>
-                        </m:sSubPr>
-                        <m:e>
-                          <m:r>
-                            <a:rPr lang="en-US" sz="1400" b="0" i="1" dirty="0" smtClean="0">
-                              <a:solidFill>
-                                <a:srgbClr val="FF0000"/>
-                              </a:solidFill>
-                              <a:latin typeface="Cambria Math" panose="02040503050406030204" pitchFamily="18" charset="0"/>
-                            </a:rPr>
-                            <m:t>𝐶</m:t>
-                          </m:r>
-                        </m:e>
-                        <m:sub>
-                          <m:r>
-                            <a:rPr lang="en-US" sz="1400" b="0" i="1" dirty="0" smtClean="0">
-                              <a:solidFill>
-                                <a:srgbClr val="FF0000"/>
-                              </a:solidFill>
-                              <a:latin typeface="Cambria Math" panose="02040503050406030204" pitchFamily="18" charset="0"/>
-                            </a:rPr>
-                            <m:t>21</m:t>
-                          </m:r>
-                        </m:sub>
-                      </m:sSub>
-                    </m:oMath>
-                  </a14:m>
-                  <a:endParaRPr lang="en-US" sz="1400" dirty="0">
-                    <a:solidFill>
-                      <a:srgbClr val="FF0000"/>
-                    </a:solidFill>
-                  </a:endParaRPr>
-                </a:p>
-                <a:p>
-                  <a14:m>
-                    <m:oMath xmlns:m="http://schemas.openxmlformats.org/officeDocument/2006/math">
-                      <m:sSub>
-                        <m:sSubPr>
-                          <m:ctrlPr>
-                            <a:rPr lang="en-US" sz="1400" i="1" smtClean="0">
-                              <a:solidFill>
-                                <a:srgbClr val="FF0000"/>
-                              </a:solidFill>
-                              <a:latin typeface="Cambria Math" panose="02040503050406030204" pitchFamily="18" charset="0"/>
-                            </a:rPr>
-                          </m:ctrlPr>
-                        </m:sSubPr>
-                        <m:e>
-                          <m:r>
-                            <a:rPr lang="en-US" sz="1400" i="1" smtClean="0">
-                              <a:solidFill>
-                                <a:srgbClr val="FF0000"/>
-                              </a:solidFill>
-                              <a:latin typeface="Cambria Math" panose="02040503050406030204" pitchFamily="18" charset="0"/>
-                              <a:ea typeface="Cambria Math" panose="02040503050406030204" pitchFamily="18" charset="0"/>
-                            </a:rPr>
-                            <m:t>𝛼</m:t>
-                          </m:r>
-                        </m:e>
-                        <m:sub>
-                          <m:r>
-                            <a:rPr lang="en-US" sz="1400" b="0" i="1" smtClean="0">
-                              <a:solidFill>
-                                <a:srgbClr val="FF0000"/>
-                              </a:solidFill>
-                              <a:latin typeface="Cambria Math" panose="02040503050406030204" pitchFamily="18" charset="0"/>
-                              <a:ea typeface="Cambria Math" panose="02040503050406030204" pitchFamily="18" charset="0"/>
-                            </a:rPr>
-                            <m:t>22</m:t>
-                          </m:r>
-                        </m:sub>
-                      </m:sSub>
-                    </m:oMath>
-                  </a14:m>
-                  <a:r>
-                    <a:rPr lang="en-US" sz="1400" dirty="0">
-                      <a:solidFill>
-                        <a:srgbClr val="FF0000"/>
-                      </a:solidFill>
-                    </a:rPr>
-                    <a:t>      </a:t>
-                  </a:r>
-                  <a14:m>
-                    <m:oMath xmlns:m="http://schemas.openxmlformats.org/officeDocument/2006/math">
-                      <m:sSub>
-                        <m:sSubPr>
-                          <m:ctrlPr>
-                            <a:rPr lang="en-US" sz="1400" i="1" dirty="0" smtClean="0">
-                              <a:solidFill>
-                                <a:srgbClr val="FF0000"/>
-                              </a:solidFill>
-                              <a:latin typeface="Cambria Math" panose="02040503050406030204" pitchFamily="18" charset="0"/>
-                            </a:rPr>
-                          </m:ctrlPr>
-                        </m:sSubPr>
-                        <m:e>
-                          <m:r>
-                            <a:rPr lang="en-US" sz="1400" b="0" i="1" dirty="0" smtClean="0">
-                              <a:solidFill>
-                                <a:srgbClr val="FF0000"/>
-                              </a:solidFill>
-                              <a:latin typeface="Cambria Math" panose="02040503050406030204" pitchFamily="18" charset="0"/>
-                            </a:rPr>
-                            <m:t>𝐶</m:t>
-                          </m:r>
-                        </m:e>
-                        <m:sub>
-                          <m:r>
-                            <a:rPr lang="en-US" sz="1400" b="0" i="1" dirty="0" smtClean="0">
-                              <a:solidFill>
-                                <a:srgbClr val="FF0000"/>
-                              </a:solidFill>
-                              <a:latin typeface="Cambria Math" panose="02040503050406030204" pitchFamily="18" charset="0"/>
-                            </a:rPr>
-                            <m:t>22</m:t>
-                          </m:r>
-                        </m:sub>
-                      </m:sSub>
-                    </m:oMath>
-                  </a14:m>
-                  <a:endParaRPr lang="en-US" sz="1400" dirty="0">
-                    <a:solidFill>
-                      <a:srgbClr val="FF0000"/>
-                    </a:solidFill>
-                  </a:endParaRPr>
-                </a:p>
-                <a:p>
-                  <a:r>
-                    <a:rPr lang="en-US" sz="1400" dirty="0">
-                      <a:solidFill>
-                        <a:srgbClr val="FF0000"/>
-                      </a:solidFill>
-                    </a:rPr>
-                    <a:t>D</a:t>
-                  </a:r>
-                </a:p>
-                <a:p>
-                  <a14:m>
-                    <m:oMath xmlns:m="http://schemas.openxmlformats.org/officeDocument/2006/math">
-                      <m:sSub>
-                        <m:sSubPr>
-                          <m:ctrlPr>
-                            <a:rPr lang="en-US" sz="1400" i="1" smtClean="0">
-                              <a:solidFill>
-                                <a:srgbClr val="FF0000"/>
-                              </a:solidFill>
-                              <a:latin typeface="Cambria Math" panose="02040503050406030204" pitchFamily="18" charset="0"/>
-                            </a:rPr>
-                          </m:ctrlPr>
-                        </m:sSubPr>
-                        <m:e>
-                          <m:r>
-                            <a:rPr lang="en-US" sz="1400" i="1" smtClean="0">
-                              <a:solidFill>
-                                <a:srgbClr val="FF0000"/>
-                              </a:solidFill>
-                              <a:latin typeface="Cambria Math" panose="02040503050406030204" pitchFamily="18" charset="0"/>
-                              <a:ea typeface="Cambria Math" panose="02040503050406030204" pitchFamily="18" charset="0"/>
-                            </a:rPr>
-                            <m:t>𝛼</m:t>
-                          </m:r>
-                        </m:e>
-                        <m:sub>
-                          <m:r>
-                            <a:rPr lang="en-US" sz="1400" b="0" i="1" smtClean="0">
-                              <a:solidFill>
-                                <a:srgbClr val="FF0000"/>
-                              </a:solidFill>
-                              <a:latin typeface="Cambria Math" panose="02040503050406030204" pitchFamily="18" charset="0"/>
-                              <a:ea typeface="Cambria Math" panose="02040503050406030204" pitchFamily="18" charset="0"/>
-                            </a:rPr>
-                            <m:t>31</m:t>
-                          </m:r>
-                        </m:sub>
-                      </m:sSub>
-                    </m:oMath>
-                  </a14:m>
-                  <a:r>
-                    <a:rPr lang="en-US" sz="1400" dirty="0">
-                      <a:solidFill>
-                        <a:srgbClr val="FF0000"/>
-                      </a:solidFill>
-                    </a:rPr>
-                    <a:t>      </a:t>
-                  </a:r>
-                  <a14:m>
-                    <m:oMath xmlns:m="http://schemas.openxmlformats.org/officeDocument/2006/math">
-                      <m:sSub>
-                        <m:sSubPr>
-                          <m:ctrlPr>
-                            <a:rPr lang="en-US" sz="1400" i="1" dirty="0" smtClean="0">
-                              <a:solidFill>
-                                <a:srgbClr val="FF0000"/>
-                              </a:solidFill>
-                              <a:latin typeface="Cambria Math" panose="02040503050406030204" pitchFamily="18" charset="0"/>
-                            </a:rPr>
-                          </m:ctrlPr>
-                        </m:sSubPr>
-                        <m:e>
-                          <m:r>
-                            <a:rPr lang="en-US" sz="1400" b="0" i="1" dirty="0" smtClean="0">
-                              <a:solidFill>
-                                <a:srgbClr val="FF0000"/>
-                              </a:solidFill>
-                              <a:latin typeface="Cambria Math" panose="02040503050406030204" pitchFamily="18" charset="0"/>
-                            </a:rPr>
-                            <m:t>𝐶</m:t>
-                          </m:r>
-                        </m:e>
-                        <m:sub>
-                          <m:r>
-                            <a:rPr lang="en-US" sz="1400" b="0" i="1" dirty="0" smtClean="0">
-                              <a:solidFill>
-                                <a:srgbClr val="FF0000"/>
-                              </a:solidFill>
-                              <a:latin typeface="Cambria Math" panose="02040503050406030204" pitchFamily="18" charset="0"/>
-                            </a:rPr>
-                            <m:t>31</m:t>
-                          </m:r>
-                        </m:sub>
-                      </m:sSub>
-                    </m:oMath>
-                  </a14:m>
-                  <a:endParaRPr lang="en-US" sz="1400" dirty="0">
-                    <a:solidFill>
-                      <a:srgbClr val="FF0000"/>
-                    </a:solidFill>
-                  </a:endParaRPr>
-                </a:p>
-                <a:p>
-                  <a14:m>
-                    <m:oMath xmlns:m="http://schemas.openxmlformats.org/officeDocument/2006/math">
-                      <m:sSub>
-                        <m:sSubPr>
-                          <m:ctrlPr>
-                            <a:rPr lang="en-US" sz="1400" i="1" smtClean="0">
-                              <a:solidFill>
-                                <a:srgbClr val="FF0000"/>
-                              </a:solidFill>
-                              <a:latin typeface="Cambria Math" panose="02040503050406030204" pitchFamily="18" charset="0"/>
-                            </a:rPr>
-                          </m:ctrlPr>
-                        </m:sSubPr>
-                        <m:e>
-                          <m:r>
-                            <a:rPr lang="en-US" sz="1400" i="1" smtClean="0">
-                              <a:solidFill>
-                                <a:srgbClr val="FF0000"/>
-                              </a:solidFill>
-                              <a:latin typeface="Cambria Math" panose="02040503050406030204" pitchFamily="18" charset="0"/>
-                              <a:ea typeface="Cambria Math" panose="02040503050406030204" pitchFamily="18" charset="0"/>
-                            </a:rPr>
-                            <m:t>𝛼</m:t>
-                          </m:r>
-                        </m:e>
-                        <m:sub>
-                          <m:r>
-                            <a:rPr lang="en-US" sz="1400" b="0" i="1" smtClean="0">
-                              <a:solidFill>
-                                <a:srgbClr val="FF0000"/>
-                              </a:solidFill>
-                              <a:latin typeface="Cambria Math" panose="02040503050406030204" pitchFamily="18" charset="0"/>
-                              <a:ea typeface="Cambria Math" panose="02040503050406030204" pitchFamily="18" charset="0"/>
-                            </a:rPr>
-                            <m:t>32</m:t>
-                          </m:r>
-                        </m:sub>
-                      </m:sSub>
-                    </m:oMath>
-                  </a14:m>
-                  <a:r>
-                    <a:rPr lang="en-US" sz="1400" dirty="0">
-                      <a:solidFill>
-                        <a:srgbClr val="FF0000"/>
-                      </a:solidFill>
-                    </a:rPr>
-                    <a:t>      </a:t>
-                  </a:r>
-                  <a14:m>
-                    <m:oMath xmlns:m="http://schemas.openxmlformats.org/officeDocument/2006/math">
-                      <m:sSub>
-                        <m:sSubPr>
-                          <m:ctrlPr>
-                            <a:rPr lang="en-US" sz="1400" i="1" dirty="0" smtClean="0">
-                              <a:solidFill>
-                                <a:srgbClr val="FF0000"/>
-                              </a:solidFill>
-                              <a:latin typeface="Cambria Math" panose="02040503050406030204" pitchFamily="18" charset="0"/>
-                            </a:rPr>
-                          </m:ctrlPr>
-                        </m:sSubPr>
-                        <m:e>
-                          <m:r>
-                            <a:rPr lang="en-US" sz="1400" b="0" i="1" dirty="0" smtClean="0">
-                              <a:solidFill>
-                                <a:srgbClr val="FF0000"/>
-                              </a:solidFill>
-                              <a:latin typeface="Cambria Math" panose="02040503050406030204" pitchFamily="18" charset="0"/>
-                            </a:rPr>
-                            <m:t>𝐶</m:t>
-                          </m:r>
-                        </m:e>
-                        <m:sub>
-                          <m:r>
-                            <a:rPr lang="en-US" sz="1400" b="0" i="1" dirty="0" smtClean="0">
-                              <a:solidFill>
-                                <a:srgbClr val="FF0000"/>
-                              </a:solidFill>
-                              <a:latin typeface="Cambria Math" panose="02040503050406030204" pitchFamily="18" charset="0"/>
-                            </a:rPr>
-                            <m:t>32</m:t>
-                          </m:r>
-                        </m:sub>
-                      </m:sSub>
-                    </m:oMath>
-                  </a14:m>
-                  <a:endParaRPr lang="en-US" sz="1400" dirty="0">
-                    <a:solidFill>
-                      <a:srgbClr val="FF0000"/>
-                    </a:solidFill>
-                  </a:endParaRPr>
-                </a:p>
-              </p:txBody>
-            </p:sp>
-          </mc:Choice>
-          <mc:Fallback xmlns="">
-            <p:sp>
-              <p:nvSpPr>
-                <p:cNvPr id="7" name="TextBox 6">
-                  <a:extLst>
-                    <a:ext uri="{FF2B5EF4-FFF2-40B4-BE49-F238E27FC236}">
-                      <a16:creationId xmlns:a16="http://schemas.microsoft.com/office/drawing/2014/main" id="{5B7BF9C0-C321-D589-D9B9-FBEAAB08DDA5}"/>
-                    </a:ext>
-                  </a:extLst>
-                </p:cNvPr>
-                <p:cNvSpPr txBox="1">
-                  <a:spLocks noRot="1" noChangeAspect="1" noMove="1" noResize="1" noEditPoints="1" noAdjustHandles="1" noChangeArrowheads="1" noChangeShapeType="1" noTextEdit="1"/>
-                </p:cNvSpPr>
-                <p:nvPr/>
-              </p:nvSpPr>
-              <p:spPr>
-                <a:xfrm>
-                  <a:off x="1992592" y="932566"/>
-                  <a:ext cx="1024460" cy="2188488"/>
-                </a:xfrm>
-                <a:prstGeom prst="roundRect">
-                  <a:avLst/>
-                </a:prstGeom>
-                <a:blipFill>
-                  <a:blip r:embed="rId6"/>
-                  <a:stretch>
-                    <a:fillRect/>
-                  </a:stretch>
-                </a:blipFill>
-                <a:ln>
-                  <a:solidFill>
-                    <a:srgbClr val="FF0000"/>
-                  </a:solidFill>
-                </a:ln>
-              </p:spPr>
-              <p:txBody>
-                <a:bodyPr/>
-                <a:lstStyle/>
-                <a:p>
-                  <a:r>
-                    <a:rPr lang="en-US">
-                      <a:noFill/>
-                    </a:rPr>
-                    <a:t> </a:t>
+                    <a:rPr lang="en-US" sz="1600" dirty="0"/>
+                    <a:t>Plane-wave density fitting</a:t>
                   </a:r>
                 </a:p>
               </p:txBody>
             </p:sp>
-          </mc:Fallback>
-        </mc:AlternateContent>
-        <mc:AlternateContent xmlns:mc="http://schemas.openxmlformats.org/markup-compatibility/2006" xmlns:a14="http://schemas.microsoft.com/office/drawing/2010/main">
-          <mc:Choice Requires="a14">
             <p:sp>
               <p:nvSpPr>
-                <p:cNvPr id="8" name="TextBox 7">
+                <p:cNvPr id="61" name="Down Arrow 60">
                   <a:extLst>
                     <a:ext uri="{FF2B5EF4-FFF2-40B4-BE49-F238E27FC236}">
-                      <a16:creationId xmlns:a16="http://schemas.microsoft.com/office/drawing/2014/main" id="{306624E6-A106-2A69-94F9-EC3B9A187E62}"/>
-                    </a:ext>
-                  </a:extLst>
-                </p:cNvPr>
-                <p:cNvSpPr txBox="1"/>
-                <p:nvPr/>
-              </p:nvSpPr>
-              <p:spPr>
-                <a:xfrm>
-                  <a:off x="1992592" y="3130655"/>
-                  <a:ext cx="1024082" cy="1755219"/>
-                </a:xfrm>
-                <a:prstGeom prst="roundRect">
-                  <a:avLst/>
-                </a:prstGeom>
-              </p:spPr>
-              <p:style>
-                <a:lnRef idx="2">
-                  <a:schemeClr val="accent4"/>
-                </a:lnRef>
-                <a:fillRef idx="1">
-                  <a:schemeClr val="lt1"/>
-                </a:fillRef>
-                <a:effectRef idx="0">
-                  <a:schemeClr val="accent4"/>
-                </a:effectRef>
-                <a:fontRef idx="minor">
-                  <a:schemeClr val="dk1"/>
-                </a:fontRef>
-              </p:style>
-              <p:txBody>
-                <a:bodyPr wrap="square" rtlCol="0">
-                  <a:spAutoFit/>
-                </a:bodyPr>
-                <a:lstStyle/>
-                <a:p>
-                  <a:r>
-                    <a:rPr lang="en-US" sz="1400" dirty="0">
-                      <a:solidFill>
-                        <a:srgbClr val="00B0F0"/>
-                      </a:solidFill>
-                    </a:rPr>
-                    <a:t>S</a:t>
-                  </a:r>
-                </a:p>
-                <a:p>
-                  <a14:m>
-                    <m:oMath xmlns:m="http://schemas.openxmlformats.org/officeDocument/2006/math">
-                      <m:sSub>
-                        <m:sSubPr>
-                          <m:ctrlPr>
-                            <a:rPr lang="en-US" sz="1400" i="1">
-                              <a:solidFill>
-                                <a:srgbClr val="00B0F0"/>
-                              </a:solidFill>
-                              <a:latin typeface="Cambria Math" panose="02040503050406030204" pitchFamily="18" charset="0"/>
-                            </a:rPr>
-                          </m:ctrlPr>
-                        </m:sSubPr>
-                        <m:e>
-                          <m:r>
-                            <a:rPr lang="en-US" sz="1400" i="1">
-                              <a:solidFill>
-                                <a:srgbClr val="00B0F0"/>
-                              </a:solidFill>
-                              <a:latin typeface="Cambria Math" panose="02040503050406030204" pitchFamily="18" charset="0"/>
-                              <a:ea typeface="Cambria Math" panose="02040503050406030204" pitchFamily="18" charset="0"/>
-                            </a:rPr>
-                            <m:t>𝛼</m:t>
-                          </m:r>
-                        </m:e>
-                        <m:sub>
-                          <m:r>
-                            <a:rPr lang="en-US" sz="1400" b="0" i="1" smtClean="0">
-                              <a:solidFill>
-                                <a:srgbClr val="00B0F0"/>
-                              </a:solidFill>
-                              <a:latin typeface="Cambria Math" panose="02040503050406030204" pitchFamily="18" charset="0"/>
-                              <a:ea typeface="Cambria Math" panose="02040503050406030204" pitchFamily="18" charset="0"/>
-                            </a:rPr>
-                            <m:t>13</m:t>
-                          </m:r>
-                        </m:sub>
-                      </m:sSub>
-                    </m:oMath>
-                  </a14:m>
-                  <a:r>
-                    <a:rPr lang="en-US" sz="1400" dirty="0">
-                      <a:solidFill>
-                        <a:srgbClr val="00B0F0"/>
-                      </a:solidFill>
-                    </a:rPr>
-                    <a:t>      </a:t>
-                  </a:r>
-                  <a14:m>
-                    <m:oMath xmlns:m="http://schemas.openxmlformats.org/officeDocument/2006/math">
-                      <m:sSub>
-                        <m:sSubPr>
-                          <m:ctrlPr>
-                            <a:rPr lang="en-US" sz="1400" i="1" dirty="0">
-                              <a:solidFill>
-                                <a:srgbClr val="00B0F0"/>
-                              </a:solidFill>
-                              <a:latin typeface="Cambria Math" panose="02040503050406030204" pitchFamily="18" charset="0"/>
-                            </a:rPr>
-                          </m:ctrlPr>
-                        </m:sSubPr>
-                        <m:e>
-                          <m:r>
-                            <a:rPr lang="en-US" sz="1400" i="1" dirty="0">
-                              <a:solidFill>
-                                <a:srgbClr val="00B0F0"/>
-                              </a:solidFill>
-                              <a:latin typeface="Cambria Math" panose="02040503050406030204" pitchFamily="18" charset="0"/>
-                            </a:rPr>
-                            <m:t>𝐶</m:t>
-                          </m:r>
-                        </m:e>
-                        <m:sub>
-                          <m:r>
-                            <a:rPr lang="en-US" sz="1400" b="0" i="1" dirty="0" smtClean="0">
-                              <a:solidFill>
-                                <a:srgbClr val="00B0F0"/>
-                              </a:solidFill>
-                              <a:latin typeface="Cambria Math" panose="02040503050406030204" pitchFamily="18" charset="0"/>
-                            </a:rPr>
-                            <m:t>13</m:t>
-                          </m:r>
-                        </m:sub>
-                      </m:sSub>
-                    </m:oMath>
-                  </a14:m>
-                  <a:endParaRPr lang="en-US" sz="1400" dirty="0">
-                    <a:solidFill>
-                      <a:srgbClr val="00B0F0"/>
-                    </a:solidFill>
-                  </a:endParaRPr>
-                </a:p>
-                <a:p>
-                  <a:r>
-                    <a:rPr lang="en-US" sz="1400" dirty="0">
-                      <a:solidFill>
-                        <a:srgbClr val="00B0F0"/>
-                      </a:solidFill>
-                    </a:rPr>
-                    <a:t>P</a:t>
-                  </a:r>
-                </a:p>
-                <a:p>
-                  <a14:m>
-                    <m:oMath xmlns:m="http://schemas.openxmlformats.org/officeDocument/2006/math">
-                      <m:sSub>
-                        <m:sSubPr>
-                          <m:ctrlPr>
-                            <a:rPr lang="en-US" sz="1400" i="1" smtClean="0">
-                              <a:solidFill>
-                                <a:srgbClr val="00B0F0"/>
-                              </a:solidFill>
-                              <a:latin typeface="Cambria Math" panose="02040503050406030204" pitchFamily="18" charset="0"/>
-                            </a:rPr>
-                          </m:ctrlPr>
-                        </m:sSubPr>
-                        <m:e>
-                          <m:r>
-                            <a:rPr lang="en-US" sz="1400" i="1">
-                              <a:solidFill>
-                                <a:srgbClr val="00B0F0"/>
-                              </a:solidFill>
-                              <a:latin typeface="Cambria Math" panose="02040503050406030204" pitchFamily="18" charset="0"/>
-                              <a:ea typeface="Cambria Math" panose="02040503050406030204" pitchFamily="18" charset="0"/>
-                            </a:rPr>
-                            <m:t>𝛼</m:t>
-                          </m:r>
-                        </m:e>
-                        <m:sub>
-                          <m:r>
-                            <a:rPr lang="en-US" sz="1400" b="0" i="1" smtClean="0">
-                              <a:solidFill>
-                                <a:srgbClr val="00B0F0"/>
-                              </a:solidFill>
-                              <a:latin typeface="Cambria Math" panose="02040503050406030204" pitchFamily="18" charset="0"/>
-                              <a:ea typeface="Cambria Math" panose="02040503050406030204" pitchFamily="18" charset="0"/>
-                            </a:rPr>
-                            <m:t>23</m:t>
-                          </m:r>
-                        </m:sub>
-                      </m:sSub>
-                    </m:oMath>
-                  </a14:m>
-                  <a:r>
-                    <a:rPr lang="en-US" sz="1400" dirty="0">
-                      <a:solidFill>
-                        <a:srgbClr val="00B0F0"/>
-                      </a:solidFill>
-                    </a:rPr>
-                    <a:t>      </a:t>
-                  </a:r>
-                  <a14:m>
-                    <m:oMath xmlns:m="http://schemas.openxmlformats.org/officeDocument/2006/math">
-                      <m:sSub>
-                        <m:sSubPr>
-                          <m:ctrlPr>
-                            <a:rPr lang="en-US" sz="1400" i="1" dirty="0">
-                              <a:solidFill>
-                                <a:srgbClr val="00B0F0"/>
-                              </a:solidFill>
-                              <a:latin typeface="Cambria Math" panose="02040503050406030204" pitchFamily="18" charset="0"/>
-                            </a:rPr>
-                          </m:ctrlPr>
-                        </m:sSubPr>
-                        <m:e>
-                          <m:r>
-                            <a:rPr lang="en-US" sz="1400" i="1" dirty="0">
-                              <a:solidFill>
-                                <a:srgbClr val="00B0F0"/>
-                              </a:solidFill>
-                              <a:latin typeface="Cambria Math" panose="02040503050406030204" pitchFamily="18" charset="0"/>
-                            </a:rPr>
-                            <m:t>𝐶</m:t>
-                          </m:r>
-                        </m:e>
-                        <m:sub>
-                          <m:r>
-                            <a:rPr lang="en-US" sz="1400" b="0" i="1" dirty="0" smtClean="0">
-                              <a:solidFill>
-                                <a:srgbClr val="00B0F0"/>
-                              </a:solidFill>
-                              <a:latin typeface="Cambria Math" panose="02040503050406030204" pitchFamily="18" charset="0"/>
-                            </a:rPr>
-                            <m:t>23</m:t>
-                          </m:r>
-                        </m:sub>
-                      </m:sSub>
-                    </m:oMath>
-                  </a14:m>
-                  <a:endParaRPr lang="en-US" sz="1400" b="0" dirty="0">
-                    <a:solidFill>
-                      <a:srgbClr val="00B0F0"/>
-                    </a:solidFill>
-                  </a:endParaRPr>
-                </a:p>
-                <a:p>
-                  <a:r>
-                    <a:rPr lang="en-US" sz="1400" dirty="0">
-                      <a:solidFill>
-                        <a:srgbClr val="00B0F0"/>
-                      </a:solidFill>
-                    </a:rPr>
-                    <a:t>F</a:t>
-                  </a:r>
-                </a:p>
-                <a:p>
-                  <a14:m>
-                    <m:oMath xmlns:m="http://schemas.openxmlformats.org/officeDocument/2006/math">
-                      <m:sSub>
-                        <m:sSubPr>
-                          <m:ctrlPr>
-                            <a:rPr lang="en-US" sz="1400" i="1" smtClean="0">
-                              <a:solidFill>
-                                <a:srgbClr val="00B0F0"/>
-                              </a:solidFill>
-                              <a:latin typeface="Cambria Math" panose="02040503050406030204" pitchFamily="18" charset="0"/>
-                            </a:rPr>
-                          </m:ctrlPr>
-                        </m:sSubPr>
-                        <m:e>
-                          <m:r>
-                            <a:rPr lang="en-US" sz="1400" i="1" smtClean="0">
-                              <a:solidFill>
-                                <a:srgbClr val="00B0F0"/>
-                              </a:solidFill>
-                              <a:latin typeface="Cambria Math" panose="02040503050406030204" pitchFamily="18" charset="0"/>
-                              <a:ea typeface="Cambria Math" panose="02040503050406030204" pitchFamily="18" charset="0"/>
-                            </a:rPr>
-                            <m:t>𝛼</m:t>
-                          </m:r>
-                        </m:e>
-                        <m:sub>
-                          <m:r>
-                            <a:rPr lang="en-US" sz="1400" b="0" i="1" smtClean="0">
-                              <a:solidFill>
-                                <a:srgbClr val="00B0F0"/>
-                              </a:solidFill>
-                              <a:latin typeface="Cambria Math" panose="02040503050406030204" pitchFamily="18" charset="0"/>
-                              <a:ea typeface="Cambria Math" panose="02040503050406030204" pitchFamily="18" charset="0"/>
-                            </a:rPr>
-                            <m:t>41</m:t>
-                          </m:r>
-                        </m:sub>
-                      </m:sSub>
-                    </m:oMath>
-                  </a14:m>
-                  <a:r>
-                    <a:rPr lang="en-US" sz="1400" dirty="0">
-                      <a:solidFill>
-                        <a:srgbClr val="00B0F0"/>
-                      </a:solidFill>
-                    </a:rPr>
-                    <a:t>      </a:t>
-                  </a:r>
-                  <a14:m>
-                    <m:oMath xmlns:m="http://schemas.openxmlformats.org/officeDocument/2006/math">
-                      <m:sSub>
-                        <m:sSubPr>
-                          <m:ctrlPr>
-                            <a:rPr lang="en-US" sz="1400" i="1" dirty="0" smtClean="0">
-                              <a:solidFill>
-                                <a:srgbClr val="00B0F0"/>
-                              </a:solidFill>
-                              <a:latin typeface="Cambria Math" panose="02040503050406030204" pitchFamily="18" charset="0"/>
-                            </a:rPr>
-                          </m:ctrlPr>
-                        </m:sSubPr>
-                        <m:e>
-                          <m:r>
-                            <a:rPr lang="en-US" sz="1400" b="0" i="1" dirty="0" smtClean="0">
-                              <a:solidFill>
-                                <a:srgbClr val="00B0F0"/>
-                              </a:solidFill>
-                              <a:latin typeface="Cambria Math" panose="02040503050406030204" pitchFamily="18" charset="0"/>
-                            </a:rPr>
-                            <m:t>𝐶</m:t>
-                          </m:r>
-                        </m:e>
-                        <m:sub>
-                          <m:r>
-                            <a:rPr lang="en-US" sz="1400" b="0" i="1" dirty="0" smtClean="0">
-                              <a:solidFill>
-                                <a:srgbClr val="00B0F0"/>
-                              </a:solidFill>
-                              <a:latin typeface="Cambria Math" panose="02040503050406030204" pitchFamily="18" charset="0"/>
-                            </a:rPr>
-                            <m:t>41</m:t>
-                          </m:r>
-                        </m:sub>
-                      </m:sSub>
-                    </m:oMath>
-                  </a14:m>
-                  <a:endParaRPr lang="en-US" sz="1400" dirty="0">
-                    <a:solidFill>
-                      <a:srgbClr val="00B0F0"/>
-                    </a:solidFill>
-                  </a:endParaRPr>
-                </a:p>
-                <a:p>
-                  <a14:m>
-                    <m:oMath xmlns:m="http://schemas.openxmlformats.org/officeDocument/2006/math">
-                      <m:sSub>
-                        <m:sSubPr>
-                          <m:ctrlPr>
-                            <a:rPr lang="en-US" sz="1400" i="1" smtClean="0">
-                              <a:solidFill>
-                                <a:srgbClr val="00B0F0"/>
-                              </a:solidFill>
-                              <a:latin typeface="Cambria Math" panose="02040503050406030204" pitchFamily="18" charset="0"/>
-                            </a:rPr>
-                          </m:ctrlPr>
-                        </m:sSubPr>
-                        <m:e>
-                          <m:r>
-                            <a:rPr lang="en-US" sz="1400" i="1" smtClean="0">
-                              <a:solidFill>
-                                <a:srgbClr val="00B0F0"/>
-                              </a:solidFill>
-                              <a:latin typeface="Cambria Math" panose="02040503050406030204" pitchFamily="18" charset="0"/>
-                              <a:ea typeface="Cambria Math" panose="02040503050406030204" pitchFamily="18" charset="0"/>
-                            </a:rPr>
-                            <m:t>𝛼</m:t>
-                          </m:r>
-                        </m:e>
-                        <m:sub>
-                          <m:r>
-                            <a:rPr lang="en-US" sz="1400" b="0" i="1" smtClean="0">
-                              <a:solidFill>
-                                <a:srgbClr val="00B0F0"/>
-                              </a:solidFill>
-                              <a:latin typeface="Cambria Math" panose="02040503050406030204" pitchFamily="18" charset="0"/>
-                              <a:ea typeface="Cambria Math" panose="02040503050406030204" pitchFamily="18" charset="0"/>
-                            </a:rPr>
-                            <m:t>42</m:t>
-                          </m:r>
-                        </m:sub>
-                      </m:sSub>
-                    </m:oMath>
-                  </a14:m>
-                  <a:r>
-                    <a:rPr lang="en-US" sz="1400" dirty="0">
-                      <a:solidFill>
-                        <a:srgbClr val="00B0F0"/>
-                      </a:solidFill>
-                    </a:rPr>
-                    <a:t>      </a:t>
-                  </a:r>
-                  <a14:m>
-                    <m:oMath xmlns:m="http://schemas.openxmlformats.org/officeDocument/2006/math">
-                      <m:sSub>
-                        <m:sSubPr>
-                          <m:ctrlPr>
-                            <a:rPr lang="en-US" sz="1400" i="1" dirty="0" smtClean="0">
-                              <a:solidFill>
-                                <a:srgbClr val="00B0F0"/>
-                              </a:solidFill>
-                              <a:latin typeface="Cambria Math" panose="02040503050406030204" pitchFamily="18" charset="0"/>
-                            </a:rPr>
-                          </m:ctrlPr>
-                        </m:sSubPr>
-                        <m:e>
-                          <m:r>
-                            <a:rPr lang="en-US" sz="1400" b="0" i="1" dirty="0" smtClean="0">
-                              <a:solidFill>
-                                <a:srgbClr val="00B0F0"/>
-                              </a:solidFill>
-                              <a:latin typeface="Cambria Math" panose="02040503050406030204" pitchFamily="18" charset="0"/>
-                            </a:rPr>
-                            <m:t>𝐶</m:t>
-                          </m:r>
-                        </m:e>
-                        <m:sub>
-                          <m:r>
-                            <a:rPr lang="en-US" sz="1400" b="0" i="1" dirty="0" smtClean="0">
-                              <a:solidFill>
-                                <a:srgbClr val="00B0F0"/>
-                              </a:solidFill>
-                              <a:latin typeface="Cambria Math" panose="02040503050406030204" pitchFamily="18" charset="0"/>
-                            </a:rPr>
-                            <m:t>42</m:t>
-                          </m:r>
-                        </m:sub>
-                      </m:sSub>
-                    </m:oMath>
-                  </a14:m>
-                  <a:endParaRPr lang="en-US" sz="1400" dirty="0">
-                    <a:solidFill>
-                      <a:srgbClr val="00B0F0"/>
-                    </a:solidFill>
-                  </a:endParaRPr>
-                </a:p>
-              </p:txBody>
-            </p:sp>
-          </mc:Choice>
-          <mc:Fallback xmlns="">
-            <p:sp>
-              <p:nvSpPr>
-                <p:cNvPr id="8" name="TextBox 7">
-                  <a:extLst>
-                    <a:ext uri="{FF2B5EF4-FFF2-40B4-BE49-F238E27FC236}">
-                      <a16:creationId xmlns:a16="http://schemas.microsoft.com/office/drawing/2014/main" id="{306624E6-A106-2A69-94F9-EC3B9A187E62}"/>
-                    </a:ext>
-                  </a:extLst>
-                </p:cNvPr>
-                <p:cNvSpPr txBox="1">
-                  <a:spLocks noRot="1" noChangeAspect="1" noMove="1" noResize="1" noEditPoints="1" noAdjustHandles="1" noChangeArrowheads="1" noChangeShapeType="1" noTextEdit="1"/>
-                </p:cNvSpPr>
-                <p:nvPr/>
-              </p:nvSpPr>
-              <p:spPr>
-                <a:xfrm>
-                  <a:off x="1992592" y="3130655"/>
-                  <a:ext cx="1024082" cy="1755219"/>
-                </a:xfrm>
-                <a:prstGeom prst="roundRect">
-                  <a:avLst/>
-                </a:prstGeom>
-                <a:blipFill>
-                  <a:blip r:embed="rId7"/>
-                  <a:stretch>
-                    <a:fillRect/>
-                  </a:stretch>
-                </a:blipFill>
-              </p:spPr>
-              <p:txBody>
-                <a:bodyPr/>
-                <a:lstStyle/>
-                <a:p>
-                  <a:r>
-                    <a:rPr lang="en-US">
-                      <a:noFill/>
-                    </a:rPr>
-                    <a:t> </a:t>
-                  </a:r>
-                </a:p>
-              </p:txBody>
-            </p:sp>
-          </mc:Fallback>
-        </mc:AlternateContent>
-        <p:cxnSp>
-          <p:nvCxnSpPr>
-            <p:cNvPr id="25" name="Elbow Connector 24">
-              <a:extLst>
-                <a:ext uri="{FF2B5EF4-FFF2-40B4-BE49-F238E27FC236}">
-                  <a16:creationId xmlns:a16="http://schemas.microsoft.com/office/drawing/2014/main" id="{4D0736AB-7E9E-9787-A532-0736B86EB0A2}"/>
-                </a:ext>
-              </a:extLst>
-            </p:cNvPr>
-            <p:cNvCxnSpPr>
-              <a:cxnSpLocks/>
-              <a:stCxn id="4" idx="3"/>
-              <a:endCxn id="8" idx="1"/>
-            </p:cNvCxnSpPr>
-            <p:nvPr/>
-          </p:nvCxnSpPr>
-          <p:spPr>
-            <a:xfrm>
-              <a:off x="1771202" y="2914021"/>
-              <a:ext cx="221390" cy="1094244"/>
-            </a:xfrm>
-            <a:prstGeom prst="bentConnector3">
-              <a:avLst/>
-            </a:prstGeom>
-            <a:ln>
-              <a:tailEnd type="triangle"/>
-            </a:ln>
-          </p:spPr>
-          <p:style>
-            <a:lnRef idx="2">
-              <a:schemeClr val="accent1"/>
-            </a:lnRef>
-            <a:fillRef idx="0">
-              <a:schemeClr val="accent1"/>
-            </a:fillRef>
-            <a:effectRef idx="1">
-              <a:schemeClr val="accent1"/>
-            </a:effectRef>
-            <a:fontRef idx="minor">
-              <a:schemeClr val="tx1"/>
-            </a:fontRef>
-          </p:style>
-        </p:cxnSp>
-        <p:cxnSp>
-          <p:nvCxnSpPr>
-            <p:cNvPr id="27" name="Elbow Connector 26">
-              <a:extLst>
-                <a:ext uri="{FF2B5EF4-FFF2-40B4-BE49-F238E27FC236}">
-                  <a16:creationId xmlns:a16="http://schemas.microsoft.com/office/drawing/2014/main" id="{A59FBE11-90AC-0C09-D9FC-3499BE1EEDD6}"/>
-                </a:ext>
-              </a:extLst>
-            </p:cNvPr>
-            <p:cNvCxnSpPr>
-              <a:cxnSpLocks/>
-              <a:stCxn id="4" idx="3"/>
-              <a:endCxn id="7" idx="1"/>
-            </p:cNvCxnSpPr>
-            <p:nvPr/>
-          </p:nvCxnSpPr>
-          <p:spPr>
-            <a:xfrm flipV="1">
-              <a:off x="1771202" y="2026810"/>
-              <a:ext cx="221390" cy="887211"/>
-            </a:xfrm>
-            <a:prstGeom prst="bentConnector3">
-              <a:avLst>
-                <a:gd name="adj1" fmla="val 50000"/>
-              </a:avLst>
-            </a:prstGeom>
-            <a:ln>
-              <a:tailEnd type="triangle"/>
-            </a:ln>
-          </p:spPr>
-          <p:style>
-            <a:lnRef idx="2">
-              <a:schemeClr val="accent1"/>
-            </a:lnRef>
-            <a:fillRef idx="0">
-              <a:schemeClr val="accent1"/>
-            </a:fillRef>
-            <a:effectRef idx="1">
-              <a:schemeClr val="accent1"/>
-            </a:effectRef>
-            <a:fontRef idx="minor">
-              <a:schemeClr val="tx1"/>
-            </a:fontRef>
-          </p:style>
-        </p:cxnSp>
-        <p:grpSp>
-          <p:nvGrpSpPr>
-            <p:cNvPr id="76" name="Group 75">
-              <a:extLst>
-                <a:ext uri="{FF2B5EF4-FFF2-40B4-BE49-F238E27FC236}">
-                  <a16:creationId xmlns:a16="http://schemas.microsoft.com/office/drawing/2014/main" id="{4167E6A6-DBDD-B90A-5B39-C6E1C8EFB746}"/>
-                </a:ext>
-              </a:extLst>
-            </p:cNvPr>
-            <p:cNvGrpSpPr/>
-            <p:nvPr/>
-          </p:nvGrpSpPr>
-          <p:grpSpPr>
-            <a:xfrm>
-              <a:off x="3010844" y="1219255"/>
-              <a:ext cx="4738286" cy="2941056"/>
-              <a:chOff x="4027052" y="1438473"/>
-              <a:chExt cx="4738286" cy="2941056"/>
-            </a:xfrm>
-          </p:grpSpPr>
-          <p:grpSp>
-            <p:nvGrpSpPr>
-              <p:cNvPr id="54" name="Group 53">
-                <a:extLst>
-                  <a:ext uri="{FF2B5EF4-FFF2-40B4-BE49-F238E27FC236}">
-                    <a16:creationId xmlns:a16="http://schemas.microsoft.com/office/drawing/2014/main" id="{58CD570C-FE7D-1F84-EED7-6E66C0BE8284}"/>
-                  </a:ext>
-                </a:extLst>
-              </p:cNvPr>
-              <p:cNvGrpSpPr/>
-              <p:nvPr/>
-            </p:nvGrpSpPr>
-            <p:grpSpPr>
-              <a:xfrm>
-                <a:off x="4027052" y="2257500"/>
-                <a:ext cx="4738286" cy="1337870"/>
-                <a:chOff x="5093953" y="2492820"/>
-                <a:chExt cx="4738286" cy="1337870"/>
-              </a:xfrm>
-            </p:grpSpPr>
-            <p:grpSp>
-              <p:nvGrpSpPr>
-                <p:cNvPr id="36" name="Group 35">
-                  <a:extLst>
-                    <a:ext uri="{FF2B5EF4-FFF2-40B4-BE49-F238E27FC236}">
-                      <a16:creationId xmlns:a16="http://schemas.microsoft.com/office/drawing/2014/main" id="{B977E6E0-4FB3-0C70-5A54-54BB45ABE67D}"/>
-                    </a:ext>
-                  </a:extLst>
-                </p:cNvPr>
-                <p:cNvGrpSpPr/>
-                <p:nvPr/>
-              </p:nvGrpSpPr>
-              <p:grpSpPr>
-                <a:xfrm>
-                  <a:off x="5093953" y="2554048"/>
-                  <a:ext cx="4738286" cy="1276642"/>
-                  <a:chOff x="5293788" y="1651759"/>
-                  <a:chExt cx="4738286" cy="1276642"/>
-                </a:xfrm>
-              </p:grpSpPr>
-              <mc:AlternateContent xmlns:mc="http://schemas.openxmlformats.org/markup-compatibility/2006" xmlns:a14="http://schemas.microsoft.com/office/drawing/2010/main">
-                <mc:Choice Requires="a14">
-                  <p:sp>
-                    <p:nvSpPr>
-                      <p:cNvPr id="13" name="TextBox 12">
-                        <a:extLst>
-                          <a:ext uri="{FF2B5EF4-FFF2-40B4-BE49-F238E27FC236}">
-                            <a16:creationId xmlns:a16="http://schemas.microsoft.com/office/drawing/2014/main" id="{11784C3B-D5BB-3C1C-9571-6651A403C2B0}"/>
-                          </a:ext>
-                        </a:extLst>
-                      </p:cNvPr>
-                      <p:cNvSpPr txBox="1"/>
-                      <p:nvPr/>
-                    </p:nvSpPr>
-                    <p:spPr>
-                      <a:xfrm>
-                        <a:off x="5293788" y="1651759"/>
-                        <a:ext cx="4738285" cy="338554"/>
-                      </a:xfrm>
-                      <a:prstGeom prst="rect">
-                        <a:avLst/>
-                      </a:prstGeom>
-                      <a:noFill/>
-                    </p:spPr>
-                    <p:txBody>
-                      <a:bodyPr wrap="square" rtlCol="0">
-                        <a:spAutoFit/>
-                      </a:bodyPr>
-                      <a:lstStyle/>
-                      <a:p>
-                        <a:pPr/>
-                        <a14:m>
-                          <m:oMathPara xmlns:m="http://schemas.openxmlformats.org/officeDocument/2006/math">
-                            <m:oMathParaPr>
-                              <m:jc m:val="centerGroup"/>
-                            </m:oMathParaPr>
-                            <m:oMath xmlns:m="http://schemas.openxmlformats.org/officeDocument/2006/math">
-                              <m:sSub>
-                                <m:sSubPr>
-                                  <m:ctrlPr>
-                                    <a:rPr lang="en-US" sz="1600" i="1" smtClean="0">
-                                      <a:latin typeface="Cambria Math" panose="02040503050406030204" pitchFamily="18" charset="0"/>
-                                    </a:rPr>
-                                  </m:ctrlPr>
-                                </m:sSubPr>
-                                <m:e>
-                                  <m:r>
-                                    <a:rPr lang="en-US" sz="1600" b="0" i="1" smtClean="0">
-                                      <a:latin typeface="Cambria Math" panose="02040503050406030204" pitchFamily="18" charset="0"/>
-                                    </a:rPr>
-                                    <m:t>𝐽</m:t>
-                                  </m:r>
-                                </m:e>
-                                <m:sub>
-                                  <m:r>
-                                    <a:rPr lang="en-US" sz="1600" b="0" i="1" smtClean="0">
-                                      <a:latin typeface="Cambria Math" panose="02040503050406030204" pitchFamily="18" charset="0"/>
-                                    </a:rPr>
-                                    <m:t>𝐶𝐶</m:t>
-                                  </m:r>
-                                </m:sub>
-                              </m:sSub>
-                              <m:r>
-                                <a:rPr lang="en-US" sz="1600" b="0" i="1" smtClean="0">
-                                  <a:latin typeface="Cambria Math" panose="02040503050406030204" pitchFamily="18" charset="0"/>
-                                </a:rPr>
-                                <m:t>=</m:t>
-                              </m:r>
-                              <m:d>
-                                <m:dPr>
-                                  <m:ctrlPr>
-                                    <a:rPr lang="en-US" sz="1600" b="0" i="1" smtClean="0">
-                                      <a:solidFill>
-                                        <a:srgbClr val="FF0000"/>
-                                      </a:solidFill>
-                                      <a:latin typeface="Cambria Math" panose="02040503050406030204" pitchFamily="18" charset="0"/>
-                                    </a:rPr>
-                                  </m:ctrlPr>
-                                </m:dPr>
-                                <m:e>
-                                  <m:r>
-                                    <a:rPr lang="en-US" sz="1600" b="0" i="1" smtClean="0">
-                                      <a:solidFill>
-                                        <a:srgbClr val="FF0000"/>
-                                      </a:solidFill>
-                                      <a:latin typeface="Cambria Math" panose="02040503050406030204" pitchFamily="18" charset="0"/>
-                                    </a:rPr>
-                                    <m:t>𝐶𝐶</m:t>
-                                  </m:r>
-                                </m:e>
-                                <m:e>
-                                  <m:r>
-                                    <a:rPr lang="en-US" sz="1600" b="0" i="1" smtClean="0">
-                                      <a:solidFill>
-                                        <a:srgbClr val="FF0000"/>
-                                      </a:solidFill>
-                                      <a:latin typeface="Cambria Math" panose="02040503050406030204" pitchFamily="18" charset="0"/>
-                                    </a:rPr>
-                                    <m:t>𝐶𝐶</m:t>
-                                  </m:r>
-                                </m:e>
-                              </m:d>
-                              <m:sSub>
-                                <m:sSubPr>
-                                  <m:ctrlPr>
-                                    <a:rPr lang="en-US" sz="1600" b="0" i="1" smtClean="0">
-                                      <a:solidFill>
-                                        <a:srgbClr val="FF0000"/>
-                                      </a:solidFill>
-                                      <a:latin typeface="Cambria Math" panose="02040503050406030204" pitchFamily="18" charset="0"/>
-                                    </a:rPr>
-                                  </m:ctrlPr>
-                                </m:sSubPr>
-                                <m:e>
-                                  <m:r>
-                                    <a:rPr lang="en-US" sz="1600" b="0" i="1" smtClean="0">
-                                      <a:solidFill>
-                                        <a:srgbClr val="FF0000"/>
-                                      </a:solidFill>
-                                      <a:latin typeface="Cambria Math" panose="02040503050406030204" pitchFamily="18" charset="0"/>
-                                    </a:rPr>
-                                    <m:t>.</m:t>
-                                  </m:r>
-                                  <m:r>
-                                    <a:rPr lang="en-US" sz="1600" b="0" i="1" smtClean="0">
-                                      <a:solidFill>
-                                        <a:srgbClr val="FF0000"/>
-                                      </a:solidFill>
-                                      <a:latin typeface="Cambria Math" panose="02040503050406030204" pitchFamily="18" charset="0"/>
-                                    </a:rPr>
-                                    <m:t>𝑃</m:t>
-                                  </m:r>
-                                </m:e>
-                                <m:sub>
-                                  <m:r>
-                                    <a:rPr lang="en-US" sz="1600" b="0" i="1" smtClean="0">
-                                      <a:solidFill>
-                                        <a:srgbClr val="FF0000"/>
-                                      </a:solidFill>
-                                      <a:latin typeface="Cambria Math" panose="02040503050406030204" pitchFamily="18" charset="0"/>
-                                    </a:rPr>
-                                    <m:t>𝐶𝐶</m:t>
-                                  </m:r>
-                                </m:sub>
-                              </m:sSub>
-                              <m:r>
-                                <a:rPr lang="en-US" sz="1600" b="0" i="1" smtClean="0">
-                                  <a:latin typeface="Cambria Math" panose="02040503050406030204" pitchFamily="18" charset="0"/>
-                                </a:rPr>
-                                <m:t>+</m:t>
-                              </m:r>
-                              <m:d>
-                                <m:dPr>
-                                  <m:ctrlPr>
-                                    <a:rPr lang="en-US" sz="1600" b="0" i="1" smtClean="0">
-                                      <a:solidFill>
-                                        <a:srgbClr val="FF0000"/>
-                                      </a:solidFill>
-                                      <a:latin typeface="Cambria Math" panose="02040503050406030204" pitchFamily="18" charset="0"/>
-                                    </a:rPr>
-                                  </m:ctrlPr>
-                                </m:dPr>
-                                <m:e>
-                                  <m:r>
-                                    <a:rPr lang="en-US" sz="1600" b="0" i="1" smtClean="0">
-                                      <a:solidFill>
-                                        <a:srgbClr val="FF0000"/>
-                                      </a:solidFill>
-                                      <a:latin typeface="Cambria Math" panose="02040503050406030204" pitchFamily="18" charset="0"/>
-                                    </a:rPr>
-                                    <m:t>𝐶𝐶</m:t>
-                                  </m:r>
-                                </m:e>
-                                <m:e>
-                                  <m:r>
-                                    <a:rPr lang="en-US" sz="1600" b="0" i="1" smtClean="0">
-                                      <a:solidFill>
-                                        <a:srgbClr val="FF0000"/>
-                                      </a:solidFill>
-                                      <a:latin typeface="Cambria Math" panose="02040503050406030204" pitchFamily="18" charset="0"/>
-                                    </a:rPr>
-                                    <m:t>𝐶𝐷</m:t>
-                                  </m:r>
-                                </m:e>
-                              </m:d>
-                              <m:sSub>
-                                <m:sSubPr>
-                                  <m:ctrlPr>
-                                    <a:rPr lang="en-US" sz="1600" i="1">
-                                      <a:solidFill>
-                                        <a:srgbClr val="FF0000"/>
-                                      </a:solidFill>
-                                      <a:latin typeface="Cambria Math" panose="02040503050406030204" pitchFamily="18" charset="0"/>
-                                    </a:rPr>
-                                  </m:ctrlPr>
-                                </m:sSubPr>
-                                <m:e>
-                                  <m:r>
-                                    <a:rPr lang="en-US" sz="1600" i="1">
-                                      <a:solidFill>
-                                        <a:srgbClr val="FF0000"/>
-                                      </a:solidFill>
-                                      <a:latin typeface="Cambria Math" panose="02040503050406030204" pitchFamily="18" charset="0"/>
-                                    </a:rPr>
-                                    <m:t>.</m:t>
-                                  </m:r>
-                                  <m:r>
-                                    <a:rPr lang="en-US" sz="1600" i="1">
-                                      <a:solidFill>
-                                        <a:srgbClr val="FF0000"/>
-                                      </a:solidFill>
-                                      <a:latin typeface="Cambria Math" panose="02040503050406030204" pitchFamily="18" charset="0"/>
-                                    </a:rPr>
-                                    <m:t>𝑃</m:t>
-                                  </m:r>
-                                </m:e>
-                                <m:sub>
-                                  <m:r>
-                                    <a:rPr lang="en-US" sz="1600" b="0" i="1" smtClean="0">
-                                      <a:solidFill>
-                                        <a:srgbClr val="FF0000"/>
-                                      </a:solidFill>
-                                      <a:latin typeface="Cambria Math" panose="02040503050406030204" pitchFamily="18" charset="0"/>
-                                    </a:rPr>
-                                    <m:t>𝐷𝐶</m:t>
-                                  </m:r>
-                                </m:sub>
-                              </m:sSub>
-                              <m:r>
-                                <a:rPr lang="en-US" sz="1600" b="0" i="1" smtClean="0">
-                                  <a:latin typeface="Cambria Math" panose="02040503050406030204" pitchFamily="18" charset="0"/>
-                                </a:rPr>
-                                <m:t>+</m:t>
-                              </m:r>
-                              <m:d>
-                                <m:dPr>
-                                  <m:ctrlPr>
-                                    <a:rPr lang="en-US" sz="1600" b="0" i="1" smtClean="0">
-                                      <a:solidFill>
-                                        <a:srgbClr val="00B0F0"/>
-                                      </a:solidFill>
-                                      <a:latin typeface="Cambria Math" panose="02040503050406030204" pitchFamily="18" charset="0"/>
-                                    </a:rPr>
-                                  </m:ctrlPr>
-                                </m:dPr>
-                                <m:e>
-                                  <m:r>
-                                    <a:rPr lang="en-US" sz="1600" b="0" i="1" smtClean="0">
-                                      <a:solidFill>
-                                        <a:srgbClr val="00B0F0"/>
-                                      </a:solidFill>
-                                      <a:latin typeface="Cambria Math" panose="02040503050406030204" pitchFamily="18" charset="0"/>
-                                    </a:rPr>
-                                    <m:t>𝐶𝐶</m:t>
-                                  </m:r>
-                                </m:e>
-                                <m:e>
-                                  <m:r>
-                                    <a:rPr lang="en-US" sz="1600" b="0" i="1" smtClean="0">
-                                      <a:solidFill>
-                                        <a:srgbClr val="00B0F0"/>
-                                      </a:solidFill>
-                                      <a:latin typeface="Cambria Math" panose="02040503050406030204" pitchFamily="18" charset="0"/>
-                                    </a:rPr>
-                                    <m:t>𝐷𝐷</m:t>
-                                  </m:r>
-                                </m:e>
-                              </m:d>
-                              <m:r>
-                                <a:rPr lang="en-US" sz="1600" b="0" i="1" smtClean="0">
-                                  <a:solidFill>
-                                    <a:srgbClr val="00B0F0"/>
-                                  </a:solidFill>
-                                  <a:latin typeface="Cambria Math" panose="02040503050406030204" pitchFamily="18" charset="0"/>
-                                </a:rPr>
-                                <m:t>.</m:t>
-                              </m:r>
-                              <m:sSub>
-                                <m:sSubPr>
-                                  <m:ctrlPr>
-                                    <a:rPr lang="en-US" sz="1600" i="1">
-                                      <a:solidFill>
-                                        <a:srgbClr val="00B0F0"/>
-                                      </a:solidFill>
-                                      <a:latin typeface="Cambria Math" panose="02040503050406030204" pitchFamily="18" charset="0"/>
-                                    </a:rPr>
-                                  </m:ctrlPr>
-                                </m:sSubPr>
-                                <m:e>
-                                  <m:r>
-                                    <a:rPr lang="en-US" sz="1600" i="1">
-                                      <a:solidFill>
-                                        <a:srgbClr val="00B0F0"/>
-                                      </a:solidFill>
-                                      <a:latin typeface="Cambria Math" panose="02040503050406030204" pitchFamily="18" charset="0"/>
-                                    </a:rPr>
-                                    <m:t>𝑃</m:t>
-                                  </m:r>
-                                </m:e>
-                                <m:sub>
-                                  <m:r>
-                                    <a:rPr lang="en-US" sz="1600" i="1">
-                                      <a:solidFill>
-                                        <a:srgbClr val="00B0F0"/>
-                                      </a:solidFill>
-                                      <a:latin typeface="Cambria Math" panose="02040503050406030204" pitchFamily="18" charset="0"/>
-                                    </a:rPr>
-                                    <m:t>𝐷</m:t>
-                                  </m:r>
-                                  <m:r>
-                                    <a:rPr lang="en-US" sz="1600" b="0" i="1" smtClean="0">
-                                      <a:solidFill>
-                                        <a:srgbClr val="00B0F0"/>
-                                      </a:solidFill>
-                                      <a:latin typeface="Cambria Math" panose="02040503050406030204" pitchFamily="18" charset="0"/>
-                                    </a:rPr>
-                                    <m:t>𝐷</m:t>
-                                  </m:r>
-                                </m:sub>
-                              </m:sSub>
-                            </m:oMath>
-                          </m:oMathPara>
-                        </a14:m>
-                        <a:endParaRPr lang="en-US" sz="1600" dirty="0">
-                          <a:solidFill>
-                            <a:srgbClr val="00B0F0"/>
-                          </a:solidFill>
-                        </a:endParaRPr>
-                      </a:p>
-                    </p:txBody>
-                  </p:sp>
-                </mc:Choice>
-                <mc:Fallback xmlns="">
-                  <p:sp>
-                    <p:nvSpPr>
-                      <p:cNvPr id="13" name="TextBox 12">
-                        <a:extLst>
-                          <a:ext uri="{FF2B5EF4-FFF2-40B4-BE49-F238E27FC236}">
-                            <a16:creationId xmlns:a16="http://schemas.microsoft.com/office/drawing/2014/main" id="{11784C3B-D5BB-3C1C-9571-6651A403C2B0}"/>
-                          </a:ext>
-                        </a:extLst>
-                      </p:cNvPr>
-                      <p:cNvSpPr txBox="1">
-                        <a:spLocks noRot="1" noChangeAspect="1" noMove="1" noResize="1" noEditPoints="1" noAdjustHandles="1" noChangeArrowheads="1" noChangeShapeType="1" noTextEdit="1"/>
-                      </p:cNvSpPr>
-                      <p:nvPr/>
-                    </p:nvSpPr>
-                    <p:spPr>
-                      <a:xfrm>
-                        <a:off x="5293788" y="1651759"/>
-                        <a:ext cx="4738285" cy="338554"/>
-                      </a:xfrm>
-                      <a:prstGeom prst="rect">
-                        <a:avLst/>
-                      </a:prstGeom>
-                      <a:blipFill>
-                        <a:blip r:embed="rId8"/>
-                        <a:stretch>
-                          <a:fillRect b="-11111"/>
-                        </a:stretch>
-                      </a:blipFill>
-                    </p:spPr>
-                    <p:txBody>
-                      <a:bodyPr/>
-                      <a:lstStyle/>
-                      <a:p>
-                        <a:r>
-                          <a:rPr lang="en-US">
-                            <a:noFill/>
-                          </a:rPr>
-                          <a:t> </a:t>
-                        </a:r>
-                      </a:p>
-                    </p:txBody>
-                  </p:sp>
-                </mc:Fallback>
-              </mc:AlternateContent>
-              <mc:AlternateContent xmlns:mc="http://schemas.openxmlformats.org/markup-compatibility/2006" xmlns:a14="http://schemas.microsoft.com/office/drawing/2010/main">
-                <mc:Choice Requires="a14">
-                  <p:sp>
-                    <p:nvSpPr>
-                      <p:cNvPr id="16" name="TextBox 15">
-                        <a:extLst>
-                          <a:ext uri="{FF2B5EF4-FFF2-40B4-BE49-F238E27FC236}">
-                            <a16:creationId xmlns:a16="http://schemas.microsoft.com/office/drawing/2014/main" id="{BB86F814-A385-10A3-FE00-EDBD251172C9}"/>
-                          </a:ext>
-                        </a:extLst>
-                      </p:cNvPr>
-                      <p:cNvSpPr txBox="1"/>
-                      <p:nvPr/>
-                    </p:nvSpPr>
-                    <p:spPr>
-                      <a:xfrm>
-                        <a:off x="5293788" y="2126359"/>
-                        <a:ext cx="4738286" cy="338554"/>
-                      </a:xfrm>
-                      <a:prstGeom prst="rect">
-                        <a:avLst/>
-                      </a:prstGeom>
-                      <a:noFill/>
-                    </p:spPr>
-                    <p:txBody>
-                      <a:bodyPr wrap="square" rtlCol="0">
-                        <a:spAutoFit/>
-                      </a:bodyPr>
-                      <a:lstStyle/>
-                      <a:p>
-                        <a:pPr/>
-                        <a14:m>
-                          <m:oMathPara xmlns:m="http://schemas.openxmlformats.org/officeDocument/2006/math">
-                            <m:oMathParaPr>
-                              <m:jc m:val="centerGroup"/>
-                            </m:oMathParaPr>
-                            <m:oMath xmlns:m="http://schemas.openxmlformats.org/officeDocument/2006/math">
-                              <m:sSub>
-                                <m:sSubPr>
-                                  <m:ctrlPr>
-                                    <a:rPr lang="en-US" sz="1600" i="1" smtClean="0">
-                                      <a:latin typeface="Cambria Math" panose="02040503050406030204" pitchFamily="18" charset="0"/>
-                                    </a:rPr>
-                                  </m:ctrlPr>
-                                </m:sSubPr>
-                                <m:e>
-                                  <m:r>
-                                    <a:rPr lang="en-US" sz="1600" b="0" i="1" smtClean="0">
-                                      <a:latin typeface="Cambria Math" panose="02040503050406030204" pitchFamily="18" charset="0"/>
-                                    </a:rPr>
-                                    <m:t>𝐽</m:t>
-                                  </m:r>
-                                </m:e>
-                                <m:sub>
-                                  <m:r>
-                                    <a:rPr lang="en-US" sz="1600" b="0" i="1" smtClean="0">
-                                      <a:latin typeface="Cambria Math" panose="02040503050406030204" pitchFamily="18" charset="0"/>
-                                    </a:rPr>
-                                    <m:t>𝐶𝐷</m:t>
-                                  </m:r>
-                                </m:sub>
-                              </m:sSub>
-                              <m:r>
-                                <a:rPr lang="en-US" sz="1600" b="0" i="1" smtClean="0">
-                                  <a:latin typeface="Cambria Math" panose="02040503050406030204" pitchFamily="18" charset="0"/>
-                                </a:rPr>
-                                <m:t>=</m:t>
-                              </m:r>
-                              <m:d>
-                                <m:dPr>
-                                  <m:ctrlPr>
-                                    <a:rPr lang="en-US" sz="1600" b="0" i="1" smtClean="0">
-                                      <a:solidFill>
-                                        <a:srgbClr val="FF0000"/>
-                                      </a:solidFill>
-                                      <a:latin typeface="Cambria Math" panose="02040503050406030204" pitchFamily="18" charset="0"/>
-                                    </a:rPr>
-                                  </m:ctrlPr>
-                                </m:dPr>
-                                <m:e>
-                                  <m:r>
-                                    <a:rPr lang="en-US" sz="1600" b="0" i="1" smtClean="0">
-                                      <a:solidFill>
-                                        <a:srgbClr val="FF0000"/>
-                                      </a:solidFill>
-                                      <a:latin typeface="Cambria Math" panose="02040503050406030204" pitchFamily="18" charset="0"/>
-                                    </a:rPr>
-                                    <m:t>𝐶𝐷</m:t>
-                                  </m:r>
-                                </m:e>
-                                <m:e>
-                                  <m:r>
-                                    <a:rPr lang="en-US" sz="1600" b="0" i="1" smtClean="0">
-                                      <a:solidFill>
-                                        <a:srgbClr val="FF0000"/>
-                                      </a:solidFill>
-                                      <a:latin typeface="Cambria Math" panose="02040503050406030204" pitchFamily="18" charset="0"/>
-                                    </a:rPr>
-                                    <m:t>𝐶𝐶</m:t>
-                                  </m:r>
-                                </m:e>
-                              </m:d>
-                              <m:sSub>
-                                <m:sSubPr>
-                                  <m:ctrlPr>
-                                    <a:rPr lang="en-US" sz="1600" b="0" i="1" smtClean="0">
-                                      <a:solidFill>
-                                        <a:srgbClr val="FF0000"/>
-                                      </a:solidFill>
-                                      <a:latin typeface="Cambria Math" panose="02040503050406030204" pitchFamily="18" charset="0"/>
-                                    </a:rPr>
-                                  </m:ctrlPr>
-                                </m:sSubPr>
-                                <m:e>
-                                  <m:r>
-                                    <a:rPr lang="en-US" sz="1600" b="0" i="1" smtClean="0">
-                                      <a:solidFill>
-                                        <a:srgbClr val="FF0000"/>
-                                      </a:solidFill>
-                                      <a:latin typeface="Cambria Math" panose="02040503050406030204" pitchFamily="18" charset="0"/>
-                                    </a:rPr>
-                                    <m:t>.</m:t>
-                                  </m:r>
-                                  <m:r>
-                                    <a:rPr lang="en-US" sz="1600" b="0" i="1" smtClean="0">
-                                      <a:solidFill>
-                                        <a:srgbClr val="FF0000"/>
-                                      </a:solidFill>
-                                      <a:latin typeface="Cambria Math" panose="02040503050406030204" pitchFamily="18" charset="0"/>
-                                    </a:rPr>
-                                    <m:t>𝑃</m:t>
-                                  </m:r>
-                                </m:e>
-                                <m:sub>
-                                  <m:r>
-                                    <a:rPr lang="en-US" sz="1600" b="0" i="1" smtClean="0">
-                                      <a:solidFill>
-                                        <a:srgbClr val="FF0000"/>
-                                      </a:solidFill>
-                                      <a:latin typeface="Cambria Math" panose="02040503050406030204" pitchFamily="18" charset="0"/>
-                                    </a:rPr>
-                                    <m:t>𝐶𝐶</m:t>
-                                  </m:r>
-                                </m:sub>
-                              </m:sSub>
-                              <m:r>
-                                <a:rPr lang="en-US" sz="1600" b="0" i="1" smtClean="0">
-                                  <a:latin typeface="Cambria Math" panose="02040503050406030204" pitchFamily="18" charset="0"/>
-                                </a:rPr>
-                                <m:t>+</m:t>
-                              </m:r>
-                              <m:d>
-                                <m:dPr>
-                                  <m:ctrlPr>
-                                    <a:rPr lang="en-US" sz="1600" b="0" i="1" smtClean="0">
-                                      <a:solidFill>
-                                        <a:srgbClr val="FF0000"/>
-                                      </a:solidFill>
-                                      <a:latin typeface="Cambria Math" panose="02040503050406030204" pitchFamily="18" charset="0"/>
-                                    </a:rPr>
-                                  </m:ctrlPr>
-                                </m:dPr>
-                                <m:e>
-                                  <m:r>
-                                    <a:rPr lang="en-US" sz="1600" b="0" i="1" smtClean="0">
-                                      <a:solidFill>
-                                        <a:srgbClr val="FF0000"/>
-                                      </a:solidFill>
-                                      <a:latin typeface="Cambria Math" panose="02040503050406030204" pitchFamily="18" charset="0"/>
-                                    </a:rPr>
-                                    <m:t>𝐶𝐷</m:t>
-                                  </m:r>
-                                </m:e>
-                                <m:e>
-                                  <m:r>
-                                    <a:rPr lang="en-US" sz="1600" b="0" i="1" smtClean="0">
-                                      <a:solidFill>
-                                        <a:srgbClr val="FF0000"/>
-                                      </a:solidFill>
-                                      <a:latin typeface="Cambria Math" panose="02040503050406030204" pitchFamily="18" charset="0"/>
-                                    </a:rPr>
-                                    <m:t>𝐶𝐷</m:t>
-                                  </m:r>
-                                </m:e>
-                              </m:d>
-                              <m:sSub>
-                                <m:sSubPr>
-                                  <m:ctrlPr>
-                                    <a:rPr lang="en-US" sz="1600" i="1">
-                                      <a:solidFill>
-                                        <a:srgbClr val="FF0000"/>
-                                      </a:solidFill>
-                                      <a:latin typeface="Cambria Math" panose="02040503050406030204" pitchFamily="18" charset="0"/>
-                                    </a:rPr>
-                                  </m:ctrlPr>
-                                </m:sSubPr>
-                                <m:e>
-                                  <m:r>
-                                    <a:rPr lang="en-US" sz="1600" b="0" i="1" smtClean="0">
-                                      <a:solidFill>
-                                        <a:srgbClr val="FF0000"/>
-                                      </a:solidFill>
-                                      <a:latin typeface="Cambria Math" panose="02040503050406030204" pitchFamily="18" charset="0"/>
-                                    </a:rPr>
-                                    <m:t>.</m:t>
-                                  </m:r>
-                                  <m:r>
-                                    <a:rPr lang="en-US" sz="1600" i="1">
-                                      <a:solidFill>
-                                        <a:srgbClr val="FF0000"/>
-                                      </a:solidFill>
-                                      <a:latin typeface="Cambria Math" panose="02040503050406030204" pitchFamily="18" charset="0"/>
-                                    </a:rPr>
-                                    <m:t>𝑃</m:t>
-                                  </m:r>
-                                </m:e>
-                                <m:sub>
-                                  <m:r>
-                                    <a:rPr lang="en-US" sz="1600" b="0" i="1" smtClean="0">
-                                      <a:solidFill>
-                                        <a:srgbClr val="FF0000"/>
-                                      </a:solidFill>
-                                      <a:latin typeface="Cambria Math" panose="02040503050406030204" pitchFamily="18" charset="0"/>
-                                    </a:rPr>
-                                    <m:t>𝐷𝐶</m:t>
-                                  </m:r>
-                                </m:sub>
-                              </m:sSub>
-                              <m:r>
-                                <a:rPr lang="en-US" sz="1600" b="0" i="1" smtClean="0">
-                                  <a:solidFill>
-                                    <a:schemeClr val="tx1"/>
-                                  </a:solidFill>
-                                  <a:latin typeface="Cambria Math" panose="02040503050406030204" pitchFamily="18" charset="0"/>
-                                </a:rPr>
-                                <m:t>+</m:t>
-                              </m:r>
-                              <m:d>
-                                <m:dPr>
-                                  <m:ctrlPr>
-                                    <a:rPr lang="en-US" sz="1600" b="0" i="1" smtClean="0">
-                                      <a:solidFill>
-                                        <a:srgbClr val="00B0F0"/>
-                                      </a:solidFill>
-                                      <a:latin typeface="Cambria Math" panose="02040503050406030204" pitchFamily="18" charset="0"/>
-                                    </a:rPr>
-                                  </m:ctrlPr>
-                                </m:dPr>
-                                <m:e>
-                                  <m:r>
-                                    <a:rPr lang="en-US" sz="1600" b="0" i="1" smtClean="0">
-                                      <a:solidFill>
-                                        <a:srgbClr val="00B0F0"/>
-                                      </a:solidFill>
-                                      <a:latin typeface="Cambria Math" panose="02040503050406030204" pitchFamily="18" charset="0"/>
-                                    </a:rPr>
-                                    <m:t>𝐶𝐷</m:t>
-                                  </m:r>
-                                </m:e>
-                                <m:e>
-                                  <m:r>
-                                    <a:rPr lang="en-US" sz="1600" b="0" i="1" smtClean="0">
-                                      <a:solidFill>
-                                        <a:srgbClr val="00B0F0"/>
-                                      </a:solidFill>
-                                      <a:latin typeface="Cambria Math" panose="02040503050406030204" pitchFamily="18" charset="0"/>
-                                    </a:rPr>
-                                    <m:t>𝐷𝐷</m:t>
-                                  </m:r>
-                                </m:e>
-                              </m:d>
-                              <m:r>
-                                <a:rPr lang="en-US" sz="1600" b="0" i="1" smtClean="0">
-                                  <a:solidFill>
-                                    <a:srgbClr val="00B0F0"/>
-                                  </a:solidFill>
-                                  <a:latin typeface="Cambria Math" panose="02040503050406030204" pitchFamily="18" charset="0"/>
-                                </a:rPr>
-                                <m:t>.</m:t>
-                              </m:r>
-                              <m:sSub>
-                                <m:sSubPr>
-                                  <m:ctrlPr>
-                                    <a:rPr lang="en-US" sz="1600" i="1">
-                                      <a:solidFill>
-                                        <a:srgbClr val="00B0F0"/>
-                                      </a:solidFill>
-                                      <a:latin typeface="Cambria Math" panose="02040503050406030204" pitchFamily="18" charset="0"/>
-                                    </a:rPr>
-                                  </m:ctrlPr>
-                                </m:sSubPr>
-                                <m:e>
-                                  <m:r>
-                                    <a:rPr lang="en-US" sz="1600" i="1">
-                                      <a:solidFill>
-                                        <a:srgbClr val="00B0F0"/>
-                                      </a:solidFill>
-                                      <a:latin typeface="Cambria Math" panose="02040503050406030204" pitchFamily="18" charset="0"/>
-                                    </a:rPr>
-                                    <m:t>𝑃</m:t>
-                                  </m:r>
-                                </m:e>
-                                <m:sub>
-                                  <m:r>
-                                    <a:rPr lang="en-US" sz="1600" i="1">
-                                      <a:solidFill>
-                                        <a:srgbClr val="00B0F0"/>
-                                      </a:solidFill>
-                                      <a:latin typeface="Cambria Math" panose="02040503050406030204" pitchFamily="18" charset="0"/>
-                                    </a:rPr>
-                                    <m:t>𝐷</m:t>
-                                  </m:r>
-                                  <m:r>
-                                    <a:rPr lang="en-US" sz="1600" b="0" i="1" smtClean="0">
-                                      <a:solidFill>
-                                        <a:srgbClr val="00B0F0"/>
-                                      </a:solidFill>
-                                      <a:latin typeface="Cambria Math" panose="02040503050406030204" pitchFamily="18" charset="0"/>
-                                    </a:rPr>
-                                    <m:t>𝐷</m:t>
-                                  </m:r>
-                                </m:sub>
-                              </m:sSub>
-                            </m:oMath>
-                          </m:oMathPara>
-                        </a14:m>
-                        <a:endParaRPr lang="en-US" sz="1600" dirty="0">
-                          <a:solidFill>
-                            <a:srgbClr val="00B0F0"/>
-                          </a:solidFill>
-                        </a:endParaRPr>
-                      </a:p>
-                    </p:txBody>
-                  </p:sp>
-                </mc:Choice>
-                <mc:Fallback xmlns="">
-                  <p:sp>
-                    <p:nvSpPr>
-                      <p:cNvPr id="16" name="TextBox 15">
-                        <a:extLst>
-                          <a:ext uri="{FF2B5EF4-FFF2-40B4-BE49-F238E27FC236}">
-                            <a16:creationId xmlns:a16="http://schemas.microsoft.com/office/drawing/2014/main" id="{BB86F814-A385-10A3-FE00-EDBD251172C9}"/>
-                          </a:ext>
-                        </a:extLst>
-                      </p:cNvPr>
-                      <p:cNvSpPr txBox="1">
-                        <a:spLocks noRot="1" noChangeAspect="1" noMove="1" noResize="1" noEditPoints="1" noAdjustHandles="1" noChangeArrowheads="1" noChangeShapeType="1" noTextEdit="1"/>
-                      </p:cNvSpPr>
-                      <p:nvPr/>
-                    </p:nvSpPr>
-                    <p:spPr>
-                      <a:xfrm>
-                        <a:off x="5293788" y="2126359"/>
-                        <a:ext cx="4738286" cy="338554"/>
-                      </a:xfrm>
-                      <a:prstGeom prst="rect">
-                        <a:avLst/>
-                      </a:prstGeom>
-                      <a:blipFill>
-                        <a:blip r:embed="rId9"/>
-                        <a:stretch>
-                          <a:fillRect b="-7143"/>
-                        </a:stretch>
-                      </a:blipFill>
-                    </p:spPr>
-                    <p:txBody>
-                      <a:bodyPr/>
-                      <a:lstStyle/>
-                      <a:p>
-                        <a:r>
-                          <a:rPr lang="en-US">
-                            <a:noFill/>
-                          </a:rPr>
-                          <a:t> </a:t>
-                        </a:r>
-                      </a:p>
-                    </p:txBody>
-                  </p:sp>
-                </mc:Fallback>
-              </mc:AlternateContent>
-              <mc:AlternateContent xmlns:mc="http://schemas.openxmlformats.org/markup-compatibility/2006" xmlns:a14="http://schemas.microsoft.com/office/drawing/2010/main">
-                <mc:Choice Requires="a14">
-                  <p:sp>
-                    <p:nvSpPr>
-                      <p:cNvPr id="17" name="TextBox 16">
-                        <a:extLst>
-                          <a:ext uri="{FF2B5EF4-FFF2-40B4-BE49-F238E27FC236}">
-                            <a16:creationId xmlns:a16="http://schemas.microsoft.com/office/drawing/2014/main" id="{EC6D8A82-C313-9170-068D-21021475715B}"/>
-                          </a:ext>
-                        </a:extLst>
-                      </p:cNvPr>
-                      <p:cNvSpPr txBox="1"/>
-                      <p:nvPr/>
-                    </p:nvSpPr>
-                    <p:spPr>
-                      <a:xfrm>
-                        <a:off x="5293789" y="2589847"/>
-                        <a:ext cx="4738285" cy="338554"/>
-                      </a:xfrm>
-                      <a:prstGeom prst="rect">
-                        <a:avLst/>
-                      </a:prstGeom>
-                      <a:noFill/>
-                    </p:spPr>
-                    <p:txBody>
-                      <a:bodyPr wrap="none" rtlCol="0">
-                        <a:spAutoFit/>
-                      </a:bodyPr>
-                      <a:lstStyle/>
-                      <a:p>
-                        <a:pPr/>
-                        <a14:m>
-                          <m:oMathPara xmlns:m="http://schemas.openxmlformats.org/officeDocument/2006/math">
-                            <m:oMathParaPr>
-                              <m:jc m:val="centerGroup"/>
-                            </m:oMathParaPr>
-                            <m:oMath xmlns:m="http://schemas.openxmlformats.org/officeDocument/2006/math">
-                              <m:sSub>
-                                <m:sSubPr>
-                                  <m:ctrlPr>
-                                    <a:rPr lang="en-US" sz="1600" i="1" smtClean="0">
-                                      <a:latin typeface="Cambria Math" panose="02040503050406030204" pitchFamily="18" charset="0"/>
-                                    </a:rPr>
-                                  </m:ctrlPr>
-                                </m:sSubPr>
-                                <m:e>
-                                  <m:r>
-                                    <a:rPr lang="en-US" sz="1600" b="0" i="1" smtClean="0">
-                                      <a:latin typeface="Cambria Math" panose="02040503050406030204" pitchFamily="18" charset="0"/>
-                                    </a:rPr>
-                                    <m:t>𝐽</m:t>
-                                  </m:r>
-                                </m:e>
-                                <m:sub>
-                                  <m:r>
-                                    <a:rPr lang="en-US" sz="1600" b="0" i="1" smtClean="0">
-                                      <a:latin typeface="Cambria Math" panose="02040503050406030204" pitchFamily="18" charset="0"/>
-                                    </a:rPr>
-                                    <m:t>𝐷𝐷</m:t>
-                                  </m:r>
-                                </m:sub>
-                              </m:sSub>
-                              <m:r>
-                                <a:rPr lang="en-US" sz="1600" b="0" i="1" smtClean="0">
-                                  <a:latin typeface="Cambria Math" panose="02040503050406030204" pitchFamily="18" charset="0"/>
-                                </a:rPr>
-                                <m:t>=</m:t>
-                              </m:r>
-                              <m:d>
-                                <m:dPr>
-                                  <m:ctrlPr>
-                                    <a:rPr lang="en-US" sz="1600" b="0" i="1" smtClean="0">
-                                      <a:solidFill>
-                                        <a:srgbClr val="00B0F0"/>
-                                      </a:solidFill>
-                                      <a:latin typeface="Cambria Math" panose="02040503050406030204" pitchFamily="18" charset="0"/>
-                                    </a:rPr>
-                                  </m:ctrlPr>
-                                </m:dPr>
-                                <m:e>
-                                  <m:r>
-                                    <a:rPr lang="en-US" sz="1600" b="0" i="1" smtClean="0">
-                                      <a:solidFill>
-                                        <a:srgbClr val="00B0F0"/>
-                                      </a:solidFill>
-                                      <a:latin typeface="Cambria Math" panose="02040503050406030204" pitchFamily="18" charset="0"/>
-                                    </a:rPr>
-                                    <m:t>𝐷𝐷</m:t>
-                                  </m:r>
-                                </m:e>
-                                <m:e>
-                                  <m:r>
-                                    <a:rPr lang="en-US" sz="1600" b="0" i="1" smtClean="0">
-                                      <a:solidFill>
-                                        <a:srgbClr val="00B0F0"/>
-                                      </a:solidFill>
-                                      <a:latin typeface="Cambria Math" panose="02040503050406030204" pitchFamily="18" charset="0"/>
-                                    </a:rPr>
-                                    <m:t>𝐶𝐶</m:t>
-                                  </m:r>
-                                </m:e>
-                              </m:d>
-                              <m:sSub>
-                                <m:sSubPr>
-                                  <m:ctrlPr>
-                                    <a:rPr lang="en-US" sz="1600" b="0" i="1" smtClean="0">
-                                      <a:solidFill>
-                                        <a:srgbClr val="00B0F0"/>
-                                      </a:solidFill>
-                                      <a:latin typeface="Cambria Math" panose="02040503050406030204" pitchFamily="18" charset="0"/>
-                                    </a:rPr>
-                                  </m:ctrlPr>
-                                </m:sSubPr>
-                                <m:e>
-                                  <m:r>
-                                    <a:rPr lang="en-US" sz="1600" b="0" i="1" smtClean="0">
-                                      <a:solidFill>
-                                        <a:srgbClr val="00B0F0"/>
-                                      </a:solidFill>
-                                      <a:latin typeface="Cambria Math" panose="02040503050406030204" pitchFamily="18" charset="0"/>
-                                    </a:rPr>
-                                    <m:t>.</m:t>
-                                  </m:r>
-                                  <m:r>
-                                    <a:rPr lang="en-US" sz="1600" b="0" i="1" smtClean="0">
-                                      <a:solidFill>
-                                        <a:srgbClr val="00B0F0"/>
-                                      </a:solidFill>
-                                      <a:latin typeface="Cambria Math" panose="02040503050406030204" pitchFamily="18" charset="0"/>
-                                    </a:rPr>
-                                    <m:t>𝑃</m:t>
-                                  </m:r>
-                                </m:e>
-                                <m:sub>
-                                  <m:r>
-                                    <a:rPr lang="en-US" sz="1600" b="0" i="1" smtClean="0">
-                                      <a:solidFill>
-                                        <a:srgbClr val="00B0F0"/>
-                                      </a:solidFill>
-                                      <a:latin typeface="Cambria Math" panose="02040503050406030204" pitchFamily="18" charset="0"/>
-                                    </a:rPr>
-                                    <m:t>𝐶𝐶</m:t>
-                                  </m:r>
-                                </m:sub>
-                              </m:sSub>
-                              <m:r>
-                                <a:rPr lang="en-US" sz="1600" b="0" i="1" smtClean="0">
-                                  <a:latin typeface="Cambria Math" panose="02040503050406030204" pitchFamily="18" charset="0"/>
-                                </a:rPr>
-                                <m:t>+</m:t>
-                              </m:r>
-                              <m:d>
-                                <m:dPr>
-                                  <m:ctrlPr>
-                                    <a:rPr lang="en-US" sz="1600" b="0" i="1" smtClean="0">
-                                      <a:solidFill>
-                                        <a:srgbClr val="00B0F0"/>
-                                      </a:solidFill>
-                                      <a:latin typeface="Cambria Math" panose="02040503050406030204" pitchFamily="18" charset="0"/>
-                                    </a:rPr>
-                                  </m:ctrlPr>
-                                </m:dPr>
-                                <m:e>
-                                  <m:r>
-                                    <a:rPr lang="en-US" sz="1600" b="0" i="1" smtClean="0">
-                                      <a:solidFill>
-                                        <a:srgbClr val="00B0F0"/>
-                                      </a:solidFill>
-                                      <a:latin typeface="Cambria Math" panose="02040503050406030204" pitchFamily="18" charset="0"/>
-                                    </a:rPr>
-                                    <m:t>𝐷𝐷</m:t>
-                                  </m:r>
-                                </m:e>
-                                <m:e>
-                                  <m:r>
-                                    <a:rPr lang="en-US" sz="1600" b="0" i="1" smtClean="0">
-                                      <a:solidFill>
-                                        <a:srgbClr val="00B0F0"/>
-                                      </a:solidFill>
-                                      <a:latin typeface="Cambria Math" panose="02040503050406030204" pitchFamily="18" charset="0"/>
-                                    </a:rPr>
-                                    <m:t>𝐶𝐷</m:t>
-                                  </m:r>
-                                </m:e>
-                              </m:d>
-                              <m:sSub>
-                                <m:sSubPr>
-                                  <m:ctrlPr>
-                                    <a:rPr lang="en-US" sz="1600" i="1">
-                                      <a:solidFill>
-                                        <a:srgbClr val="00B0F0"/>
-                                      </a:solidFill>
-                                      <a:latin typeface="Cambria Math" panose="02040503050406030204" pitchFamily="18" charset="0"/>
-                                    </a:rPr>
-                                  </m:ctrlPr>
-                                </m:sSubPr>
-                                <m:e>
-                                  <m:r>
-                                    <a:rPr lang="en-US" sz="1600" i="1">
-                                      <a:solidFill>
-                                        <a:srgbClr val="00B0F0"/>
-                                      </a:solidFill>
-                                      <a:latin typeface="Cambria Math" panose="02040503050406030204" pitchFamily="18" charset="0"/>
-                                    </a:rPr>
-                                    <m:t>.</m:t>
-                                  </m:r>
-                                  <m:r>
-                                    <a:rPr lang="en-US" sz="1600" i="1">
-                                      <a:solidFill>
-                                        <a:srgbClr val="00B0F0"/>
-                                      </a:solidFill>
-                                      <a:latin typeface="Cambria Math" panose="02040503050406030204" pitchFamily="18" charset="0"/>
-                                    </a:rPr>
-                                    <m:t>𝑃</m:t>
-                                  </m:r>
-                                </m:e>
-                                <m:sub>
-                                  <m:r>
-                                    <a:rPr lang="en-US" sz="1600" b="0" i="1" smtClean="0">
-                                      <a:solidFill>
-                                        <a:srgbClr val="00B0F0"/>
-                                      </a:solidFill>
-                                      <a:latin typeface="Cambria Math" panose="02040503050406030204" pitchFamily="18" charset="0"/>
-                                    </a:rPr>
-                                    <m:t>𝐷𝐶</m:t>
-                                  </m:r>
-                                </m:sub>
-                              </m:sSub>
-                              <m:r>
-                                <a:rPr lang="en-US" sz="1600" b="0" i="1" smtClean="0">
-                                  <a:latin typeface="Cambria Math" panose="02040503050406030204" pitchFamily="18" charset="0"/>
-                                </a:rPr>
-                                <m:t>+</m:t>
-                              </m:r>
-                              <m:d>
-                                <m:dPr>
-                                  <m:ctrlPr>
-                                    <a:rPr lang="en-US" sz="1600" b="0" i="1" smtClean="0">
-                                      <a:solidFill>
-                                        <a:srgbClr val="00B0F0"/>
-                                      </a:solidFill>
-                                      <a:latin typeface="Cambria Math" panose="02040503050406030204" pitchFamily="18" charset="0"/>
-                                    </a:rPr>
-                                  </m:ctrlPr>
-                                </m:dPr>
-                                <m:e>
-                                  <m:r>
-                                    <a:rPr lang="en-US" sz="1600" b="0" i="1" smtClean="0">
-                                      <a:solidFill>
-                                        <a:srgbClr val="00B0F0"/>
-                                      </a:solidFill>
-                                      <a:latin typeface="Cambria Math" panose="02040503050406030204" pitchFamily="18" charset="0"/>
-                                    </a:rPr>
-                                    <m:t>𝐷𝐷</m:t>
-                                  </m:r>
-                                </m:e>
-                                <m:e>
-                                  <m:r>
-                                    <a:rPr lang="en-US" sz="1600" b="0" i="1" smtClean="0">
-                                      <a:solidFill>
-                                        <a:srgbClr val="00B0F0"/>
-                                      </a:solidFill>
-                                      <a:latin typeface="Cambria Math" panose="02040503050406030204" pitchFamily="18" charset="0"/>
-                                    </a:rPr>
-                                    <m:t>𝐷𝐷</m:t>
-                                  </m:r>
-                                </m:e>
-                              </m:d>
-                              <m:r>
-                                <a:rPr lang="en-US" sz="1600" b="0" i="1" smtClean="0">
-                                  <a:solidFill>
-                                    <a:srgbClr val="00B0F0"/>
-                                  </a:solidFill>
-                                  <a:latin typeface="Cambria Math" panose="02040503050406030204" pitchFamily="18" charset="0"/>
-                                </a:rPr>
-                                <m:t>.</m:t>
-                              </m:r>
-                              <m:sSub>
-                                <m:sSubPr>
-                                  <m:ctrlPr>
-                                    <a:rPr lang="en-US" sz="1600" i="1">
-                                      <a:solidFill>
-                                        <a:srgbClr val="00B0F0"/>
-                                      </a:solidFill>
-                                      <a:latin typeface="Cambria Math" panose="02040503050406030204" pitchFamily="18" charset="0"/>
-                                    </a:rPr>
-                                  </m:ctrlPr>
-                                </m:sSubPr>
-                                <m:e>
-                                  <m:r>
-                                    <a:rPr lang="en-US" sz="1600" i="1">
-                                      <a:solidFill>
-                                        <a:srgbClr val="00B0F0"/>
-                                      </a:solidFill>
-                                      <a:latin typeface="Cambria Math" panose="02040503050406030204" pitchFamily="18" charset="0"/>
-                                    </a:rPr>
-                                    <m:t>𝑃</m:t>
-                                  </m:r>
-                                </m:e>
-                                <m:sub>
-                                  <m:r>
-                                    <a:rPr lang="en-US" sz="1600" i="1">
-                                      <a:solidFill>
-                                        <a:srgbClr val="00B0F0"/>
-                                      </a:solidFill>
-                                      <a:latin typeface="Cambria Math" panose="02040503050406030204" pitchFamily="18" charset="0"/>
-                                    </a:rPr>
-                                    <m:t>𝐷</m:t>
-                                  </m:r>
-                                  <m:r>
-                                    <a:rPr lang="en-US" sz="1600" b="0" i="1" smtClean="0">
-                                      <a:solidFill>
-                                        <a:srgbClr val="00B0F0"/>
-                                      </a:solidFill>
-                                      <a:latin typeface="Cambria Math" panose="02040503050406030204" pitchFamily="18" charset="0"/>
-                                    </a:rPr>
-                                    <m:t>𝐷</m:t>
-                                  </m:r>
-                                </m:sub>
-                              </m:sSub>
-                            </m:oMath>
-                          </m:oMathPara>
-                        </a14:m>
-                        <a:endParaRPr lang="en-US" sz="1600" dirty="0">
-                          <a:solidFill>
-                            <a:srgbClr val="00B0F0"/>
-                          </a:solidFill>
-                        </a:endParaRPr>
-                      </a:p>
-                    </p:txBody>
-                  </p:sp>
-                </mc:Choice>
-                <mc:Fallback xmlns="">
-                  <p:sp>
-                    <p:nvSpPr>
-                      <p:cNvPr id="17" name="TextBox 16">
-                        <a:extLst>
-                          <a:ext uri="{FF2B5EF4-FFF2-40B4-BE49-F238E27FC236}">
-                            <a16:creationId xmlns:a16="http://schemas.microsoft.com/office/drawing/2014/main" id="{EC6D8A82-C313-9170-068D-21021475715B}"/>
-                          </a:ext>
-                        </a:extLst>
-                      </p:cNvPr>
-                      <p:cNvSpPr txBox="1">
-                        <a:spLocks noRot="1" noChangeAspect="1" noMove="1" noResize="1" noEditPoints="1" noAdjustHandles="1" noChangeArrowheads="1" noChangeShapeType="1" noTextEdit="1"/>
-                      </p:cNvSpPr>
-                      <p:nvPr/>
-                    </p:nvSpPr>
-                    <p:spPr>
-                      <a:xfrm>
-                        <a:off x="5293789" y="2589847"/>
-                        <a:ext cx="4738285" cy="338554"/>
-                      </a:xfrm>
-                      <a:prstGeom prst="rect">
-                        <a:avLst/>
-                      </a:prstGeom>
-                      <a:blipFill>
-                        <a:blip r:embed="rId10"/>
-                        <a:stretch>
-                          <a:fillRect b="-11111"/>
-                        </a:stretch>
-                      </a:blipFill>
-                    </p:spPr>
-                    <p:txBody>
-                      <a:bodyPr/>
-                      <a:lstStyle/>
-                      <a:p>
-                        <a:r>
-                          <a:rPr lang="en-US">
-                            <a:noFill/>
-                          </a:rPr>
-                          <a:t> </a:t>
-                        </a:r>
-                      </a:p>
-                    </p:txBody>
-                  </p:sp>
-                </mc:Fallback>
-              </mc:AlternateContent>
-            </p:grpSp>
-            <p:sp>
-              <p:nvSpPr>
-                <p:cNvPr id="46" name="L-Shape 45">
-                  <a:extLst>
-                    <a:ext uri="{FF2B5EF4-FFF2-40B4-BE49-F238E27FC236}">
-                      <a16:creationId xmlns:a16="http://schemas.microsoft.com/office/drawing/2014/main" id="{FB187FA7-2B6F-2DFB-C785-7A038762192B}"/>
+                      <a16:creationId xmlns:a16="http://schemas.microsoft.com/office/drawing/2014/main" id="{2835E69E-5A0A-3DF0-5602-937A27458B40}"/>
                     </a:ext>
                   </a:extLst>
                 </p:cNvPr>
@@ -9629,147 +10016,20 @@
                 <p:nvPr/>
               </p:nvSpPr>
               <p:spPr>
-                <a:xfrm flipH="1">
-                  <a:off x="5776484" y="2501592"/>
-                  <a:ext cx="3934819" cy="1295498"/>
+                <a:xfrm>
+                  <a:off x="6482372" y="3627959"/>
+                  <a:ext cx="252249" cy="393356"/>
                 </a:xfrm>
-                <a:custGeom>
+                <a:prstGeom prst="downArrow">
                   <a:avLst/>
-                  <a:gdLst>
-                    <a:gd name="connsiteX0" fmla="*/ 0 w 4500903"/>
-                    <a:gd name="connsiteY0" fmla="*/ 0 h 1608812"/>
-                    <a:gd name="connsiteX1" fmla="*/ 1514616 w 4500903"/>
-                    <a:gd name="connsiteY1" fmla="*/ 0 h 1608812"/>
-                    <a:gd name="connsiteX2" fmla="*/ 1514616 w 4500903"/>
-                    <a:gd name="connsiteY2" fmla="*/ 800239 h 1608812"/>
-                    <a:gd name="connsiteX3" fmla="*/ 4500903 w 4500903"/>
-                    <a:gd name="connsiteY3" fmla="*/ 800239 h 1608812"/>
-                    <a:gd name="connsiteX4" fmla="*/ 4500903 w 4500903"/>
-                    <a:gd name="connsiteY4" fmla="*/ 1608812 h 1608812"/>
-                    <a:gd name="connsiteX5" fmla="*/ 0 w 4500903"/>
-                    <a:gd name="connsiteY5" fmla="*/ 1608812 h 1608812"/>
-                    <a:gd name="connsiteX6" fmla="*/ 0 w 4500903"/>
-                    <a:gd name="connsiteY6" fmla="*/ 0 h 1608812"/>
-                    <a:gd name="connsiteX0" fmla="*/ 0 w 4500903"/>
-                    <a:gd name="connsiteY0" fmla="*/ 0 h 1608812"/>
-                    <a:gd name="connsiteX1" fmla="*/ 1514616 w 4500903"/>
-                    <a:gd name="connsiteY1" fmla="*/ 0 h 1608812"/>
-                    <a:gd name="connsiteX2" fmla="*/ 1508310 w 4500903"/>
-                    <a:gd name="connsiteY2" fmla="*/ 1247980 h 1608812"/>
-                    <a:gd name="connsiteX3" fmla="*/ 4500903 w 4500903"/>
-                    <a:gd name="connsiteY3" fmla="*/ 800239 h 1608812"/>
-                    <a:gd name="connsiteX4" fmla="*/ 4500903 w 4500903"/>
-                    <a:gd name="connsiteY4" fmla="*/ 1608812 h 1608812"/>
-                    <a:gd name="connsiteX5" fmla="*/ 0 w 4500903"/>
-                    <a:gd name="connsiteY5" fmla="*/ 1608812 h 1608812"/>
-                    <a:gd name="connsiteX6" fmla="*/ 0 w 4500903"/>
-                    <a:gd name="connsiteY6" fmla="*/ 0 h 1608812"/>
-                    <a:gd name="connsiteX0" fmla="*/ 0 w 4500903"/>
-                    <a:gd name="connsiteY0" fmla="*/ 0 h 1608812"/>
-                    <a:gd name="connsiteX1" fmla="*/ 1514616 w 4500903"/>
-                    <a:gd name="connsiteY1" fmla="*/ 0 h 1608812"/>
-                    <a:gd name="connsiteX2" fmla="*/ 1508310 w 4500903"/>
-                    <a:gd name="connsiteY2" fmla="*/ 1247980 h 1608812"/>
-                    <a:gd name="connsiteX3" fmla="*/ 4500903 w 4500903"/>
-                    <a:gd name="connsiteY3" fmla="*/ 1247979 h 1608812"/>
-                    <a:gd name="connsiteX4" fmla="*/ 4500903 w 4500903"/>
-                    <a:gd name="connsiteY4" fmla="*/ 1608812 h 1608812"/>
-                    <a:gd name="connsiteX5" fmla="*/ 0 w 4500903"/>
-                    <a:gd name="connsiteY5" fmla="*/ 1608812 h 1608812"/>
-                    <a:gd name="connsiteX6" fmla="*/ 0 w 4500903"/>
-                    <a:gd name="connsiteY6" fmla="*/ 0 h 1608812"/>
-                    <a:gd name="connsiteX0" fmla="*/ 0 w 4500903"/>
-                    <a:gd name="connsiteY0" fmla="*/ 0 h 1608812"/>
-                    <a:gd name="connsiteX1" fmla="*/ 1443989 w 4500903"/>
-                    <a:gd name="connsiteY1" fmla="*/ 0 h 1608812"/>
-                    <a:gd name="connsiteX2" fmla="*/ 1508310 w 4500903"/>
-                    <a:gd name="connsiteY2" fmla="*/ 1247980 h 1608812"/>
-                    <a:gd name="connsiteX3" fmla="*/ 4500903 w 4500903"/>
-                    <a:gd name="connsiteY3" fmla="*/ 1247979 h 1608812"/>
-                    <a:gd name="connsiteX4" fmla="*/ 4500903 w 4500903"/>
-                    <a:gd name="connsiteY4" fmla="*/ 1608812 h 1608812"/>
-                    <a:gd name="connsiteX5" fmla="*/ 0 w 4500903"/>
-                    <a:gd name="connsiteY5" fmla="*/ 1608812 h 1608812"/>
-                    <a:gd name="connsiteX6" fmla="*/ 0 w 4500903"/>
-                    <a:gd name="connsiteY6" fmla="*/ 0 h 1608812"/>
-                    <a:gd name="connsiteX0" fmla="*/ 0 w 4500903"/>
-                    <a:gd name="connsiteY0" fmla="*/ 0 h 1608812"/>
-                    <a:gd name="connsiteX1" fmla="*/ 1443989 w 4500903"/>
-                    <a:gd name="connsiteY1" fmla="*/ 0 h 1608812"/>
-                    <a:gd name="connsiteX2" fmla="*/ 1437682 w 4500903"/>
-                    <a:gd name="connsiteY2" fmla="*/ 1255651 h 1608812"/>
-                    <a:gd name="connsiteX3" fmla="*/ 4500903 w 4500903"/>
-                    <a:gd name="connsiteY3" fmla="*/ 1247979 h 1608812"/>
-                    <a:gd name="connsiteX4" fmla="*/ 4500903 w 4500903"/>
-                    <a:gd name="connsiteY4" fmla="*/ 1608812 h 1608812"/>
-                    <a:gd name="connsiteX5" fmla="*/ 0 w 4500903"/>
-                    <a:gd name="connsiteY5" fmla="*/ 1608812 h 1608812"/>
-                    <a:gd name="connsiteX6" fmla="*/ 0 w 4500903"/>
-                    <a:gd name="connsiteY6" fmla="*/ 0 h 1608812"/>
-                  </a:gdLst>
-                  <a:ahLst/>
-                  <a:cxnLst>
-                    <a:cxn ang="0">
-                      <a:pos x="connsiteX0" y="connsiteY0"/>
-                    </a:cxn>
-                    <a:cxn ang="0">
-                      <a:pos x="connsiteX1" y="connsiteY1"/>
-                    </a:cxn>
-                    <a:cxn ang="0">
-                      <a:pos x="connsiteX2" y="connsiteY2"/>
-                    </a:cxn>
-                    <a:cxn ang="0">
-                      <a:pos x="connsiteX3" y="connsiteY3"/>
-                    </a:cxn>
-                    <a:cxn ang="0">
-                      <a:pos x="connsiteX4" y="connsiteY4"/>
-                    </a:cxn>
-                    <a:cxn ang="0">
-                      <a:pos x="connsiteX5" y="connsiteY5"/>
-                    </a:cxn>
-                    <a:cxn ang="0">
-                      <a:pos x="connsiteX6" y="connsiteY6"/>
-                    </a:cxn>
-                  </a:cxnLst>
-                  <a:rect l="l" t="t" r="r" b="b"/>
-                  <a:pathLst>
-                    <a:path w="4500903" h="1608812">
-                      <a:moveTo>
-                        <a:pt x="0" y="0"/>
-                      </a:moveTo>
-                      <a:lnTo>
-                        <a:pt x="1443989" y="0"/>
-                      </a:lnTo>
-                      <a:cubicBezTo>
-                        <a:pt x="1441887" y="418550"/>
-                        <a:pt x="1439784" y="837101"/>
-                        <a:pt x="1437682" y="1255651"/>
-                      </a:cubicBezTo>
-                      <a:lnTo>
-                        <a:pt x="4500903" y="1247979"/>
-                      </a:lnTo>
-                      <a:lnTo>
-                        <a:pt x="4500903" y="1608812"/>
-                      </a:lnTo>
-                      <a:lnTo>
-                        <a:pt x="0" y="1608812"/>
-                      </a:lnTo>
-                      <a:lnTo>
-                        <a:pt x="0" y="0"/>
-                      </a:lnTo>
-                      <a:close/>
-                    </a:path>
-                  </a:pathLst>
-                </a:custGeom>
+                </a:prstGeom>
                 <a:noFill/>
                 <a:ln>
                   <a:solidFill>
-                    <a:schemeClr val="tx2">
+                    <a:schemeClr val="accent1">
                       <a:lumMod val="75000"/>
-                      <a:lumOff val="25000"/>
                     </a:schemeClr>
                   </a:solidFill>
-                  <a:prstDash val="dash"/>
                 </a:ln>
               </p:spPr>
               <p:style>
@@ -9793,16 +10053,16 @@
                 <a:lstStyle/>
                 <a:p>
                   <a:pPr algn="ctr"/>
-                  <a:endParaRPr lang="en-US" sz="1600"/>
+                  <a:endParaRPr lang="en-US"/>
                 </a:p>
               </p:txBody>
             </p:sp>
             <p:sp>
               <p:nvSpPr>
-                <p:cNvPr id="48" name="Rectangle 47">
+                <p:cNvPr id="62" name="Down Arrow 61">
                   <a:extLst>
                     <a:ext uri="{FF2B5EF4-FFF2-40B4-BE49-F238E27FC236}">
-                      <a16:creationId xmlns:a16="http://schemas.microsoft.com/office/drawing/2014/main" id="{ED180702-085C-A89A-8BC1-66163A17DEE4}"/>
+                      <a16:creationId xmlns:a16="http://schemas.microsoft.com/office/drawing/2014/main" id="{7FFE9636-743B-1D73-6992-2900A6E37A3E}"/>
                     </a:ext>
                   </a:extLst>
                 </p:cNvPr>
@@ -9810,11 +10070,11 @@
                 <p:nvPr/>
               </p:nvSpPr>
               <p:spPr>
-                <a:xfrm>
-                  <a:off x="5776485" y="2492820"/>
-                  <a:ext cx="2522756" cy="874565"/>
+                <a:xfrm rot="10800000">
+                  <a:off x="5824925" y="1780810"/>
+                  <a:ext cx="252249" cy="393356"/>
                 </a:xfrm>
-                <a:prstGeom prst="rect">
+                <a:prstGeom prst="downArrow">
                   <a:avLst/>
                 </a:prstGeom>
                 <a:noFill/>
@@ -9822,7 +10082,6 @@
                   <a:solidFill>
                     <a:srgbClr val="FF0000"/>
                   </a:solidFill>
-                  <a:prstDash val="dash"/>
                 </a:ln>
               </p:spPr>
               <p:style>
@@ -9846,187 +10105,11 @@
                 <a:lstStyle/>
                 <a:p>
                   <a:pPr algn="ctr"/>
-                  <a:endParaRPr lang="en-US" sz="1600"/>
+                  <a:endParaRPr lang="en-US"/>
                 </a:p>
               </p:txBody>
             </p:sp>
           </p:grpSp>
-          <p:sp>
-            <p:nvSpPr>
-              <p:cNvPr id="49" name="TextBox 48">
-                <a:extLst>
-                  <a:ext uri="{FF2B5EF4-FFF2-40B4-BE49-F238E27FC236}">
-                    <a16:creationId xmlns:a16="http://schemas.microsoft.com/office/drawing/2014/main" id="{2A4FCA29-57BB-9834-29B1-CC67AFD575F5}"/>
-                  </a:ext>
-                </a:extLst>
-              </p:cNvPr>
-              <p:cNvSpPr txBox="1"/>
-              <p:nvPr/>
-            </p:nvSpPr>
-            <p:spPr>
-              <a:xfrm>
-                <a:off x="5060488" y="1438473"/>
-                <a:ext cx="1820948" cy="338554"/>
-              </a:xfrm>
-              <a:prstGeom prst="rect">
-                <a:avLst/>
-              </a:prstGeom>
-              <a:noFill/>
-            </p:spPr>
-            <p:txBody>
-              <a:bodyPr wrap="none" rtlCol="0">
-                <a:spAutoFit/>
-              </a:bodyPr>
-              <a:lstStyle/>
-              <a:p>
-                <a:r>
-                  <a:rPr lang="en-US" sz="1600" dirty="0"/>
-                  <a:t>Ewald summation</a:t>
-                </a:r>
-              </a:p>
-            </p:txBody>
-          </p:sp>
-          <p:sp>
-            <p:nvSpPr>
-              <p:cNvPr id="50" name="TextBox 49">
-                <a:extLst>
-                  <a:ext uri="{FF2B5EF4-FFF2-40B4-BE49-F238E27FC236}">
-                    <a16:creationId xmlns:a16="http://schemas.microsoft.com/office/drawing/2014/main" id="{6DB56F04-CD75-FE48-409F-C7DD80F96D31}"/>
-                  </a:ext>
-                </a:extLst>
-              </p:cNvPr>
-              <p:cNvSpPr txBox="1"/>
-              <p:nvPr/>
-            </p:nvSpPr>
-            <p:spPr>
-              <a:xfrm>
-                <a:off x="5385885" y="4040975"/>
-                <a:ext cx="2445221" cy="338554"/>
-              </a:xfrm>
-              <a:prstGeom prst="rect">
-                <a:avLst/>
-              </a:prstGeom>
-              <a:noFill/>
-            </p:spPr>
-            <p:txBody>
-              <a:bodyPr wrap="none" rtlCol="0">
-                <a:spAutoFit/>
-              </a:bodyPr>
-              <a:lstStyle/>
-              <a:p>
-                <a:r>
-                  <a:rPr lang="en-US" sz="1600" dirty="0"/>
-                  <a:t>Plane-wave density fitting</a:t>
-                </a:r>
-              </a:p>
-            </p:txBody>
-          </p:sp>
-          <p:sp>
-            <p:nvSpPr>
-              <p:cNvPr id="61" name="Down Arrow 60">
-                <a:extLst>
-                  <a:ext uri="{FF2B5EF4-FFF2-40B4-BE49-F238E27FC236}">
-                    <a16:creationId xmlns:a16="http://schemas.microsoft.com/office/drawing/2014/main" id="{2835E69E-5A0A-3DF0-5602-937A27458B40}"/>
-                  </a:ext>
-                </a:extLst>
-              </p:cNvPr>
-              <p:cNvSpPr/>
-              <p:nvPr/>
-            </p:nvSpPr>
-            <p:spPr>
-              <a:xfrm>
-                <a:off x="6482372" y="3627959"/>
-                <a:ext cx="252249" cy="393356"/>
-              </a:xfrm>
-              <a:prstGeom prst="downArrow">
-                <a:avLst/>
-              </a:prstGeom>
-              <a:noFill/>
-              <a:ln>
-                <a:solidFill>
-                  <a:schemeClr val="accent1">
-                    <a:lumMod val="75000"/>
-                  </a:schemeClr>
-                </a:solidFill>
-              </a:ln>
-            </p:spPr>
-            <p:style>
-              <a:lnRef idx="2">
-                <a:schemeClr val="accent1">
-                  <a:shade val="15000"/>
-                </a:schemeClr>
-              </a:lnRef>
-              <a:fillRef idx="1">
-                <a:schemeClr val="accent1"/>
-              </a:fillRef>
-              <a:effectRef idx="0">
-                <a:schemeClr val="accent1"/>
-              </a:effectRef>
-              <a:fontRef idx="minor">
-                <a:schemeClr val="lt1"/>
-              </a:fontRef>
-            </p:style>
-            <p:txBody>
-              <a:bodyPr rtlCol="0" anchor="ctr"/>
-              <a:lstStyle/>
-              <a:p>
-                <a:pPr algn="ctr"/>
-                <a:endParaRPr lang="en-US"/>
-              </a:p>
-            </p:txBody>
-          </p:sp>
-          <p:sp>
-            <p:nvSpPr>
-              <p:cNvPr id="62" name="Down Arrow 61">
-                <a:extLst>
-                  <a:ext uri="{FF2B5EF4-FFF2-40B4-BE49-F238E27FC236}">
-                    <a16:creationId xmlns:a16="http://schemas.microsoft.com/office/drawing/2014/main" id="{7FFE9636-743B-1D73-6992-2900A6E37A3E}"/>
-                  </a:ext>
-                </a:extLst>
-              </p:cNvPr>
-              <p:cNvSpPr/>
-              <p:nvPr/>
-            </p:nvSpPr>
-            <p:spPr>
-              <a:xfrm rot="10800000">
-                <a:off x="5824925" y="1810627"/>
-                <a:ext cx="252249" cy="393356"/>
-              </a:xfrm>
-              <a:prstGeom prst="downArrow">
-                <a:avLst/>
-              </a:prstGeom>
-              <a:noFill/>
-              <a:ln>
-                <a:solidFill>
-                  <a:srgbClr val="FF0000"/>
-                </a:solidFill>
-              </a:ln>
-            </p:spPr>
-            <p:style>
-              <a:lnRef idx="2">
-                <a:schemeClr val="accent1">
-                  <a:shade val="15000"/>
-                </a:schemeClr>
-              </a:lnRef>
-              <a:fillRef idx="1">
-                <a:schemeClr val="accent1"/>
-              </a:fillRef>
-              <a:effectRef idx="0">
-                <a:schemeClr val="accent1"/>
-              </a:effectRef>
-              <a:fontRef idx="minor">
-                <a:schemeClr val="lt1"/>
-              </a:fontRef>
-            </p:style>
-            <p:txBody>
-              <a:bodyPr rtlCol="0" anchor="ctr"/>
-              <a:lstStyle/>
-              <a:p>
-                <a:pPr algn="ctr"/>
-                <a:endParaRPr lang="en-US"/>
-              </a:p>
-            </p:txBody>
-          </p:sp>
         </p:grpSp>
       </p:grpSp>
     </p:spTree>
@@ -10357,8 +10440,8 @@
             </a:p>
           </p:txBody>
         </p:sp>
-        <mc:AlternateContent xmlns:mc="http://schemas.openxmlformats.org/markup-compatibility/2006">
-          <mc:Choice xmlns:a14="http://schemas.microsoft.com/office/drawing/2010/main" Requires="a14">
+        <mc:AlternateContent xmlns:mc="http://schemas.openxmlformats.org/markup-compatibility/2006" xmlns:a14="http://schemas.microsoft.com/office/drawing/2010/main">
+          <mc:Choice Requires="a14">
             <p:sp>
               <p:nvSpPr>
                 <p:cNvPr id="19" name="TextBox 18">
@@ -10478,7 +10561,7 @@
               </p:txBody>
             </p:sp>
           </mc:Choice>
-          <mc:Fallback>
+          <mc:Fallback xmlns="">
             <p:sp>
               <p:nvSpPr>
                 <p:cNvPr id="19" name="TextBox 18">
@@ -10523,8 +10606,8 @@
             </p:sp>
           </mc:Fallback>
         </mc:AlternateContent>
-        <mc:AlternateContent xmlns:mc="http://schemas.openxmlformats.org/markup-compatibility/2006">
-          <mc:Choice xmlns:a14="http://schemas.microsoft.com/office/drawing/2010/main" Requires="a14">
+        <mc:AlternateContent xmlns:mc="http://schemas.openxmlformats.org/markup-compatibility/2006" xmlns:a14="http://schemas.microsoft.com/office/drawing/2010/main">
+          <mc:Choice Requires="a14">
             <p:sp>
               <p:nvSpPr>
                 <p:cNvPr id="20" name="TextBox 19">
@@ -10644,7 +10727,7 @@
               </p:txBody>
             </p:sp>
           </mc:Choice>
-          <mc:Fallback>
+          <mc:Fallback xmlns="">
             <p:sp>
               <p:nvSpPr>
                 <p:cNvPr id="20" name="TextBox 19">
@@ -10689,8 +10772,8 @@
             </p:sp>
           </mc:Fallback>
         </mc:AlternateContent>
-        <mc:AlternateContent xmlns:mc="http://schemas.openxmlformats.org/markup-compatibility/2006">
-          <mc:Choice xmlns:a14="http://schemas.microsoft.com/office/drawing/2010/main" Requires="a14">
+        <mc:AlternateContent xmlns:mc="http://schemas.openxmlformats.org/markup-compatibility/2006" xmlns:a14="http://schemas.microsoft.com/office/drawing/2010/main">
+          <mc:Choice Requires="a14">
             <p:sp>
               <p:nvSpPr>
                 <p:cNvPr id="21" name="TextBox 20">
@@ -10810,7 +10893,7 @@
               </p:txBody>
             </p:sp>
           </mc:Choice>
-          <mc:Fallback>
+          <mc:Fallback xmlns="">
             <p:sp>
               <p:nvSpPr>
                 <p:cNvPr id="21" name="TextBox 20">
@@ -10858,10 +10941,10 @@
       </p:grpSp>
       <p:grpSp>
         <p:nvGrpSpPr>
-          <p:cNvPr id="9" name="Group 8">
+          <p:cNvPr id="4" name="Group 3">
             <a:extLst>
               <a:ext uri="{FF2B5EF4-FFF2-40B4-BE49-F238E27FC236}">
-                <a16:creationId xmlns:a16="http://schemas.microsoft.com/office/drawing/2014/main" id="{030B35F8-D660-9A34-F5B9-56300CCCD508}"/>
+                <a16:creationId xmlns:a16="http://schemas.microsoft.com/office/drawing/2014/main" id="{46C37EB8-4970-2D09-5259-E89F0043AA62}"/>
               </a:ext>
             </a:extLst>
           </p:cNvPr>
@@ -10870,18 +10953,18 @@
         </p:nvGrpSpPr>
         <p:grpSpPr>
           <a:xfrm>
-            <a:off x="160011" y="3682379"/>
+            <a:off x="162727" y="3666537"/>
             <a:ext cx="11762423" cy="3191463"/>
-            <a:chOff x="160011" y="3682379"/>
+            <a:chOff x="162727" y="3666537"/>
             <a:chExt cx="11762423" cy="3191463"/>
           </a:xfrm>
         </p:grpSpPr>
         <p:pic>
           <p:nvPicPr>
-            <p:cNvPr id="8" name="Picture 7">
+            <p:cNvPr id="3" name="Picture 2">
               <a:extLst>
                 <a:ext uri="{FF2B5EF4-FFF2-40B4-BE49-F238E27FC236}">
-                  <a16:creationId xmlns:a16="http://schemas.microsoft.com/office/drawing/2014/main" id="{DD2F6BB1-E44D-E0D2-02A3-1F392DEEED6C}"/>
+                  <a16:creationId xmlns:a16="http://schemas.microsoft.com/office/drawing/2014/main" id="{3A915ED7-BFD8-C797-23D8-49FCAD629605}"/>
                 </a:ext>
               </a:extLst>
             </p:cNvPr>
@@ -10898,7 +10981,7 @@
           </p:blipFill>
           <p:spPr>
             <a:xfrm>
-              <a:off x="160011" y="3682379"/>
+              <a:off x="162727" y="3666537"/>
               <a:ext cx="11762423" cy="3191463"/>
             </a:xfrm>
             <a:prstGeom prst="rect">
@@ -11059,8 +11142,8 @@
             </a:p>
           </p:txBody>
         </p:sp>
-        <mc:AlternateContent xmlns:mc="http://schemas.openxmlformats.org/markup-compatibility/2006">
-          <mc:Choice xmlns:a14="http://schemas.microsoft.com/office/drawing/2010/main" Requires="a14">
+        <mc:AlternateContent xmlns:mc="http://schemas.openxmlformats.org/markup-compatibility/2006" xmlns:a14="http://schemas.microsoft.com/office/drawing/2010/main">
+          <mc:Choice Requires="a14">
             <p:sp>
               <p:nvSpPr>
                 <p:cNvPr id="41" name="TextBox 40">
@@ -11173,7 +11256,7 @@
               </p:txBody>
             </p:sp>
           </mc:Choice>
-          <mc:Fallback>
+          <mc:Fallback xmlns="">
             <p:sp>
               <p:nvSpPr>
                 <p:cNvPr id="41" name="TextBox 40">
@@ -11218,8 +11301,8 @@
             </p:sp>
           </mc:Fallback>
         </mc:AlternateContent>
-        <mc:AlternateContent xmlns:mc="http://schemas.openxmlformats.org/markup-compatibility/2006">
-          <mc:Choice xmlns:a14="http://schemas.microsoft.com/office/drawing/2010/main" Requires="a14">
+        <mc:AlternateContent xmlns:mc="http://schemas.openxmlformats.org/markup-compatibility/2006" xmlns:a14="http://schemas.microsoft.com/office/drawing/2010/main">
+          <mc:Choice Requires="a14">
             <p:sp>
               <p:nvSpPr>
                 <p:cNvPr id="15" name="TextBox 14">
@@ -11332,7 +11415,7 @@
               </p:txBody>
             </p:sp>
           </mc:Choice>
-          <mc:Fallback>
+          <mc:Fallback xmlns="">
             <p:sp>
               <p:nvSpPr>
                 <p:cNvPr id="15" name="TextBox 14">
@@ -11377,8 +11460,8 @@
             </p:sp>
           </mc:Fallback>
         </mc:AlternateContent>
-        <mc:AlternateContent xmlns:mc="http://schemas.openxmlformats.org/markup-compatibility/2006">
-          <mc:Choice xmlns:a14="http://schemas.microsoft.com/office/drawing/2010/main" Requires="a14">
+        <mc:AlternateContent xmlns:mc="http://schemas.openxmlformats.org/markup-compatibility/2006" xmlns:a14="http://schemas.microsoft.com/office/drawing/2010/main">
+          <mc:Choice Requires="a14">
             <p:sp>
               <p:nvSpPr>
                 <p:cNvPr id="29" name="TextBox 28">
@@ -11491,7 +11574,7 @@
               </p:txBody>
             </p:sp>
           </mc:Choice>
-          <mc:Fallback>
+          <mc:Fallback xmlns="">
             <p:sp>
               <p:nvSpPr>
                 <p:cNvPr id="29" name="TextBox 28">
@@ -11536,8 +11619,8 @@
             </p:sp>
           </mc:Fallback>
         </mc:AlternateContent>
-        <mc:AlternateContent xmlns:mc="http://schemas.openxmlformats.org/markup-compatibility/2006">
-          <mc:Choice xmlns:a14="http://schemas.microsoft.com/office/drawing/2010/main" Requires="a14">
+        <mc:AlternateContent xmlns:mc="http://schemas.openxmlformats.org/markup-compatibility/2006" xmlns:a14="http://schemas.microsoft.com/office/drawing/2010/main">
+          <mc:Choice Requires="a14">
             <p:sp>
               <p:nvSpPr>
                 <p:cNvPr id="31" name="TextBox 30">
@@ -11650,7 +11733,7 @@
               </p:txBody>
             </p:sp>
           </mc:Choice>
-          <mc:Fallback>
+          <mc:Fallback xmlns="">
             <p:sp>
               <p:nvSpPr>
                 <p:cNvPr id="31" name="TextBox 30">
@@ -11695,8 +11778,8 @@
             </p:sp>
           </mc:Fallback>
         </mc:AlternateContent>
-        <mc:AlternateContent xmlns:mc="http://schemas.openxmlformats.org/markup-compatibility/2006">
-          <mc:Choice xmlns:a14="http://schemas.microsoft.com/office/drawing/2010/main" Requires="a14">
+        <mc:AlternateContent xmlns:mc="http://schemas.openxmlformats.org/markup-compatibility/2006" xmlns:a14="http://schemas.microsoft.com/office/drawing/2010/main">
+          <mc:Choice Requires="a14">
             <p:sp>
               <p:nvSpPr>
                 <p:cNvPr id="32" name="TextBox 31">
@@ -11809,7 +11892,7 @@
               </p:txBody>
             </p:sp>
           </mc:Choice>
-          <mc:Fallback>
+          <mc:Fallback xmlns="">
             <p:sp>
               <p:nvSpPr>
                 <p:cNvPr id="32" name="TextBox 31">
@@ -11854,8 +11937,8 @@
             </p:sp>
           </mc:Fallback>
         </mc:AlternateContent>
-        <mc:AlternateContent xmlns:mc="http://schemas.openxmlformats.org/markup-compatibility/2006">
-          <mc:Choice xmlns:a14="http://schemas.microsoft.com/office/drawing/2010/main" Requires="a14">
+        <mc:AlternateContent xmlns:mc="http://schemas.openxmlformats.org/markup-compatibility/2006" xmlns:a14="http://schemas.microsoft.com/office/drawing/2010/main">
+          <mc:Choice Requires="a14">
             <p:sp>
               <p:nvSpPr>
                 <p:cNvPr id="33" name="TextBox 32">
@@ -11968,7 +12051,7 @@
               </p:txBody>
             </p:sp>
           </mc:Choice>
-          <mc:Fallback>
+          <mc:Fallback xmlns="">
             <p:sp>
               <p:nvSpPr>
                 <p:cNvPr id="33" name="TextBox 32">
@@ -12013,8 +12096,8 @@
             </p:sp>
           </mc:Fallback>
         </mc:AlternateContent>
-        <mc:AlternateContent xmlns:mc="http://schemas.openxmlformats.org/markup-compatibility/2006">
-          <mc:Choice xmlns:a14="http://schemas.microsoft.com/office/drawing/2010/main" Requires="a14">
+        <mc:AlternateContent xmlns:mc="http://schemas.openxmlformats.org/markup-compatibility/2006" xmlns:a14="http://schemas.microsoft.com/office/drawing/2010/main">
+          <mc:Choice Requires="a14">
             <p:sp>
               <p:nvSpPr>
                 <p:cNvPr id="44" name="TextBox 43">
@@ -12127,7 +12210,7 @@
               </p:txBody>
             </p:sp>
           </mc:Choice>
-          <mc:Fallback>
+          <mc:Fallback xmlns="">
             <p:sp>
               <p:nvSpPr>
                 <p:cNvPr id="44" name="TextBox 43">
@@ -12172,8 +12255,8 @@
             </p:sp>
           </mc:Fallback>
         </mc:AlternateContent>
-        <mc:AlternateContent xmlns:mc="http://schemas.openxmlformats.org/markup-compatibility/2006">
-          <mc:Choice xmlns:a14="http://schemas.microsoft.com/office/drawing/2010/main" Requires="a14">
+        <mc:AlternateContent xmlns:mc="http://schemas.openxmlformats.org/markup-compatibility/2006" xmlns:a14="http://schemas.microsoft.com/office/drawing/2010/main">
+          <mc:Choice Requires="a14">
             <p:sp>
               <p:nvSpPr>
                 <p:cNvPr id="45" name="TextBox 44">
@@ -12286,7 +12369,7 @@
               </p:txBody>
             </p:sp>
           </mc:Choice>
-          <mc:Fallback>
+          <mc:Fallback xmlns="">
             <p:sp>
               <p:nvSpPr>
                 <p:cNvPr id="45" name="TextBox 44">
@@ -12331,8 +12414,8 @@
             </p:sp>
           </mc:Fallback>
         </mc:AlternateContent>
-        <mc:AlternateContent xmlns:mc="http://schemas.openxmlformats.org/markup-compatibility/2006">
-          <mc:Choice xmlns:a14="http://schemas.microsoft.com/office/drawing/2010/main" Requires="a14">
+        <mc:AlternateContent xmlns:mc="http://schemas.openxmlformats.org/markup-compatibility/2006" xmlns:a14="http://schemas.microsoft.com/office/drawing/2010/main">
+          <mc:Choice Requires="a14">
             <p:sp>
               <p:nvSpPr>
                 <p:cNvPr id="46" name="TextBox 45">
@@ -12445,7 +12528,7 @@
               </p:txBody>
             </p:sp>
           </mc:Choice>
-          <mc:Fallback>
+          <mc:Fallback xmlns="">
             <p:sp>
               <p:nvSpPr>
                 <p:cNvPr id="46" name="TextBox 45">
@@ -12558,10 +12641,10 @@
       </p:sp>
       <p:grpSp>
         <p:nvGrpSpPr>
-          <p:cNvPr id="15" name="Group 14">
+          <p:cNvPr id="6" name="Group 5">
             <a:extLst>
               <a:ext uri="{FF2B5EF4-FFF2-40B4-BE49-F238E27FC236}">
-                <a16:creationId xmlns:a16="http://schemas.microsoft.com/office/drawing/2014/main" id="{85B6E621-C377-6A1F-6E3D-689FCA337120}"/>
+                <a16:creationId xmlns:a16="http://schemas.microsoft.com/office/drawing/2014/main" id="{164CE001-B595-969F-E3CD-C0234BFE8B9C}"/>
               </a:ext>
             </a:extLst>
           </p:cNvPr>
@@ -12570,18 +12653,18 @@
         </p:nvGrpSpPr>
         <p:grpSpPr>
           <a:xfrm>
-            <a:off x="3364105" y="1343818"/>
+            <a:off x="3363334" y="1343818"/>
             <a:ext cx="5321300" cy="4660900"/>
-            <a:chOff x="3364105" y="1343818"/>
+            <a:chOff x="3363334" y="1343818"/>
             <a:chExt cx="5321300" cy="4660900"/>
           </a:xfrm>
         </p:grpSpPr>
         <p:pic>
           <p:nvPicPr>
-            <p:cNvPr id="7" name="Picture 6">
+            <p:cNvPr id="5" name="Picture 4">
               <a:extLst>
                 <a:ext uri="{FF2B5EF4-FFF2-40B4-BE49-F238E27FC236}">
-                  <a16:creationId xmlns:a16="http://schemas.microsoft.com/office/drawing/2014/main" id="{334E90CE-A796-4701-496B-19C3FADEE1ED}"/>
+                  <a16:creationId xmlns:a16="http://schemas.microsoft.com/office/drawing/2014/main" id="{00C0E774-9024-3788-E391-B241B00D1313}"/>
                 </a:ext>
               </a:extLst>
             </p:cNvPr>
@@ -12598,7 +12681,7 @@
           </p:blipFill>
           <p:spPr>
             <a:xfrm>
-              <a:off x="3364105" y="1343818"/>
+              <a:off x="3363334" y="1343818"/>
               <a:ext cx="5321300" cy="4660900"/>
             </a:xfrm>
             <a:prstGeom prst="rect">
@@ -12606,6 +12689,67 @@
             </a:prstGeom>
           </p:spPr>
         </p:pic>
+        <p:sp>
+          <p:nvSpPr>
+            <p:cNvPr id="14" name="Right Arrow 13">
+              <a:extLst>
+                <a:ext uri="{FF2B5EF4-FFF2-40B4-BE49-F238E27FC236}">
+                  <a16:creationId xmlns:a16="http://schemas.microsoft.com/office/drawing/2014/main" id="{FD570578-CEE3-2843-B86A-51B0981446E0}"/>
+                </a:ext>
+              </a:extLst>
+            </p:cNvPr>
+            <p:cNvSpPr/>
+            <p:nvPr/>
+          </p:nvSpPr>
+          <p:spPr>
+            <a:xfrm rot="10800000">
+              <a:off x="4238647" y="4462978"/>
+              <a:ext cx="494489" cy="209649"/>
+            </a:xfrm>
+            <a:prstGeom prst="rightArrow">
+              <a:avLst/>
+            </a:prstGeom>
+            <a:solidFill>
+              <a:srgbClr val="2301FF"/>
+            </a:solidFill>
+            <a:ln>
+              <a:noFill/>
+            </a:ln>
+          </p:spPr>
+          <p:style>
+            <a:lnRef idx="2">
+              <a:schemeClr val="accent1">
+                <a:shade val="15000"/>
+              </a:schemeClr>
+            </a:lnRef>
+            <a:fillRef idx="1">
+              <a:schemeClr val="accent1"/>
+            </a:fillRef>
+            <a:effectRef idx="0">
+              <a:schemeClr val="accent1"/>
+            </a:effectRef>
+            <a:fontRef idx="minor">
+              <a:schemeClr val="lt1"/>
+            </a:fontRef>
+          </p:style>
+          <p:txBody>
+            <a:bodyPr rtlCol="0" anchor="ctr"/>
+            <a:lstStyle/>
+            <a:p>
+              <a:pPr algn="ctr"/>
+              <a:endParaRPr lang="en-US">
+                <a:ln>
+                  <a:solidFill>
+                    <a:srgbClr val="FF0000"/>
+                  </a:solidFill>
+                </a:ln>
+                <a:solidFill>
+                  <a:srgbClr val="2301FF"/>
+                </a:solidFill>
+              </a:endParaRPr>
+            </a:p>
+          </p:txBody>
+        </p:sp>
         <p:sp>
           <p:nvSpPr>
             <p:cNvPr id="13" name="Right Arrow 12">
@@ -12662,67 +12806,6 @@
                 </a:ln>
                 <a:solidFill>
                   <a:srgbClr val="FF0000"/>
-                </a:solidFill>
-              </a:endParaRPr>
-            </a:p>
-          </p:txBody>
-        </p:sp>
-        <p:sp>
-          <p:nvSpPr>
-            <p:cNvPr id="14" name="Right Arrow 13">
-              <a:extLst>
-                <a:ext uri="{FF2B5EF4-FFF2-40B4-BE49-F238E27FC236}">
-                  <a16:creationId xmlns:a16="http://schemas.microsoft.com/office/drawing/2014/main" id="{FD570578-CEE3-2843-B86A-51B0981446E0}"/>
-                </a:ext>
-              </a:extLst>
-            </p:cNvPr>
-            <p:cNvSpPr/>
-            <p:nvPr/>
-          </p:nvSpPr>
-          <p:spPr>
-            <a:xfrm rot="10800000">
-              <a:off x="4238647" y="4462978"/>
-              <a:ext cx="494489" cy="209649"/>
-            </a:xfrm>
-            <a:prstGeom prst="rightArrow">
-              <a:avLst/>
-            </a:prstGeom>
-            <a:solidFill>
-              <a:srgbClr val="2301FF"/>
-            </a:solidFill>
-            <a:ln>
-              <a:noFill/>
-            </a:ln>
-          </p:spPr>
-          <p:style>
-            <a:lnRef idx="2">
-              <a:schemeClr val="accent1">
-                <a:shade val="15000"/>
-              </a:schemeClr>
-            </a:lnRef>
-            <a:fillRef idx="1">
-              <a:schemeClr val="accent1"/>
-            </a:fillRef>
-            <a:effectRef idx="0">
-              <a:schemeClr val="accent1"/>
-            </a:effectRef>
-            <a:fontRef idx="minor">
-              <a:schemeClr val="lt1"/>
-            </a:fontRef>
-          </p:style>
-          <p:txBody>
-            <a:bodyPr rtlCol="0" anchor="ctr"/>
-            <a:lstStyle/>
-            <a:p>
-              <a:pPr algn="ctr"/>
-              <a:endParaRPr lang="en-US">
-                <a:ln>
-                  <a:solidFill>
-                    <a:srgbClr val="FF0000"/>
-                  </a:solidFill>
-                </a:ln>
-                <a:solidFill>
-                  <a:srgbClr val="2301FF"/>
                 </a:solidFill>
               </a:endParaRPr>
             </a:p>
